--- a/other/doc/TraceLogMonitorWithWAS.pptx
+++ b/other/doc/TraceLogMonitorWithWAS.pptx
@@ -6,7 +6,7 @@
     <p:sldMasterId id="2147483664" r:id="rId2"/>
   </p:sldMasterIdLst>
   <p:notesMasterIdLst>
-    <p:notesMasterId r:id="rId11"/>
+    <p:notesMasterId r:id="rId13"/>
   </p:notesMasterIdLst>
   <p:sldIdLst>
     <p:sldId id="256" r:id="rId3"/>
@@ -15,8 +15,10 @@
     <p:sldId id="303" r:id="rId6"/>
     <p:sldId id="306" r:id="rId7"/>
     <p:sldId id="282" r:id="rId8"/>
-    <p:sldId id="258" r:id="rId9"/>
-    <p:sldId id="305" r:id="rId10"/>
+    <p:sldId id="310" r:id="rId9"/>
+    <p:sldId id="311" r:id="rId10"/>
+    <p:sldId id="307" r:id="rId11"/>
+    <p:sldId id="309" r:id="rId12"/>
   </p:sldIdLst>
   <p:sldSz cx="9144000" cy="6858000" type="screen4x3"/>
   <p:notesSz cx="6858000" cy="9144000"/>
@@ -224,7 +226,7 @@
           <a:p>
             <a:fld id="{E4664BB7-D0FA-BA4C-A193-11994DEA009D}" type="datetimeFigureOut">
               <a:rPr kumimoji="1" lang="zh-TW" altLang="en-US" smtClean="0"/>
-              <a:t>2018/3/26</a:t>
+              <a:t>2018/6/25</a:t>
             </a:fld>
             <a:endParaRPr kumimoji="1" lang="zh-TW" altLang="en-US"/>
           </a:p>
@@ -566,7 +568,7 @@
     </p:spTree>
     <p:extLst>
       <p:ext uri="{BB962C8B-B14F-4D97-AF65-F5344CB8AC3E}">
-        <p14:creationId xmlns:p14="http://schemas.microsoft.com/office/powerpoint/2010/main" val="54908091"/>
+        <p14:creationId xmlns:p14="http://schemas.microsoft.com/office/powerpoint/2010/main" val="46571027"/>
       </p:ext>
     </p:extLst>
   </p:cSld>
@@ -650,7 +652,175 @@
     </p:spTree>
     <p:extLst>
       <p:ext uri="{BB962C8B-B14F-4D97-AF65-F5344CB8AC3E}">
-        <p14:creationId xmlns:p14="http://schemas.microsoft.com/office/powerpoint/2010/main" val="316175109"/>
+        <p14:creationId xmlns:p14="http://schemas.microsoft.com/office/powerpoint/2010/main" val="915512622"/>
+      </p:ext>
+    </p:extLst>
+  </p:cSld>
+  <p:clrMapOvr>
+    <a:masterClrMapping/>
+  </p:clrMapOvr>
+</p:notes>
+</file>
+
+<file path=ppt/notesSlides/notesSlide3.xml><?xml version="1.0" encoding="utf-8"?>
+<p:notes xmlns:a="http://schemas.openxmlformats.org/drawingml/2006/main" xmlns:r="http://schemas.openxmlformats.org/officeDocument/2006/relationships" xmlns:p="http://schemas.openxmlformats.org/presentationml/2006/main">
+  <p:cSld>
+    <p:spTree>
+      <p:nvGrpSpPr>
+        <p:cNvPr id="1" name=""/>
+        <p:cNvGrpSpPr/>
+        <p:nvPr/>
+      </p:nvGrpSpPr>
+      <p:grpSpPr>
+        <a:xfrm>
+          <a:off x="0" y="0"/>
+          <a:ext cx="0" cy="0"/>
+          <a:chOff x="0" y="0"/>
+          <a:chExt cx="0" cy="0"/>
+        </a:xfrm>
+      </p:grpSpPr>
+      <p:sp>
+        <p:nvSpPr>
+          <p:cNvPr id="2" name="投影片影像版面配置區 1"/>
+          <p:cNvSpPr>
+            <a:spLocks noGrp="1" noRot="1" noChangeAspect="1"/>
+          </p:cNvSpPr>
+          <p:nvPr>
+            <p:ph type="sldImg"/>
+          </p:nvPr>
+        </p:nvSpPr>
+        <p:spPr/>
+      </p:sp>
+      <p:sp>
+        <p:nvSpPr>
+          <p:cNvPr id="3" name="備忘稿版面配置區 2"/>
+          <p:cNvSpPr>
+            <a:spLocks noGrp="1"/>
+          </p:cNvSpPr>
+          <p:nvPr>
+            <p:ph type="body" idx="1"/>
+          </p:nvPr>
+        </p:nvSpPr>
+        <p:spPr/>
+        <p:txBody>
+          <a:bodyPr/>
+          <a:lstStyle/>
+          <a:p>
+            <a:endParaRPr kumimoji="1" lang="zh-TW" altLang="en-US" dirty="0"/>
+          </a:p>
+        </p:txBody>
+      </p:sp>
+      <p:sp>
+        <p:nvSpPr>
+          <p:cNvPr id="4" name="投影片編號版面配置區 3"/>
+          <p:cNvSpPr>
+            <a:spLocks noGrp="1"/>
+          </p:cNvSpPr>
+          <p:nvPr>
+            <p:ph type="sldNum" sz="quarter" idx="10"/>
+          </p:nvPr>
+        </p:nvSpPr>
+        <p:spPr/>
+        <p:txBody>
+          <a:bodyPr/>
+          <a:lstStyle/>
+          <a:p>
+            <a:fld id="{ABDC4079-0EF4-B448-BEE2-3DF7E1273377}" type="slidenum">
+              <a:rPr kumimoji="1" lang="zh-TW" altLang="en-US" smtClean="0"/>
+              <a:t>9</a:t>
+            </a:fld>
+            <a:endParaRPr kumimoji="1" lang="zh-TW" altLang="en-US"/>
+          </a:p>
+        </p:txBody>
+      </p:sp>
+    </p:spTree>
+    <p:extLst>
+      <p:ext uri="{BB962C8B-B14F-4D97-AF65-F5344CB8AC3E}">
+        <p14:creationId xmlns:p14="http://schemas.microsoft.com/office/powerpoint/2010/main" val="767542341"/>
+      </p:ext>
+    </p:extLst>
+  </p:cSld>
+  <p:clrMapOvr>
+    <a:masterClrMapping/>
+  </p:clrMapOvr>
+</p:notes>
+</file>
+
+<file path=ppt/notesSlides/notesSlide4.xml><?xml version="1.0" encoding="utf-8"?>
+<p:notes xmlns:a="http://schemas.openxmlformats.org/drawingml/2006/main" xmlns:r="http://schemas.openxmlformats.org/officeDocument/2006/relationships" xmlns:p="http://schemas.openxmlformats.org/presentationml/2006/main">
+  <p:cSld>
+    <p:spTree>
+      <p:nvGrpSpPr>
+        <p:cNvPr id="1" name=""/>
+        <p:cNvGrpSpPr/>
+        <p:nvPr/>
+      </p:nvGrpSpPr>
+      <p:grpSpPr>
+        <a:xfrm>
+          <a:off x="0" y="0"/>
+          <a:ext cx="0" cy="0"/>
+          <a:chOff x="0" y="0"/>
+          <a:chExt cx="0" cy="0"/>
+        </a:xfrm>
+      </p:grpSpPr>
+      <p:sp>
+        <p:nvSpPr>
+          <p:cNvPr id="2" name="投影片影像版面配置區 1"/>
+          <p:cNvSpPr>
+            <a:spLocks noGrp="1" noRot="1" noChangeAspect="1"/>
+          </p:cNvSpPr>
+          <p:nvPr>
+            <p:ph type="sldImg"/>
+          </p:nvPr>
+        </p:nvSpPr>
+        <p:spPr/>
+      </p:sp>
+      <p:sp>
+        <p:nvSpPr>
+          <p:cNvPr id="3" name="備忘稿版面配置區 2"/>
+          <p:cNvSpPr>
+            <a:spLocks noGrp="1"/>
+          </p:cNvSpPr>
+          <p:nvPr>
+            <p:ph type="body" idx="1"/>
+          </p:nvPr>
+        </p:nvSpPr>
+        <p:spPr/>
+        <p:txBody>
+          <a:bodyPr/>
+          <a:lstStyle/>
+          <a:p>
+            <a:endParaRPr kumimoji="1" lang="zh-TW" altLang="en-US" dirty="0"/>
+          </a:p>
+        </p:txBody>
+      </p:sp>
+      <p:sp>
+        <p:nvSpPr>
+          <p:cNvPr id="4" name="投影片編號版面配置區 3"/>
+          <p:cNvSpPr>
+            <a:spLocks noGrp="1"/>
+          </p:cNvSpPr>
+          <p:nvPr>
+            <p:ph type="sldNum" sz="quarter" idx="10"/>
+          </p:nvPr>
+        </p:nvSpPr>
+        <p:spPr/>
+        <p:txBody>
+          <a:bodyPr/>
+          <a:lstStyle/>
+          <a:p>
+            <a:fld id="{ABDC4079-0EF4-B448-BEE2-3DF7E1273377}" type="slidenum">
+              <a:rPr kumimoji="1" lang="zh-TW" altLang="en-US" smtClean="0"/>
+              <a:t>10</a:t>
+            </a:fld>
+            <a:endParaRPr kumimoji="1" lang="zh-TW" altLang="en-US"/>
+          </a:p>
+        </p:txBody>
+      </p:sp>
+    </p:spTree>
+    <p:extLst>
+      <p:ext uri="{BB962C8B-B14F-4D97-AF65-F5344CB8AC3E}">
+        <p14:creationId xmlns:p14="http://schemas.microsoft.com/office/powerpoint/2010/main" val="286077544"/>
       </p:ext>
     </p:extLst>
   </p:cSld>
@@ -1011,7 +1181,7 @@
           <a:p>
             <a:fld id="{79D8B742-D1FD-4176-A332-764EC9EA98CF}" type="datetimeFigureOut">
               <a:rPr lang="zh-TW" altLang="en-US" smtClean="0"/>
-              <a:t>2018/3/26</a:t>
+              <a:t>2018/6/25</a:t>
             </a:fld>
             <a:endParaRPr lang="zh-TW" altLang="en-US"/>
           </a:p>
@@ -3541,6 +3711,164 @@
 </p:sld>
 </file>
 
+<file path=ppt/slides/slide10.xml><?xml version="1.0" encoding="utf-8"?>
+<p:sld xmlns:a="http://schemas.openxmlformats.org/drawingml/2006/main" xmlns:r="http://schemas.openxmlformats.org/officeDocument/2006/relationships" xmlns:p="http://schemas.openxmlformats.org/presentationml/2006/main">
+  <p:cSld>
+    <p:spTree>
+      <p:nvGrpSpPr>
+        <p:cNvPr id="1" name=""/>
+        <p:cNvGrpSpPr/>
+        <p:nvPr/>
+      </p:nvGrpSpPr>
+      <p:grpSpPr>
+        <a:xfrm>
+          <a:off x="0" y="0"/>
+          <a:ext cx="0" cy="0"/>
+          <a:chOff x="0" y="0"/>
+          <a:chExt cx="0" cy="0"/>
+        </a:xfrm>
+      </p:grpSpPr>
+      <p:sp>
+        <p:nvSpPr>
+          <p:cNvPr id="2" name="標題 1"/>
+          <p:cNvSpPr>
+            <a:spLocks noGrp="1"/>
+          </p:cNvSpPr>
+          <p:nvPr>
+            <p:ph type="title"/>
+          </p:nvPr>
+        </p:nvSpPr>
+        <p:spPr/>
+        <p:txBody>
+          <a:bodyPr>
+            <a:normAutofit/>
+          </a:bodyPr>
+          <a:lstStyle/>
+          <a:p>
+            <a:r>
+              <a:rPr kumimoji="1" lang="zh-TW" altLang="en-US" dirty="0"/>
+              <a:t>參數檔</a:t>
+            </a:r>
+            <a:r>
+              <a:rPr kumimoji="1" lang="zh-TW" altLang="en-US" dirty="0" smtClean="0"/>
+              <a:t>變數</a:t>
+            </a:r>
+            <a:r>
+              <a:rPr kumimoji="1" lang="en-US" altLang="zh-TW" dirty="0" smtClean="0"/>
+              <a:t>(SMS)</a:t>
+            </a:r>
+            <a:endParaRPr lang="zh-TW" altLang="en-US" dirty="0"/>
+          </a:p>
+        </p:txBody>
+      </p:sp>
+      <p:sp>
+        <p:nvSpPr>
+          <p:cNvPr id="3" name="內容版面配置區 2"/>
+          <p:cNvSpPr>
+            <a:spLocks noGrp="1"/>
+          </p:cNvSpPr>
+          <p:nvPr>
+            <p:ph idx="1"/>
+          </p:nvPr>
+        </p:nvSpPr>
+        <p:spPr/>
+        <p:txBody>
+          <a:bodyPr>
+            <a:normAutofit/>
+          </a:bodyPr>
+          <a:lstStyle/>
+          <a:p>
+            <a:r>
+              <a:rPr lang="en-US" altLang="zh-TW" dirty="0" err="1" smtClean="0"/>
+              <a:t>sms.host</a:t>
+            </a:r>
+            <a:endParaRPr lang="en-US" altLang="zh-TW" dirty="0"/>
+          </a:p>
+          <a:p>
+            <a:r>
+              <a:rPr lang="en-US" altLang="zh-TW" dirty="0" err="1" smtClean="0"/>
+              <a:t>sms.port</a:t>
+            </a:r>
+            <a:endParaRPr lang="en-US" altLang="zh-TW" dirty="0" smtClean="0"/>
+          </a:p>
+          <a:p>
+            <a:r>
+              <a:rPr lang="en-US" altLang="zh-TW" dirty="0" err="1" smtClean="0"/>
+              <a:t>sms.entry</a:t>
+            </a:r>
+            <a:endParaRPr lang="en-US" altLang="zh-TW" dirty="0" smtClean="0"/>
+          </a:p>
+          <a:p>
+            <a:r>
+              <a:rPr lang="en-US" altLang="zh-TW" dirty="0" err="1" smtClean="0"/>
+              <a:t>sms.username</a:t>
+            </a:r>
+            <a:endParaRPr lang="en-US" altLang="zh-TW" dirty="0"/>
+          </a:p>
+          <a:p>
+            <a:r>
+              <a:rPr lang="en-US" altLang="zh-TW" dirty="0" err="1" smtClean="0"/>
+              <a:t>sms.password</a:t>
+            </a:r>
+            <a:endParaRPr lang="en-US" altLang="zh-TW" dirty="0" smtClean="0"/>
+          </a:p>
+          <a:p>
+            <a:r>
+              <a:rPr lang="en-US" altLang="zh-TW" dirty="0" err="1" smtClean="0"/>
+              <a:t>proxy.enable</a:t>
+            </a:r>
+            <a:endParaRPr lang="en-US" altLang="zh-TW" dirty="0" smtClean="0"/>
+          </a:p>
+          <a:p>
+            <a:r>
+              <a:rPr lang="en-US" altLang="zh-TW" dirty="0" err="1" smtClean="0"/>
+              <a:t>proxy.host</a:t>
+            </a:r>
+            <a:endParaRPr lang="en-US" altLang="zh-TW" dirty="0" smtClean="0"/>
+          </a:p>
+          <a:p>
+            <a:r>
+              <a:rPr lang="en-US" altLang="zh-TW" dirty="0" err="1" smtClean="0"/>
+              <a:t>proxy.port</a:t>
+            </a:r>
+            <a:endParaRPr lang="en-US" altLang="zh-TW" dirty="0" smtClean="0"/>
+          </a:p>
+          <a:p>
+            <a:r>
+              <a:rPr lang="en-US" altLang="zh-TW" dirty="0" err="1" smtClean="0"/>
+              <a:t>sms.encoding</a:t>
+            </a:r>
+            <a:r>
+              <a:rPr lang="en-US" altLang="zh-TW" dirty="0"/>
+              <a:t/>
+            </a:r>
+            <a:br>
+              <a:rPr lang="en-US" altLang="zh-TW" dirty="0"/>
+            </a:br>
+            <a:endParaRPr kumimoji="1" lang="en-US" altLang="zh-TW" dirty="0"/>
+          </a:p>
+        </p:txBody>
+      </p:sp>
+    </p:spTree>
+    <p:extLst>
+      <p:ext uri="{BB962C8B-B14F-4D97-AF65-F5344CB8AC3E}">
+        <p14:creationId xmlns:p14="http://schemas.microsoft.com/office/powerpoint/2010/main" val="1798168825"/>
+      </p:ext>
+    </p:extLst>
+  </p:cSld>
+  <p:clrMapOvr>
+    <a:masterClrMapping/>
+  </p:clrMapOvr>
+  <p:timing>
+    <p:tnLst>
+      <p:par>
+        <p:cTn id="1" dur="indefinite" restart="never" nodeType="tmRoot"/>
+      </p:par>
+    </p:tnLst>
+  </p:timing>
+</p:sld>
+</file>
+
 <file path=ppt/slides/slide2.xml><?xml version="1.0" encoding="utf-8"?>
 <p:sld xmlns:a="http://schemas.openxmlformats.org/drawingml/2006/main" xmlns:r="http://schemas.openxmlformats.org/officeDocument/2006/relationships" xmlns:p="http://schemas.openxmlformats.org/presentationml/2006/main">
   <p:cSld>
@@ -3606,11 +3934,7 @@
             </a:r>
             <a:r>
               <a:rPr kumimoji="1" lang="zh-TW" altLang="en-US" dirty="0" smtClean="0"/>
-              <a:t>因執行緒超量，造成當機之前，能夠提前發出</a:t>
-            </a:r>
-            <a:r>
-              <a:rPr kumimoji="1" lang="zh-TW" altLang="en-US" dirty="0" smtClean="0"/>
-              <a:t>警告。</a:t>
+              <a:t>因執行緒超量，造成當機之前，能夠提前發出警告。</a:t>
             </a:r>
             <a:endParaRPr kumimoji="1" lang="en-US" altLang="zh-TW" dirty="0" smtClean="0"/>
           </a:p>
@@ -3741,7 +4065,7 @@
           <a:p>
             <a:r>
               <a:rPr lang="zh-TW" altLang="en-US" dirty="0" smtClean="0"/>
-              <a:t>解決方案</a:t>
+              <a:t>系統功能</a:t>
             </a:r>
             <a:endParaRPr lang="zh-TW" altLang="en-US" dirty="0"/>
           </a:p>
@@ -3796,11 +4120,47 @@
             </a:r>
             <a:r>
               <a:rPr kumimoji="1" lang="zh-TW" altLang="en-US" dirty="0"/>
-              <a:t>的筆數，若超過所設定限制</a:t>
+              <a:t>的</a:t>
             </a:r>
             <a:r>
               <a:rPr kumimoji="1" lang="zh-TW" altLang="en-US" dirty="0" smtClean="0"/>
-              <a:t>筆數，則發送</a:t>
+              <a:t>筆數</a:t>
+            </a:r>
+            <a:r>
+              <a:rPr kumimoji="1" lang="zh-TW" altLang="en-US" dirty="0" smtClean="0"/>
+              <a:t>及單筆</a:t>
+            </a:r>
+            <a:r>
+              <a:rPr kumimoji="1" lang="en-US" altLang="zh-TW" dirty="0" smtClean="0"/>
+              <a:t>pending</a:t>
+            </a:r>
+            <a:r>
+              <a:rPr kumimoji="1" lang="zh-TW" altLang="en-US" dirty="0" smtClean="0"/>
+              <a:t>所</a:t>
+            </a:r>
+            <a:r>
+              <a:rPr kumimoji="1" lang="en-US" altLang="zh-TW" dirty="0" smtClean="0"/>
+              <a:t>hang</a:t>
+            </a:r>
+            <a:r>
+              <a:rPr kumimoji="1" lang="zh-TW" altLang="en-US" dirty="0" smtClean="0"/>
+              <a:t>住的時間</a:t>
+            </a:r>
+            <a:r>
+              <a:rPr kumimoji="1" lang="zh-TW" altLang="en-US" dirty="0" smtClean="0"/>
+              <a:t>，</a:t>
+            </a:r>
+            <a:r>
+              <a:rPr kumimoji="1" lang="zh-TW" altLang="en-US" dirty="0"/>
+              <a:t>若超過所設定限制</a:t>
+            </a:r>
+            <a:r>
+              <a:rPr kumimoji="1" lang="zh-TW" altLang="en-US" dirty="0" smtClean="0"/>
+              <a:t>筆數或時間，</a:t>
+            </a:r>
+            <a:r>
+              <a:rPr kumimoji="1" lang="zh-TW" altLang="en-US" dirty="0" smtClean="0"/>
+              <a:t>則發送</a:t>
             </a:r>
             <a:r>
               <a:rPr kumimoji="1" lang="en-US" altLang="zh-TW" dirty="0" smtClean="0"/>
@@ -3816,11 +4176,33 @@
             </a:r>
             <a:r>
               <a:rPr kumimoji="1" lang="zh-TW" altLang="en-US" dirty="0" smtClean="0"/>
-              <a:t>所</a:t>
+              <a:t>所設定收件者</a:t>
             </a:r>
             <a:r>
               <a:rPr kumimoji="1" lang="zh-TW" altLang="en-US" dirty="0" smtClean="0"/>
-              <a:t>設定收件者。</a:t>
+              <a:t>。</a:t>
+            </a:r>
+            <a:endParaRPr kumimoji="1" lang="en-US" altLang="zh-TW" dirty="0" smtClean="0"/>
+          </a:p>
+          <a:p>
+            <a:endParaRPr kumimoji="1" lang="en-US" altLang="zh-TW" dirty="0" smtClean="0"/>
+          </a:p>
+          <a:p>
+            <a:r>
+              <a:rPr kumimoji="1" lang="zh-TW" altLang="en-US" dirty="0" smtClean="0"/>
+              <a:t>可自定義</a:t>
+            </a:r>
+            <a:r>
+              <a:rPr kumimoji="1" lang="en-US" altLang="zh-TW" dirty="0" err="1" smtClean="0"/>
+              <a:t>RegularExpress</a:t>
+            </a:r>
+            <a:r>
+              <a:rPr kumimoji="1" lang="en-US" altLang="zh-TW" dirty="0" smtClean="0"/>
+              <a:t> pattern </a:t>
+            </a:r>
+            <a:r>
+              <a:rPr kumimoji="1" lang="zh-TW" altLang="en-US" dirty="0" smtClean="0"/>
+              <a:t>及所設定的最大允許數量，超過就會發通知給收件者。</a:t>
             </a:r>
             <a:endParaRPr kumimoji="1" lang="en-US" altLang="zh-TW" dirty="0" smtClean="0"/>
           </a:p>
@@ -5062,11 +5444,7 @@
             </a:r>
             <a:r>
               <a:rPr lang="zh-TW" altLang="en-US" dirty="0" smtClean="0"/>
-              <a:t>將</a:t>
-            </a:r>
-            <a:r>
-              <a:rPr lang="zh-TW" altLang="en-US" dirty="0" smtClean="0"/>
-              <a:t>執行</a:t>
+              <a:t>將執行</a:t>
             </a:r>
             <a:r>
               <a:rPr lang="en-US" altLang="zh-TW" dirty="0" smtClean="0"/>
@@ -5080,7 +5458,6 @@
               <a:rPr lang="en-US" altLang="zh-TW" dirty="0" smtClean="0"/>
               <a:t>window service</a:t>
             </a:r>
-            <a:endParaRPr lang="en-US" altLang="zh-TW" dirty="0" smtClean="0"/>
           </a:p>
           <a:p>
             <a:endParaRPr lang="en-US" altLang="zh-TW" dirty="0"/>
@@ -5266,96 +5643,363 @@
         <p:spPr/>
         <p:txBody>
           <a:bodyPr>
-            <a:normAutofit lnSpcReduction="10000"/>
+            <a:normAutofit/>
           </a:bodyPr>
           <a:lstStyle/>
           <a:p>
             <a:r>
-              <a:rPr kumimoji="1" lang="en-US" altLang="zh-TW" dirty="0" err="1"/>
-              <a:t>traceLog</a:t>
-            </a:r>
-            <a:r>
-              <a:rPr kumimoji="1" lang="en-US" altLang="zh-TW" dirty="0"/>
-              <a:t> path</a:t>
-            </a:r>
-          </a:p>
-          <a:p>
-            <a:r>
-              <a:rPr kumimoji="1" lang="zh-TW" altLang="en-US" dirty="0"/>
+              <a:rPr lang="en-US" altLang="zh-TW" dirty="0" err="1" smtClean="0"/>
+              <a:t>intervalTime</a:t>
+            </a:r>
+            <a:r>
+              <a:rPr lang="en-US" altLang="zh-TW" dirty="0" smtClean="0"/>
+              <a:t> </a:t>
+            </a:r>
+            <a:r>
+              <a:rPr lang="en-US" altLang="zh-TW" dirty="0" smtClean="0">
+                <a:solidFill>
+                  <a:srgbClr val="FF0000"/>
+                </a:solidFill>
+              </a:rPr>
+              <a:t>(</a:t>
+            </a:r>
+            <a:r>
+              <a:rPr kumimoji="1" lang="zh-TW" altLang="en-US" dirty="0">
+                <a:solidFill>
+                  <a:srgbClr val="FF0000"/>
+                </a:solidFill>
+              </a:rPr>
               <a:t>啟動間隔</a:t>
             </a:r>
-            <a:endParaRPr kumimoji="1" lang="en-US" altLang="zh-TW" dirty="0"/>
-          </a:p>
-          <a:p>
-            <a:r>
-              <a:rPr kumimoji="1" lang="en-US" altLang="zh-TW" dirty="0"/>
-              <a:t>Pending limit</a:t>
-            </a:r>
-          </a:p>
-          <a:p>
-            <a:r>
-              <a:rPr kumimoji="1" lang="en-US" altLang="zh-TW" dirty="0"/>
-              <a:t>Send Email address (</a:t>
-            </a:r>
-            <a:r>
-              <a:rPr kumimoji="1" lang="en-US" altLang="zh-TW" dirty="0">
-                <a:hlinkClick r:id="rId3"/>
-              </a:rPr>
-              <a:t>xxx@gmail.com,yyy@gmail.com</a:t>
-            </a:r>
-            <a:r>
-              <a:rPr kumimoji="1" lang="en-US" altLang="zh-TW" dirty="0" smtClean="0">
-                <a:hlinkClick r:id="rId3"/>
+            <a:r>
+              <a:rPr lang="en-US" altLang="zh-TW" dirty="0" smtClean="0">
+                <a:solidFill>
+                  <a:srgbClr val="FF0000"/>
+                </a:solidFill>
               </a:rPr>
               <a:t>)</a:t>
             </a:r>
-            <a:endParaRPr kumimoji="1" lang="en-US" altLang="zh-TW" dirty="0"/>
-          </a:p>
-          <a:p>
-            <a:r>
-              <a:rPr kumimoji="1" lang="en-US" altLang="zh-TW" dirty="0"/>
-              <a:t>Email host</a:t>
-            </a:r>
-          </a:p>
-          <a:p>
-            <a:r>
-              <a:rPr kumimoji="1" lang="en-US" altLang="zh-TW" dirty="0"/>
-              <a:t>Email user </a:t>
-            </a:r>
-          </a:p>
-          <a:p>
-            <a:r>
-              <a:rPr kumimoji="1" lang="en-US" altLang="zh-TW" dirty="0"/>
-              <a:t>Email password</a:t>
-            </a:r>
-          </a:p>
-          <a:p>
-            <a:r>
-              <a:rPr kumimoji="1" lang="en-US" altLang="zh-TW" dirty="0"/>
-              <a:t>Email </a:t>
-            </a:r>
-            <a:r>
-              <a:rPr kumimoji="1" lang="en-US" altLang="zh-TW" dirty="0" smtClean="0"/>
-              <a:t>port</a:t>
-            </a:r>
-          </a:p>
-          <a:p>
-            <a:r>
-              <a:rPr kumimoji="1" lang="en-US" altLang="zh-TW" dirty="0" smtClean="0"/>
-              <a:t>Snapshot files folder </a:t>
-            </a:r>
-            <a:endParaRPr kumimoji="1" lang="en-US" altLang="zh-TW" dirty="0" smtClean="0"/>
-          </a:p>
-          <a:p>
-            <a:r>
-              <a:rPr kumimoji="1" lang="en-US" altLang="zh-TW" dirty="0" err="1" smtClean="0"/>
-              <a:t>IssueLogs</a:t>
-            </a:r>
-            <a:r>
-              <a:rPr kumimoji="1" lang="en-US" altLang="zh-TW" dirty="0" smtClean="0"/>
-              <a:t> folder</a:t>
-            </a:r>
-            <a:endParaRPr kumimoji="1" lang="en-US" altLang="zh-TW" dirty="0" smtClean="0"/>
+            <a:endParaRPr lang="en-US" altLang="zh-TW" dirty="0">
+              <a:solidFill>
+                <a:srgbClr val="FF0000"/>
+              </a:solidFill>
+            </a:endParaRPr>
+          </a:p>
+          <a:p>
+            <a:r>
+              <a:rPr lang="en-US" altLang="zh-TW" dirty="0" err="1" smtClean="0"/>
+              <a:t>logFolderPath</a:t>
+            </a:r>
+            <a:r>
+              <a:rPr lang="en-US" altLang="zh-TW" dirty="0" smtClean="0"/>
+              <a:t> </a:t>
+            </a:r>
+            <a:r>
+              <a:rPr lang="en-US" altLang="zh-TW" dirty="0" smtClean="0">
+                <a:solidFill>
+                  <a:srgbClr val="FF0000"/>
+                </a:solidFill>
+              </a:rPr>
+              <a:t>(</a:t>
+            </a:r>
+            <a:r>
+              <a:rPr lang="en-US" altLang="zh-TW" dirty="0" err="1" smtClean="0">
+                <a:solidFill>
+                  <a:srgbClr val="FF0000"/>
+                </a:solidFill>
+              </a:rPr>
+              <a:t>TraceLog</a:t>
+            </a:r>
+            <a:r>
+              <a:rPr lang="en-US" altLang="zh-TW" dirty="0" smtClean="0">
+                <a:solidFill>
+                  <a:srgbClr val="FF0000"/>
+                </a:solidFill>
+              </a:rPr>
+              <a:t> place folder)</a:t>
+            </a:r>
+          </a:p>
+          <a:p>
+            <a:r>
+              <a:rPr lang="en-US" altLang="zh-TW" dirty="0" err="1" smtClean="0"/>
+              <a:t>tempFolderPath</a:t>
+            </a:r>
+            <a:r>
+              <a:rPr lang="en-US" altLang="zh-TW" dirty="0"/>
+              <a:t>=./</a:t>
+            </a:r>
+            <a:r>
+              <a:rPr lang="en-US" altLang="zh-TW" dirty="0" smtClean="0"/>
+              <a:t>Temp/</a:t>
+            </a:r>
+            <a:r>
+              <a:rPr lang="zh-TW" altLang="en-US" dirty="0" smtClean="0"/>
+              <a:t> </a:t>
+            </a:r>
+            <a:r>
+              <a:rPr lang="en-US" altLang="zh-TW" dirty="0" smtClean="0">
+                <a:solidFill>
+                  <a:srgbClr val="FF0000"/>
+                </a:solidFill>
+              </a:rPr>
+              <a:t>(use default)</a:t>
+            </a:r>
+          </a:p>
+          <a:p>
+            <a:r>
+              <a:rPr lang="en-US" altLang="zh-TW" dirty="0" err="1" smtClean="0"/>
+              <a:t>issueLogFolderPath</a:t>
+            </a:r>
+            <a:r>
+              <a:rPr lang="en-US" altLang="zh-TW" dirty="0"/>
+              <a:t>=./</a:t>
+            </a:r>
+            <a:r>
+              <a:rPr lang="en-US" altLang="zh-TW" dirty="0" err="1"/>
+              <a:t>IssueLog</a:t>
+            </a:r>
+            <a:r>
+              <a:rPr lang="en-US" altLang="zh-TW" dirty="0" smtClean="0"/>
+              <a:t>/</a:t>
+            </a:r>
+            <a:r>
+              <a:rPr lang="en-US" altLang="zh-TW" dirty="0" smtClean="0">
+                <a:solidFill>
+                  <a:srgbClr val="FF0000"/>
+                </a:solidFill>
+              </a:rPr>
+              <a:t> </a:t>
+            </a:r>
+            <a:r>
+              <a:rPr lang="en-US" altLang="zh-TW" dirty="0">
+                <a:solidFill>
+                  <a:srgbClr val="FF0000"/>
+                </a:solidFill>
+              </a:rPr>
+              <a:t>(use </a:t>
+            </a:r>
+            <a:r>
+              <a:rPr lang="en-US" altLang="zh-TW" dirty="0" smtClean="0">
+                <a:solidFill>
+                  <a:srgbClr val="FF0000"/>
+                </a:solidFill>
+              </a:rPr>
+              <a:t>default)</a:t>
+            </a:r>
+            <a:endParaRPr lang="en-US" altLang="zh-TW" dirty="0">
+              <a:solidFill>
+                <a:srgbClr val="FF0000"/>
+              </a:solidFill>
+            </a:endParaRPr>
+          </a:p>
+          <a:p>
+            <a:r>
+              <a:rPr lang="en-US" altLang="zh-TW" dirty="0" err="1" smtClean="0"/>
+              <a:t>allowPendingLimit</a:t>
+            </a:r>
+            <a:r>
+              <a:rPr lang="en-US" altLang="zh-TW" dirty="0" smtClean="0"/>
+              <a:t> </a:t>
+            </a:r>
+            <a:r>
+              <a:rPr lang="en-US" altLang="zh-TW" dirty="0" smtClean="0">
+                <a:solidFill>
+                  <a:srgbClr val="FF0000"/>
+                </a:solidFill>
+              </a:rPr>
+              <a:t>(</a:t>
+            </a:r>
+            <a:r>
+              <a:rPr lang="zh-TW" altLang="en-US" dirty="0" smtClean="0">
+                <a:solidFill>
+                  <a:srgbClr val="FF0000"/>
+                </a:solidFill>
+              </a:rPr>
+              <a:t>允許</a:t>
+            </a:r>
+            <a:r>
+              <a:rPr lang="en-US" altLang="zh-TW" dirty="0" smtClean="0">
+                <a:solidFill>
+                  <a:srgbClr val="FF0000"/>
+                </a:solidFill>
+              </a:rPr>
+              <a:t>pending</a:t>
+            </a:r>
+            <a:r>
+              <a:rPr lang="zh-TW" altLang="en-US" dirty="0" smtClean="0">
+                <a:solidFill>
+                  <a:srgbClr val="FF0000"/>
+                </a:solidFill>
+              </a:rPr>
+              <a:t>數量</a:t>
+            </a:r>
+            <a:r>
+              <a:rPr lang="en-US" altLang="zh-TW" dirty="0" smtClean="0">
+                <a:solidFill>
+                  <a:srgbClr val="FF0000"/>
+                </a:solidFill>
+              </a:rPr>
+              <a:t>)</a:t>
+            </a:r>
+          </a:p>
+          <a:p>
+            <a:r>
+              <a:rPr lang="en-US" altLang="zh-TW" dirty="0" err="1" smtClean="0"/>
+              <a:t>allowPendingTimeLimit</a:t>
+            </a:r>
+            <a:r>
+              <a:rPr lang="zh-TW" altLang="en-US" dirty="0" smtClean="0">
+                <a:solidFill>
+                  <a:srgbClr val="FF0000"/>
+                </a:solidFill>
+              </a:rPr>
+              <a:t> </a:t>
+            </a:r>
+            <a:r>
+              <a:rPr lang="en-US" altLang="zh-TW" dirty="0" smtClean="0">
+                <a:solidFill>
+                  <a:srgbClr val="FF0000"/>
+                </a:solidFill>
+              </a:rPr>
+              <a:t>(</a:t>
+            </a:r>
+            <a:r>
+              <a:rPr lang="zh-TW" altLang="en-US" dirty="0" smtClean="0">
+                <a:solidFill>
+                  <a:srgbClr val="FF0000"/>
+                </a:solidFill>
+              </a:rPr>
+              <a:t>允許單</a:t>
+            </a:r>
+            <a:r>
+              <a:rPr lang="en-US" altLang="zh-TW" dirty="0" smtClean="0">
+                <a:solidFill>
+                  <a:srgbClr val="FF0000"/>
+                </a:solidFill>
+              </a:rPr>
+              <a:t>thread</a:t>
+            </a:r>
+            <a:r>
+              <a:rPr lang="zh-TW" altLang="en-US" dirty="0" smtClean="0">
+                <a:solidFill>
+                  <a:srgbClr val="FF0000"/>
+                </a:solidFill>
+              </a:rPr>
+              <a:t>能</a:t>
+            </a:r>
+            <a:r>
+              <a:rPr lang="en-US" altLang="zh-TW" dirty="0" smtClean="0">
+                <a:solidFill>
+                  <a:srgbClr val="FF0000"/>
+                </a:solidFill>
+              </a:rPr>
+              <a:t>pending</a:t>
+            </a:r>
+            <a:r>
+              <a:rPr lang="zh-TW" altLang="en-US" dirty="0" smtClean="0">
+                <a:solidFill>
+                  <a:srgbClr val="FF0000"/>
+                </a:solidFill>
+              </a:rPr>
+              <a:t>的秒數</a:t>
+            </a:r>
+            <a:r>
+              <a:rPr lang="en-US" altLang="zh-TW" dirty="0" smtClean="0">
+                <a:solidFill>
+                  <a:srgbClr val="FF0000"/>
+                </a:solidFill>
+              </a:rPr>
+              <a:t>)</a:t>
+            </a:r>
+            <a:endParaRPr lang="en-US" altLang="zh-TW" dirty="0">
+              <a:solidFill>
+                <a:srgbClr val="FF0000"/>
+              </a:solidFill>
+            </a:endParaRPr>
+          </a:p>
+          <a:p>
+            <a:r>
+              <a:rPr lang="en-US" altLang="zh-TW" dirty="0" err="1" smtClean="0"/>
+              <a:t>emailSendTargets</a:t>
+            </a:r>
+            <a:r>
+              <a:rPr lang="zh-TW" altLang="en-US" dirty="0" smtClean="0"/>
+              <a:t> </a:t>
+            </a:r>
+            <a:r>
+              <a:rPr lang="en-US" altLang="zh-TW" dirty="0" smtClean="0">
+                <a:solidFill>
+                  <a:srgbClr val="FF0000"/>
+                </a:solidFill>
+              </a:rPr>
+              <a:t>(email</a:t>
+            </a:r>
+            <a:r>
+              <a:rPr lang="zh-TW" altLang="en-US" dirty="0" smtClean="0">
+                <a:solidFill>
+                  <a:srgbClr val="FF0000"/>
+                </a:solidFill>
+              </a:rPr>
+              <a:t>寄送目標</a:t>
+            </a:r>
+            <a:r>
+              <a:rPr lang="en-US" altLang="zh-TW" dirty="0" smtClean="0">
+                <a:solidFill>
+                  <a:srgbClr val="FF0000"/>
+                </a:solidFill>
+              </a:rPr>
+              <a:t>)</a:t>
+            </a:r>
+          </a:p>
+          <a:p>
+            <a:r>
+              <a:rPr lang="en-US" altLang="zh-TW" dirty="0" err="1" smtClean="0"/>
+              <a:t>smsSendTargets</a:t>
+            </a:r>
+            <a:r>
+              <a:rPr lang="zh-TW" altLang="en-US" dirty="0" smtClean="0"/>
+              <a:t> </a:t>
+            </a:r>
+            <a:r>
+              <a:rPr lang="en-US" altLang="zh-TW" dirty="0" smtClean="0">
+                <a:solidFill>
+                  <a:srgbClr val="FF0000"/>
+                </a:solidFill>
+              </a:rPr>
+              <a:t>(</a:t>
+            </a:r>
+            <a:r>
+              <a:rPr lang="en-US" altLang="zh-TW" dirty="0" err="1" smtClean="0">
+                <a:solidFill>
+                  <a:srgbClr val="FF0000"/>
+                </a:solidFill>
+              </a:rPr>
+              <a:t>sms</a:t>
+            </a:r>
+            <a:r>
+              <a:rPr lang="zh-TW" altLang="en-US" dirty="0" smtClean="0">
+                <a:solidFill>
+                  <a:srgbClr val="FF0000"/>
+                </a:solidFill>
+              </a:rPr>
+              <a:t>寄</a:t>
+            </a:r>
+            <a:r>
+              <a:rPr lang="zh-TW" altLang="en-US" dirty="0">
+                <a:solidFill>
+                  <a:srgbClr val="FF0000"/>
+                </a:solidFill>
+              </a:rPr>
+              <a:t>送目標</a:t>
+            </a:r>
+            <a:r>
+              <a:rPr lang="en-US" altLang="zh-TW" dirty="0">
+                <a:solidFill>
+                  <a:srgbClr val="FF0000"/>
+                </a:solidFill>
+              </a:rPr>
+              <a:t>)</a:t>
+            </a:r>
           </a:p>
           <a:p>
             <a:endParaRPr kumimoji="1" lang="en-US" altLang="zh-TW" dirty="0"/>
@@ -5368,7 +6012,7 @@
     </p:spTree>
     <p:extLst>
       <p:ext uri="{BB962C8B-B14F-4D97-AF65-F5344CB8AC3E}">
-        <p14:creationId xmlns:p14="http://schemas.microsoft.com/office/powerpoint/2010/main" val="826924996"/>
+        <p14:creationId xmlns:p14="http://schemas.microsoft.com/office/powerpoint/2010/main" val="137870020"/>
       </p:ext>
     </p:extLst>
   </p:cSld>
@@ -5427,6 +6071,18 @@
               <a:rPr kumimoji="1" lang="zh-TW" altLang="en-US" dirty="0" smtClean="0"/>
               <a:t>變數</a:t>
             </a:r>
+            <a:r>
+              <a:rPr kumimoji="1" lang="en-US" altLang="zh-TW" dirty="0" smtClean="0"/>
+              <a:t>(</a:t>
+            </a:r>
+            <a:r>
+              <a:rPr kumimoji="1" lang="zh-TW" altLang="en-US" dirty="0" smtClean="0"/>
+              <a:t>自定義</a:t>
+            </a:r>
+            <a:r>
+              <a:rPr kumimoji="1" lang="en-US" altLang="zh-TW" dirty="0" smtClean="0"/>
+              <a:t>)</a:t>
+            </a:r>
             <a:endParaRPr lang="zh-TW" altLang="en-US" dirty="0"/>
           </a:p>
         </p:txBody>
@@ -5449,130 +6105,265 @@
           <a:lstStyle/>
           <a:p>
             <a:r>
+              <a:rPr lang="zh-TW" altLang="en-US" dirty="0" smtClean="0"/>
+              <a:t>自定義要掃描的</a:t>
+            </a:r>
+            <a:r>
+              <a:rPr lang="en-US" altLang="zh-TW" dirty="0" smtClean="0"/>
+              <a:t>pattern</a:t>
+            </a:r>
+            <a:r>
+              <a:rPr lang="zh-TW" altLang="en-US" dirty="0" smtClean="0"/>
+              <a:t>，</a:t>
+            </a:r>
+            <a:r>
+              <a:rPr lang="en-US" altLang="zh-TW" dirty="0" smtClean="0"/>
+              <a:t>N</a:t>
+            </a:r>
+            <a:r>
+              <a:rPr lang="zh-TW" altLang="en-US" dirty="0" smtClean="0"/>
+              <a:t>為排序數字，至多</a:t>
+            </a:r>
+            <a:r>
+              <a:rPr lang="en-US" altLang="zh-TW" dirty="0" smtClean="0"/>
+              <a:t>100</a:t>
+            </a:r>
+            <a:r>
+              <a:rPr lang="zh-TW" altLang="en-US" dirty="0" smtClean="0"/>
+              <a:t>筆自訂</a:t>
+            </a:r>
+            <a:r>
+              <a:rPr lang="en-US" altLang="zh-TW" dirty="0" smtClean="0"/>
+              <a:t>pattern</a:t>
+            </a:r>
+          </a:p>
+          <a:p>
+            <a:endParaRPr lang="en-US" altLang="zh-TW" dirty="0"/>
+          </a:p>
+          <a:p>
+            <a:r>
               <a:rPr lang="en-US" altLang="zh-TW" dirty="0" err="1" smtClean="0"/>
-              <a:t>sms.host</a:t>
+              <a:t>otherScan.patternN</a:t>
+            </a:r>
+            <a:r>
+              <a:rPr lang="en-US" altLang="zh-TW" dirty="0" smtClean="0"/>
+              <a:t> (regular express pattern)</a:t>
             </a:r>
             <a:endParaRPr lang="en-US" altLang="zh-TW" dirty="0"/>
           </a:p>
           <a:p>
             <a:r>
               <a:rPr lang="en-US" altLang="zh-TW" dirty="0" err="1" smtClean="0"/>
-              <a:t>sms.port</a:t>
-            </a:r>
-            <a:endParaRPr lang="en-US" altLang="zh-TW" dirty="0"/>
-          </a:p>
-          <a:p>
-            <a:r>
-              <a:rPr lang="en-US" altLang="zh-TW" dirty="0" err="1" smtClean="0"/>
-              <a:t>sms.entry</a:t>
-            </a:r>
-            <a:endParaRPr lang="en-US" altLang="zh-TW" dirty="0"/>
-          </a:p>
-          <a:p>
-            <a:r>
-              <a:rPr lang="en-US" altLang="zh-TW" dirty="0" err="1" smtClean="0"/>
-              <a:t>sms.username</a:t>
-            </a:r>
-            <a:endParaRPr lang="en-US" altLang="zh-TW" dirty="0" smtClean="0"/>
-          </a:p>
-          <a:p>
-            <a:r>
-              <a:rPr lang="en-US" altLang="zh-TW" dirty="0" err="1" smtClean="0"/>
-              <a:t>sms.password</a:t>
-            </a:r>
-            <a:endParaRPr lang="en-US" altLang="zh-TW" dirty="0" smtClean="0"/>
-          </a:p>
-          <a:p>
-            <a:r>
-              <a:rPr lang="en-US" altLang="zh-TW" dirty="0" err="1" smtClean="0"/>
-              <a:t>proxy.enable</a:t>
-            </a:r>
-            <a:endParaRPr lang="en-US" altLang="zh-TW" dirty="0" smtClean="0"/>
-          </a:p>
-          <a:p>
-            <a:r>
-              <a:rPr lang="en-US" altLang="zh-TW" dirty="0" err="1" smtClean="0"/>
-              <a:t>proxy.host</a:t>
-            </a:r>
-            <a:endParaRPr lang="en-US" altLang="zh-TW" dirty="0" smtClean="0"/>
-          </a:p>
-          <a:p>
-            <a:r>
-              <a:rPr lang="en-US" altLang="zh-TW" dirty="0" err="1" smtClean="0"/>
-              <a:t>proxy.port</a:t>
-            </a:r>
-            <a:endParaRPr lang="en-US" altLang="zh-TW" dirty="0"/>
-          </a:p>
-          <a:p>
-            <a:r>
-              <a:rPr lang="en-US" altLang="zh-TW" dirty="0" err="1" smtClean="0"/>
-              <a:t>sms.encoding</a:t>
-            </a:r>
-            <a:endParaRPr lang="en-US" altLang="zh-TW" dirty="0" smtClean="0"/>
-          </a:p>
-          <a:p>
-            <a:r>
-              <a:rPr lang="en-US" altLang="zh-TW" dirty="0" err="1" smtClean="0"/>
-              <a:t>emailSendTargets</a:t>
+              <a:t>otherScan.allowCountN</a:t>
             </a:r>
             <a:r>
               <a:rPr lang="en-US" altLang="zh-TW" dirty="0" smtClean="0"/>
-              <a:t>(</a:t>
-            </a:r>
-            <a:r>
-              <a:rPr lang="cs-CZ" altLang="zh-TW" dirty="0" smtClean="0"/>
-              <a:t>09XXXXXXXX,09XXXXXXXX</a:t>
+              <a:t> (</a:t>
+            </a:r>
+            <a:r>
+              <a:rPr lang="zh-TW" altLang="en-US" dirty="0" smtClean="0"/>
+              <a:t>該掃描所允許的數量</a:t>
             </a:r>
             <a:r>
               <a:rPr lang="en-US" altLang="zh-TW" dirty="0" smtClean="0"/>
               <a:t>)</a:t>
             </a:r>
-            <a:endParaRPr kumimoji="1" lang="en-US" altLang="zh-TW" dirty="0" smtClean="0"/>
-          </a:p>
-          <a:p>
+            <a:r>
+              <a:rPr kumimoji="1" lang="en-US" altLang="zh-TW" dirty="0"/>
+              <a:t/>
+            </a:r>
+            <a:br>
+              <a:rPr kumimoji="1" lang="en-US" altLang="zh-TW" dirty="0"/>
+            </a:br>
+            <a:r>
+              <a:rPr kumimoji="1" lang="en-US" altLang="zh-TW" dirty="0" smtClean="0"/>
+              <a:t/>
+            </a:r>
+            <a:br>
+              <a:rPr kumimoji="1" lang="en-US" altLang="zh-TW" dirty="0" smtClean="0"/>
+            </a:br>
+            <a:r>
+              <a:rPr kumimoji="1" lang="en-US" altLang="zh-TW" dirty="0" smtClean="0"/>
+              <a:t/>
+            </a:r>
+            <a:br>
+              <a:rPr kumimoji="1" lang="en-US" altLang="zh-TW" dirty="0" smtClean="0"/>
+            </a:br>
+            <a:r>
+              <a:rPr kumimoji="1" lang="en-US" altLang="zh-TW" dirty="0" smtClean="0"/>
+              <a:t>ex: </a:t>
+            </a:r>
+            <a:br>
+              <a:rPr kumimoji="1" lang="en-US" altLang="zh-TW" dirty="0" smtClean="0"/>
+            </a:br>
+            <a:r>
+              <a:rPr lang="en-US" altLang="zh-TW" dirty="0" smtClean="0"/>
+              <a:t>otherScan.pattern1=[0-9]{10}</a:t>
+            </a:r>
+            <a:r>
+              <a:rPr lang="en-US" altLang="zh-TW" dirty="0"/>
+              <a:t/>
+            </a:r>
+            <a:br>
+              <a:rPr lang="en-US" altLang="zh-TW" dirty="0"/>
+            </a:br>
+            <a:r>
+              <a:rPr lang="en-US" altLang="zh-TW" dirty="0" smtClean="0"/>
+              <a:t>otherScan.allowCount1=10</a:t>
+            </a:r>
             <a:endParaRPr kumimoji="1" lang="en-US" altLang="zh-TW" dirty="0"/>
-          </a:p>
-          <a:p>
-            <a:endParaRPr kumimoji="1" lang="en-US" altLang="zh-TW" dirty="0"/>
-          </a:p>
-        </p:txBody>
-      </p:sp>
-      <p:sp>
-        <p:nvSpPr>
-          <p:cNvPr id="4" name="文字方塊 3"/>
-          <p:cNvSpPr txBox="1"/>
-          <p:nvPr/>
-        </p:nvSpPr>
-        <p:spPr>
-          <a:xfrm>
-            <a:off x="6372200" y="6126163"/>
-            <a:ext cx="1110304" cy="646331"/>
-          </a:xfrm>
-          <a:prstGeom prst="rect">
-            <a:avLst/>
-          </a:prstGeom>
-          <a:noFill/>
-        </p:spPr>
-        <p:txBody>
-          <a:bodyPr wrap="none" rtlCol="0">
-            <a:spAutoFit/>
-          </a:bodyPr>
-          <a:lstStyle/>
-          <a:p>
-            <a:r>
-              <a:rPr kumimoji="1" lang="en-US" altLang="zh-TW" dirty="0" smtClean="0"/>
-              <a:t>*Optional</a:t>
-            </a:r>
-          </a:p>
-          <a:p>
-            <a:endParaRPr kumimoji="1" lang="zh-TW" altLang="en-US" dirty="0"/>
           </a:p>
         </p:txBody>
       </p:sp>
     </p:spTree>
     <p:extLst>
       <p:ext uri="{BB962C8B-B14F-4D97-AF65-F5344CB8AC3E}">
-        <p14:creationId xmlns:p14="http://schemas.microsoft.com/office/powerpoint/2010/main" val="620102000"/>
+        <p14:creationId xmlns:p14="http://schemas.microsoft.com/office/powerpoint/2010/main" val="322553950"/>
+      </p:ext>
+    </p:extLst>
+  </p:cSld>
+  <p:clrMapOvr>
+    <a:masterClrMapping/>
+  </p:clrMapOvr>
+  <p:timing>
+    <p:tnLst>
+      <p:par>
+        <p:cTn id="1" dur="indefinite" restart="never" nodeType="tmRoot"/>
+      </p:par>
+    </p:tnLst>
+  </p:timing>
+</p:sld>
+</file>
+
+<file path=ppt/slides/slide9.xml><?xml version="1.0" encoding="utf-8"?>
+<p:sld xmlns:a="http://schemas.openxmlformats.org/drawingml/2006/main" xmlns:r="http://schemas.openxmlformats.org/officeDocument/2006/relationships" xmlns:p="http://schemas.openxmlformats.org/presentationml/2006/main">
+  <p:cSld>
+    <p:spTree>
+      <p:nvGrpSpPr>
+        <p:cNvPr id="1" name=""/>
+        <p:cNvGrpSpPr/>
+        <p:nvPr/>
+      </p:nvGrpSpPr>
+      <p:grpSpPr>
+        <a:xfrm>
+          <a:off x="0" y="0"/>
+          <a:ext cx="0" cy="0"/>
+          <a:chOff x="0" y="0"/>
+          <a:chExt cx="0" cy="0"/>
+        </a:xfrm>
+      </p:grpSpPr>
+      <p:sp>
+        <p:nvSpPr>
+          <p:cNvPr id="2" name="標題 1"/>
+          <p:cNvSpPr>
+            <a:spLocks noGrp="1"/>
+          </p:cNvSpPr>
+          <p:nvPr>
+            <p:ph type="title"/>
+          </p:nvPr>
+        </p:nvSpPr>
+        <p:spPr/>
+        <p:txBody>
+          <a:bodyPr>
+            <a:normAutofit/>
+          </a:bodyPr>
+          <a:lstStyle/>
+          <a:p>
+            <a:r>
+              <a:rPr kumimoji="1" lang="zh-TW" altLang="en-US" dirty="0"/>
+              <a:t>參數檔</a:t>
+            </a:r>
+            <a:r>
+              <a:rPr kumimoji="1" lang="zh-TW" altLang="en-US" dirty="0" smtClean="0"/>
+              <a:t>變數</a:t>
+            </a:r>
+            <a:r>
+              <a:rPr kumimoji="1" lang="en-US" altLang="zh-TW" dirty="0" smtClean="0"/>
+              <a:t>(email)</a:t>
+            </a:r>
+            <a:endParaRPr lang="zh-TW" altLang="en-US" dirty="0"/>
+          </a:p>
+        </p:txBody>
+      </p:sp>
+      <p:sp>
+        <p:nvSpPr>
+          <p:cNvPr id="3" name="內容版面配置區 2"/>
+          <p:cNvSpPr>
+            <a:spLocks noGrp="1"/>
+          </p:cNvSpPr>
+          <p:nvPr>
+            <p:ph idx="1"/>
+          </p:nvPr>
+        </p:nvSpPr>
+        <p:spPr/>
+        <p:txBody>
+          <a:bodyPr>
+            <a:normAutofit/>
+          </a:bodyPr>
+          <a:lstStyle/>
+          <a:p>
+            <a:r>
+              <a:rPr lang="es-ES_tradnl" altLang="zh-TW" dirty="0" smtClean="0"/>
+              <a:t>LOCAL_TEST(</a:t>
+            </a:r>
+            <a:r>
+              <a:rPr lang="zh-TW" altLang="en-US" dirty="0" smtClean="0"/>
+              <a:t>是否要用內建</a:t>
+            </a:r>
+            <a:r>
+              <a:rPr lang="en-US" altLang="zh-TW" dirty="0" err="1" smtClean="0"/>
+              <a:t>gmail</a:t>
+            </a:r>
+            <a:r>
+              <a:rPr lang="zh-TW" altLang="en-US" dirty="0" smtClean="0"/>
+              <a:t>帳號寄送</a:t>
+            </a:r>
+            <a:r>
+              <a:rPr lang="en-US" altLang="zh-TW" dirty="0" smtClean="0"/>
+              <a:t>email</a:t>
+            </a:r>
+            <a:r>
+              <a:rPr lang="es-ES_tradnl" altLang="zh-TW" dirty="0" smtClean="0"/>
+              <a:t>)</a:t>
+            </a:r>
+          </a:p>
+          <a:p>
+            <a:r>
+              <a:rPr lang="es-ES_tradnl" altLang="zh-TW" dirty="0" smtClean="0"/>
+              <a:t>EDM_FROM_ADDR</a:t>
+            </a:r>
+          </a:p>
+          <a:p>
+            <a:r>
+              <a:rPr lang="es-ES_tradnl" altLang="zh-TW" dirty="0" smtClean="0"/>
+              <a:t>EDM_FROM_PERSON</a:t>
+            </a:r>
+          </a:p>
+          <a:p>
+            <a:r>
+              <a:rPr lang="es-ES_tradnl" altLang="zh-TW" dirty="0" smtClean="0"/>
+              <a:t>EDM_HOST</a:t>
+            </a:r>
+          </a:p>
+          <a:p>
+            <a:r>
+              <a:rPr lang="es-ES_tradnl" altLang="zh-TW" dirty="0" smtClean="0"/>
+              <a:t>EDM_USR</a:t>
+            </a:r>
+          </a:p>
+          <a:p>
+            <a:r>
+              <a:rPr lang="es-ES_tradnl" altLang="zh-TW" dirty="0" smtClean="0"/>
+              <a:t>EDM_PWD</a:t>
+            </a:r>
+            <a:endParaRPr kumimoji="1" lang="en-US" altLang="zh-TW" dirty="0"/>
+          </a:p>
+        </p:txBody>
+      </p:sp>
+    </p:spTree>
+    <p:extLst>
+      <p:ext uri="{BB962C8B-B14F-4D97-AF65-F5344CB8AC3E}">
+        <p14:creationId xmlns:p14="http://schemas.microsoft.com/office/powerpoint/2010/main" val="1519779737"/>
       </p:ext>
     </p:extLst>
   </p:cSld>

--- a/other/doc/TraceLogMonitorWithWAS.pptx
+++ b/other/doc/TraceLogMonitorWithWAS.pptx
@@ -6,7 +6,7 @@
     <p:sldMasterId id="2147483664" r:id="rId2"/>
   </p:sldMasterIdLst>
   <p:notesMasterIdLst>
-    <p:notesMasterId r:id="rId13"/>
+    <p:notesMasterId r:id="rId16"/>
   </p:notesMasterIdLst>
   <p:sldIdLst>
     <p:sldId id="256" r:id="rId3"/>
@@ -15,10 +15,13 @@
     <p:sldId id="303" r:id="rId6"/>
     <p:sldId id="306" r:id="rId7"/>
     <p:sldId id="282" r:id="rId8"/>
-    <p:sldId id="310" r:id="rId9"/>
-    <p:sldId id="311" r:id="rId10"/>
-    <p:sldId id="307" r:id="rId11"/>
-    <p:sldId id="309" r:id="rId12"/>
+    <p:sldId id="313" r:id="rId9"/>
+    <p:sldId id="314" r:id="rId10"/>
+    <p:sldId id="312" r:id="rId11"/>
+    <p:sldId id="310" r:id="rId12"/>
+    <p:sldId id="311" r:id="rId13"/>
+    <p:sldId id="307" r:id="rId14"/>
+    <p:sldId id="309" r:id="rId15"/>
   </p:sldIdLst>
   <p:sldSz cx="9144000" cy="6858000" type="screen4x3"/>
   <p:notesSz cx="6858000" cy="9144000"/>
@@ -559,7 +562,7 @@
           <a:p>
             <a:fld id="{ABDC4079-0EF4-B448-BEE2-3DF7E1273377}" type="slidenum">
               <a:rPr kumimoji="1" lang="zh-TW" altLang="en-US" smtClean="0"/>
-              <a:t>7</a:t>
+              <a:t>10</a:t>
             </a:fld>
             <a:endParaRPr kumimoji="1" lang="zh-TW" altLang="en-US"/>
           </a:p>
@@ -643,7 +646,7 @@
           <a:p>
             <a:fld id="{ABDC4079-0EF4-B448-BEE2-3DF7E1273377}" type="slidenum">
               <a:rPr kumimoji="1" lang="zh-TW" altLang="en-US" smtClean="0"/>
-              <a:t>8</a:t>
+              <a:t>11</a:t>
             </a:fld>
             <a:endParaRPr kumimoji="1" lang="zh-TW" altLang="en-US"/>
           </a:p>
@@ -727,7 +730,7 @@
           <a:p>
             <a:fld id="{ABDC4079-0EF4-B448-BEE2-3DF7E1273377}" type="slidenum">
               <a:rPr kumimoji="1" lang="zh-TW" altLang="en-US" smtClean="0"/>
-              <a:t>9</a:t>
+              <a:t>12</a:t>
             </a:fld>
             <a:endParaRPr kumimoji="1" lang="zh-TW" altLang="en-US"/>
           </a:p>
@@ -811,7 +814,7 @@
           <a:p>
             <a:fld id="{ABDC4079-0EF4-B448-BEE2-3DF7E1273377}" type="slidenum">
               <a:rPr kumimoji="1" lang="zh-TW" altLang="en-US" smtClean="0"/>
-              <a:t>10</a:t>
+              <a:t>13</a:t>
             </a:fld>
             <a:endParaRPr kumimoji="1" lang="zh-TW" altLang="en-US"/>
           </a:p>
@@ -3753,6 +3756,802 @@
               <a:rPr kumimoji="1" lang="zh-TW" altLang="en-US" dirty="0" smtClean="0"/>
               <a:t>變數</a:t>
             </a:r>
+            <a:endParaRPr lang="zh-TW" altLang="en-US" dirty="0"/>
+          </a:p>
+        </p:txBody>
+      </p:sp>
+      <p:sp>
+        <p:nvSpPr>
+          <p:cNvPr id="3" name="內容版面配置區 2"/>
+          <p:cNvSpPr>
+            <a:spLocks noGrp="1"/>
+          </p:cNvSpPr>
+          <p:nvPr>
+            <p:ph idx="1"/>
+          </p:nvPr>
+        </p:nvSpPr>
+        <p:spPr/>
+        <p:txBody>
+          <a:bodyPr>
+            <a:normAutofit/>
+          </a:bodyPr>
+          <a:lstStyle/>
+          <a:p>
+            <a:r>
+              <a:rPr lang="en-US" altLang="zh-TW" dirty="0" err="1" smtClean="0"/>
+              <a:t>intervalTime</a:t>
+            </a:r>
+            <a:r>
+              <a:rPr lang="en-US" altLang="zh-TW" dirty="0" smtClean="0"/>
+              <a:t> </a:t>
+            </a:r>
+            <a:r>
+              <a:rPr lang="en-US" altLang="zh-TW" dirty="0" smtClean="0">
+                <a:solidFill>
+                  <a:srgbClr val="FF0000"/>
+                </a:solidFill>
+              </a:rPr>
+              <a:t>(</a:t>
+            </a:r>
+            <a:r>
+              <a:rPr kumimoji="1" lang="zh-TW" altLang="en-US" dirty="0">
+                <a:solidFill>
+                  <a:srgbClr val="FF0000"/>
+                </a:solidFill>
+              </a:rPr>
+              <a:t>啟動間隔</a:t>
+            </a:r>
+            <a:r>
+              <a:rPr lang="en-US" altLang="zh-TW" dirty="0" smtClean="0">
+                <a:solidFill>
+                  <a:srgbClr val="FF0000"/>
+                </a:solidFill>
+              </a:rPr>
+              <a:t>)</a:t>
+            </a:r>
+            <a:endParaRPr lang="en-US" altLang="zh-TW" dirty="0">
+              <a:solidFill>
+                <a:srgbClr val="FF0000"/>
+              </a:solidFill>
+            </a:endParaRPr>
+          </a:p>
+          <a:p>
+            <a:r>
+              <a:rPr lang="en-US" altLang="zh-TW" dirty="0" err="1" smtClean="0"/>
+              <a:t>logFolderPath</a:t>
+            </a:r>
+            <a:r>
+              <a:rPr lang="en-US" altLang="zh-TW" dirty="0" smtClean="0"/>
+              <a:t> </a:t>
+            </a:r>
+            <a:r>
+              <a:rPr lang="en-US" altLang="zh-TW" dirty="0" smtClean="0">
+                <a:solidFill>
+                  <a:srgbClr val="FF0000"/>
+                </a:solidFill>
+              </a:rPr>
+              <a:t>(</a:t>
+            </a:r>
+            <a:r>
+              <a:rPr lang="en-US" altLang="zh-TW" dirty="0" err="1" smtClean="0">
+                <a:solidFill>
+                  <a:srgbClr val="FF0000"/>
+                </a:solidFill>
+              </a:rPr>
+              <a:t>TraceLog</a:t>
+            </a:r>
+            <a:r>
+              <a:rPr lang="en-US" altLang="zh-TW" dirty="0" smtClean="0">
+                <a:solidFill>
+                  <a:srgbClr val="FF0000"/>
+                </a:solidFill>
+              </a:rPr>
+              <a:t> place folder)</a:t>
+            </a:r>
+          </a:p>
+          <a:p>
+            <a:r>
+              <a:rPr lang="en-US" altLang="zh-TW" dirty="0" err="1" smtClean="0"/>
+              <a:t>tempFolderPath</a:t>
+            </a:r>
+            <a:r>
+              <a:rPr lang="en-US" altLang="zh-TW" dirty="0"/>
+              <a:t>=./</a:t>
+            </a:r>
+            <a:r>
+              <a:rPr lang="en-US" altLang="zh-TW" dirty="0" smtClean="0"/>
+              <a:t>Temp/</a:t>
+            </a:r>
+            <a:r>
+              <a:rPr lang="zh-TW" altLang="en-US" dirty="0" smtClean="0"/>
+              <a:t> </a:t>
+            </a:r>
+            <a:r>
+              <a:rPr lang="en-US" altLang="zh-TW" dirty="0" smtClean="0">
+                <a:solidFill>
+                  <a:srgbClr val="FF0000"/>
+                </a:solidFill>
+              </a:rPr>
+              <a:t>(use default)</a:t>
+            </a:r>
+          </a:p>
+          <a:p>
+            <a:r>
+              <a:rPr lang="en-US" altLang="zh-TW" dirty="0" err="1" smtClean="0"/>
+              <a:t>issueLogFolderPath</a:t>
+            </a:r>
+            <a:r>
+              <a:rPr lang="en-US" altLang="zh-TW" dirty="0"/>
+              <a:t>=./</a:t>
+            </a:r>
+            <a:r>
+              <a:rPr lang="en-US" altLang="zh-TW" dirty="0" err="1"/>
+              <a:t>IssueLog</a:t>
+            </a:r>
+            <a:r>
+              <a:rPr lang="en-US" altLang="zh-TW" dirty="0" smtClean="0"/>
+              <a:t>/</a:t>
+            </a:r>
+            <a:r>
+              <a:rPr lang="en-US" altLang="zh-TW" dirty="0" smtClean="0">
+                <a:solidFill>
+                  <a:srgbClr val="FF0000"/>
+                </a:solidFill>
+              </a:rPr>
+              <a:t> </a:t>
+            </a:r>
+            <a:r>
+              <a:rPr lang="en-US" altLang="zh-TW" dirty="0">
+                <a:solidFill>
+                  <a:srgbClr val="FF0000"/>
+                </a:solidFill>
+              </a:rPr>
+              <a:t>(use </a:t>
+            </a:r>
+            <a:r>
+              <a:rPr lang="en-US" altLang="zh-TW" dirty="0" smtClean="0">
+                <a:solidFill>
+                  <a:srgbClr val="FF0000"/>
+                </a:solidFill>
+              </a:rPr>
+              <a:t>default)</a:t>
+            </a:r>
+            <a:endParaRPr lang="en-US" altLang="zh-TW" dirty="0">
+              <a:solidFill>
+                <a:srgbClr val="FF0000"/>
+              </a:solidFill>
+            </a:endParaRPr>
+          </a:p>
+          <a:p>
+            <a:r>
+              <a:rPr lang="en-US" altLang="zh-TW" dirty="0" err="1" smtClean="0"/>
+              <a:t>allowPendingLimit</a:t>
+            </a:r>
+            <a:r>
+              <a:rPr lang="en-US" altLang="zh-TW" dirty="0" smtClean="0"/>
+              <a:t> </a:t>
+            </a:r>
+            <a:r>
+              <a:rPr lang="en-US" altLang="zh-TW" dirty="0" smtClean="0">
+                <a:solidFill>
+                  <a:srgbClr val="FF0000"/>
+                </a:solidFill>
+              </a:rPr>
+              <a:t>(</a:t>
+            </a:r>
+            <a:r>
+              <a:rPr lang="zh-TW" altLang="en-US" dirty="0" smtClean="0">
+                <a:solidFill>
+                  <a:srgbClr val="FF0000"/>
+                </a:solidFill>
+              </a:rPr>
+              <a:t>允許</a:t>
+            </a:r>
+            <a:r>
+              <a:rPr lang="en-US" altLang="zh-TW" dirty="0" smtClean="0">
+                <a:solidFill>
+                  <a:srgbClr val="FF0000"/>
+                </a:solidFill>
+              </a:rPr>
+              <a:t>pending</a:t>
+            </a:r>
+            <a:r>
+              <a:rPr lang="zh-TW" altLang="en-US" dirty="0" smtClean="0">
+                <a:solidFill>
+                  <a:srgbClr val="FF0000"/>
+                </a:solidFill>
+              </a:rPr>
+              <a:t>數量</a:t>
+            </a:r>
+            <a:r>
+              <a:rPr lang="en-US" altLang="zh-TW" dirty="0" smtClean="0">
+                <a:solidFill>
+                  <a:srgbClr val="FF0000"/>
+                </a:solidFill>
+              </a:rPr>
+              <a:t>)</a:t>
+            </a:r>
+          </a:p>
+          <a:p>
+            <a:r>
+              <a:rPr lang="en-US" altLang="zh-TW" dirty="0" err="1" smtClean="0"/>
+              <a:t>allowPendingTimeLimit</a:t>
+            </a:r>
+            <a:r>
+              <a:rPr lang="zh-TW" altLang="en-US" dirty="0" smtClean="0">
+                <a:solidFill>
+                  <a:srgbClr val="FF0000"/>
+                </a:solidFill>
+              </a:rPr>
+              <a:t> </a:t>
+            </a:r>
+            <a:r>
+              <a:rPr lang="en-US" altLang="zh-TW" dirty="0" smtClean="0">
+                <a:solidFill>
+                  <a:srgbClr val="FF0000"/>
+                </a:solidFill>
+              </a:rPr>
+              <a:t>(</a:t>
+            </a:r>
+            <a:r>
+              <a:rPr lang="zh-TW" altLang="en-US" dirty="0" smtClean="0">
+                <a:solidFill>
+                  <a:srgbClr val="FF0000"/>
+                </a:solidFill>
+              </a:rPr>
+              <a:t>允許單</a:t>
+            </a:r>
+            <a:r>
+              <a:rPr lang="en-US" altLang="zh-TW" dirty="0" smtClean="0">
+                <a:solidFill>
+                  <a:srgbClr val="FF0000"/>
+                </a:solidFill>
+              </a:rPr>
+              <a:t>thread</a:t>
+            </a:r>
+            <a:r>
+              <a:rPr lang="zh-TW" altLang="en-US" dirty="0" smtClean="0">
+                <a:solidFill>
+                  <a:srgbClr val="FF0000"/>
+                </a:solidFill>
+              </a:rPr>
+              <a:t>能</a:t>
+            </a:r>
+            <a:r>
+              <a:rPr lang="en-US" altLang="zh-TW" dirty="0" smtClean="0">
+                <a:solidFill>
+                  <a:srgbClr val="FF0000"/>
+                </a:solidFill>
+              </a:rPr>
+              <a:t>pending</a:t>
+            </a:r>
+            <a:r>
+              <a:rPr lang="zh-TW" altLang="en-US" dirty="0" smtClean="0">
+                <a:solidFill>
+                  <a:srgbClr val="FF0000"/>
+                </a:solidFill>
+              </a:rPr>
+              <a:t>的秒數</a:t>
+            </a:r>
+            <a:r>
+              <a:rPr lang="en-US" altLang="zh-TW" dirty="0" smtClean="0">
+                <a:solidFill>
+                  <a:srgbClr val="FF0000"/>
+                </a:solidFill>
+              </a:rPr>
+              <a:t>)</a:t>
+            </a:r>
+            <a:endParaRPr lang="en-US" altLang="zh-TW" dirty="0">
+              <a:solidFill>
+                <a:srgbClr val="FF0000"/>
+              </a:solidFill>
+            </a:endParaRPr>
+          </a:p>
+          <a:p>
+            <a:r>
+              <a:rPr lang="en-US" altLang="zh-TW" dirty="0" err="1" smtClean="0"/>
+              <a:t>emailSendTargets</a:t>
+            </a:r>
+            <a:r>
+              <a:rPr lang="zh-TW" altLang="en-US" dirty="0" smtClean="0"/>
+              <a:t> </a:t>
+            </a:r>
+            <a:r>
+              <a:rPr lang="en-US" altLang="zh-TW" dirty="0" smtClean="0">
+                <a:solidFill>
+                  <a:srgbClr val="FF0000"/>
+                </a:solidFill>
+              </a:rPr>
+              <a:t>(email</a:t>
+            </a:r>
+            <a:r>
+              <a:rPr lang="zh-TW" altLang="en-US" dirty="0" smtClean="0">
+                <a:solidFill>
+                  <a:srgbClr val="FF0000"/>
+                </a:solidFill>
+              </a:rPr>
+              <a:t>寄送目標</a:t>
+            </a:r>
+            <a:r>
+              <a:rPr lang="en-US" altLang="zh-TW" dirty="0" smtClean="0">
+                <a:solidFill>
+                  <a:srgbClr val="FF0000"/>
+                </a:solidFill>
+              </a:rPr>
+              <a:t>)</a:t>
+            </a:r>
+          </a:p>
+          <a:p>
+            <a:r>
+              <a:rPr lang="en-US" altLang="zh-TW" dirty="0" err="1" smtClean="0"/>
+              <a:t>smsSendTargets</a:t>
+            </a:r>
+            <a:r>
+              <a:rPr lang="zh-TW" altLang="en-US" dirty="0" smtClean="0"/>
+              <a:t> </a:t>
+            </a:r>
+            <a:r>
+              <a:rPr lang="en-US" altLang="zh-TW" dirty="0" smtClean="0">
+                <a:solidFill>
+                  <a:srgbClr val="FF0000"/>
+                </a:solidFill>
+              </a:rPr>
+              <a:t>(</a:t>
+            </a:r>
+            <a:r>
+              <a:rPr lang="en-US" altLang="zh-TW" dirty="0" err="1" smtClean="0">
+                <a:solidFill>
+                  <a:srgbClr val="FF0000"/>
+                </a:solidFill>
+              </a:rPr>
+              <a:t>sms</a:t>
+            </a:r>
+            <a:r>
+              <a:rPr lang="zh-TW" altLang="en-US" dirty="0" smtClean="0">
+                <a:solidFill>
+                  <a:srgbClr val="FF0000"/>
+                </a:solidFill>
+              </a:rPr>
+              <a:t>寄</a:t>
+            </a:r>
+            <a:r>
+              <a:rPr lang="zh-TW" altLang="en-US" dirty="0">
+                <a:solidFill>
+                  <a:srgbClr val="FF0000"/>
+                </a:solidFill>
+              </a:rPr>
+              <a:t>送目標</a:t>
+            </a:r>
+            <a:r>
+              <a:rPr lang="en-US" altLang="zh-TW" dirty="0">
+                <a:solidFill>
+                  <a:srgbClr val="FF0000"/>
+                </a:solidFill>
+              </a:rPr>
+              <a:t>)</a:t>
+            </a:r>
+          </a:p>
+          <a:p>
+            <a:endParaRPr kumimoji="1" lang="en-US" altLang="zh-TW" dirty="0"/>
+          </a:p>
+          <a:p>
+            <a:endParaRPr kumimoji="1" lang="en-US" altLang="zh-TW" dirty="0"/>
+          </a:p>
+        </p:txBody>
+      </p:sp>
+    </p:spTree>
+    <p:extLst>
+      <p:ext uri="{BB962C8B-B14F-4D97-AF65-F5344CB8AC3E}">
+        <p14:creationId xmlns:p14="http://schemas.microsoft.com/office/powerpoint/2010/main" val="137870020"/>
+      </p:ext>
+    </p:extLst>
+  </p:cSld>
+  <p:clrMapOvr>
+    <a:masterClrMapping/>
+  </p:clrMapOvr>
+  <p:timing>
+    <p:tnLst>
+      <p:par>
+        <p:cTn id="1" dur="indefinite" restart="never" nodeType="tmRoot"/>
+      </p:par>
+    </p:tnLst>
+  </p:timing>
+</p:sld>
+</file>
+
+<file path=ppt/slides/slide11.xml><?xml version="1.0" encoding="utf-8"?>
+<p:sld xmlns:a="http://schemas.openxmlformats.org/drawingml/2006/main" xmlns:r="http://schemas.openxmlformats.org/officeDocument/2006/relationships" xmlns:p="http://schemas.openxmlformats.org/presentationml/2006/main">
+  <p:cSld>
+    <p:spTree>
+      <p:nvGrpSpPr>
+        <p:cNvPr id="1" name=""/>
+        <p:cNvGrpSpPr/>
+        <p:nvPr/>
+      </p:nvGrpSpPr>
+      <p:grpSpPr>
+        <a:xfrm>
+          <a:off x="0" y="0"/>
+          <a:ext cx="0" cy="0"/>
+          <a:chOff x="0" y="0"/>
+          <a:chExt cx="0" cy="0"/>
+        </a:xfrm>
+      </p:grpSpPr>
+      <p:sp>
+        <p:nvSpPr>
+          <p:cNvPr id="2" name="標題 1"/>
+          <p:cNvSpPr>
+            <a:spLocks noGrp="1"/>
+          </p:cNvSpPr>
+          <p:nvPr>
+            <p:ph type="title"/>
+          </p:nvPr>
+        </p:nvSpPr>
+        <p:spPr/>
+        <p:txBody>
+          <a:bodyPr>
+            <a:normAutofit/>
+          </a:bodyPr>
+          <a:lstStyle/>
+          <a:p>
+            <a:r>
+              <a:rPr kumimoji="1" lang="zh-TW" altLang="en-US" dirty="0"/>
+              <a:t>參數檔</a:t>
+            </a:r>
+            <a:r>
+              <a:rPr kumimoji="1" lang="zh-TW" altLang="en-US" dirty="0" smtClean="0"/>
+              <a:t>變數</a:t>
+            </a:r>
+            <a:r>
+              <a:rPr kumimoji="1" lang="en-US" altLang="zh-TW" dirty="0" smtClean="0"/>
+              <a:t>(</a:t>
+            </a:r>
+            <a:r>
+              <a:rPr kumimoji="1" lang="zh-TW" altLang="en-US" dirty="0" smtClean="0"/>
+              <a:t>自定義</a:t>
+            </a:r>
+            <a:r>
+              <a:rPr kumimoji="1" lang="en-US" altLang="zh-TW" dirty="0" smtClean="0"/>
+              <a:t>)</a:t>
+            </a:r>
+            <a:endParaRPr lang="zh-TW" altLang="en-US" dirty="0"/>
+          </a:p>
+        </p:txBody>
+      </p:sp>
+      <p:sp>
+        <p:nvSpPr>
+          <p:cNvPr id="3" name="內容版面配置區 2"/>
+          <p:cNvSpPr>
+            <a:spLocks noGrp="1"/>
+          </p:cNvSpPr>
+          <p:nvPr>
+            <p:ph idx="1"/>
+          </p:nvPr>
+        </p:nvSpPr>
+        <p:spPr/>
+        <p:txBody>
+          <a:bodyPr>
+            <a:normAutofit/>
+          </a:bodyPr>
+          <a:lstStyle/>
+          <a:p>
+            <a:r>
+              <a:rPr lang="zh-TW" altLang="en-US" dirty="0" smtClean="0"/>
+              <a:t>自定義要掃描的</a:t>
+            </a:r>
+            <a:r>
+              <a:rPr lang="en-US" altLang="zh-TW" dirty="0" smtClean="0"/>
+              <a:t>pattern</a:t>
+            </a:r>
+            <a:r>
+              <a:rPr lang="zh-TW" altLang="en-US" dirty="0" smtClean="0"/>
+              <a:t>，</a:t>
+            </a:r>
+            <a:r>
+              <a:rPr lang="en-US" altLang="zh-TW" dirty="0" smtClean="0"/>
+              <a:t>N</a:t>
+            </a:r>
+            <a:r>
+              <a:rPr lang="zh-TW" altLang="en-US" dirty="0" smtClean="0"/>
+              <a:t>為排序數字，至多</a:t>
+            </a:r>
+            <a:r>
+              <a:rPr lang="en-US" altLang="zh-TW" dirty="0" smtClean="0"/>
+              <a:t>100</a:t>
+            </a:r>
+            <a:r>
+              <a:rPr lang="zh-TW" altLang="en-US" dirty="0" smtClean="0"/>
+              <a:t>筆自訂</a:t>
+            </a:r>
+            <a:r>
+              <a:rPr lang="en-US" altLang="zh-TW" dirty="0" smtClean="0"/>
+              <a:t>pattern</a:t>
+            </a:r>
+          </a:p>
+          <a:p>
+            <a:endParaRPr lang="en-US" altLang="zh-TW" dirty="0"/>
+          </a:p>
+          <a:p>
+            <a:r>
+              <a:rPr lang="en-US" altLang="zh-TW" dirty="0" err="1" smtClean="0"/>
+              <a:t>otherScan.patternN</a:t>
+            </a:r>
+            <a:r>
+              <a:rPr lang="en-US" altLang="zh-TW" dirty="0" smtClean="0"/>
+              <a:t> (regular express pattern)</a:t>
+            </a:r>
+            <a:endParaRPr lang="en-US" altLang="zh-TW" dirty="0"/>
+          </a:p>
+          <a:p>
+            <a:r>
+              <a:rPr lang="en-US" altLang="zh-TW" dirty="0" err="1" smtClean="0"/>
+              <a:t>otherScan.allowCountN</a:t>
+            </a:r>
+            <a:r>
+              <a:rPr lang="en-US" altLang="zh-TW" dirty="0" smtClean="0"/>
+              <a:t> (</a:t>
+            </a:r>
+            <a:r>
+              <a:rPr lang="zh-TW" altLang="en-US" dirty="0" smtClean="0"/>
+              <a:t>該掃描所允許的數量</a:t>
+            </a:r>
+            <a:r>
+              <a:rPr lang="en-US" altLang="zh-TW" dirty="0" smtClean="0"/>
+              <a:t>)</a:t>
+            </a:r>
+            <a:r>
+              <a:rPr kumimoji="1" lang="en-US" altLang="zh-TW" dirty="0"/>
+              <a:t/>
+            </a:r>
+            <a:br>
+              <a:rPr kumimoji="1" lang="en-US" altLang="zh-TW" dirty="0"/>
+            </a:br>
+            <a:r>
+              <a:rPr kumimoji="1" lang="en-US" altLang="zh-TW" dirty="0" smtClean="0"/>
+              <a:t/>
+            </a:r>
+            <a:br>
+              <a:rPr kumimoji="1" lang="en-US" altLang="zh-TW" dirty="0" smtClean="0"/>
+            </a:br>
+            <a:r>
+              <a:rPr kumimoji="1" lang="en-US" altLang="zh-TW" dirty="0" smtClean="0"/>
+              <a:t/>
+            </a:r>
+            <a:br>
+              <a:rPr kumimoji="1" lang="en-US" altLang="zh-TW" dirty="0" smtClean="0"/>
+            </a:br>
+            <a:r>
+              <a:rPr kumimoji="1" lang="en-US" altLang="zh-TW" dirty="0" smtClean="0"/>
+              <a:t>ex: </a:t>
+            </a:r>
+            <a:br>
+              <a:rPr kumimoji="1" lang="en-US" altLang="zh-TW" dirty="0" smtClean="0"/>
+            </a:br>
+            <a:r>
+              <a:rPr lang="en-US" altLang="zh-TW" dirty="0" smtClean="0"/>
+              <a:t>otherScan.pattern1=[0-9]{10}</a:t>
+            </a:r>
+            <a:r>
+              <a:rPr lang="en-US" altLang="zh-TW" dirty="0"/>
+              <a:t/>
+            </a:r>
+            <a:br>
+              <a:rPr lang="en-US" altLang="zh-TW" dirty="0"/>
+            </a:br>
+            <a:r>
+              <a:rPr lang="en-US" altLang="zh-TW" dirty="0" smtClean="0"/>
+              <a:t>otherScan.allowCount1=10</a:t>
+            </a:r>
+            <a:endParaRPr kumimoji="1" lang="en-US" altLang="zh-TW" dirty="0"/>
+          </a:p>
+        </p:txBody>
+      </p:sp>
+    </p:spTree>
+    <p:extLst>
+      <p:ext uri="{BB962C8B-B14F-4D97-AF65-F5344CB8AC3E}">
+        <p14:creationId xmlns:p14="http://schemas.microsoft.com/office/powerpoint/2010/main" val="322553950"/>
+      </p:ext>
+    </p:extLst>
+  </p:cSld>
+  <p:clrMapOvr>
+    <a:masterClrMapping/>
+  </p:clrMapOvr>
+  <p:timing>
+    <p:tnLst>
+      <p:par>
+        <p:cTn id="1" dur="indefinite" restart="never" nodeType="tmRoot"/>
+      </p:par>
+    </p:tnLst>
+  </p:timing>
+</p:sld>
+</file>
+
+<file path=ppt/slides/slide12.xml><?xml version="1.0" encoding="utf-8"?>
+<p:sld xmlns:a="http://schemas.openxmlformats.org/drawingml/2006/main" xmlns:r="http://schemas.openxmlformats.org/officeDocument/2006/relationships" xmlns:p="http://schemas.openxmlformats.org/presentationml/2006/main">
+  <p:cSld>
+    <p:spTree>
+      <p:nvGrpSpPr>
+        <p:cNvPr id="1" name=""/>
+        <p:cNvGrpSpPr/>
+        <p:nvPr/>
+      </p:nvGrpSpPr>
+      <p:grpSpPr>
+        <a:xfrm>
+          <a:off x="0" y="0"/>
+          <a:ext cx="0" cy="0"/>
+          <a:chOff x="0" y="0"/>
+          <a:chExt cx="0" cy="0"/>
+        </a:xfrm>
+      </p:grpSpPr>
+      <p:sp>
+        <p:nvSpPr>
+          <p:cNvPr id="2" name="標題 1"/>
+          <p:cNvSpPr>
+            <a:spLocks noGrp="1"/>
+          </p:cNvSpPr>
+          <p:nvPr>
+            <p:ph type="title"/>
+          </p:nvPr>
+        </p:nvSpPr>
+        <p:spPr/>
+        <p:txBody>
+          <a:bodyPr>
+            <a:normAutofit/>
+          </a:bodyPr>
+          <a:lstStyle/>
+          <a:p>
+            <a:r>
+              <a:rPr kumimoji="1" lang="zh-TW" altLang="en-US" dirty="0"/>
+              <a:t>參數檔</a:t>
+            </a:r>
+            <a:r>
+              <a:rPr kumimoji="1" lang="zh-TW" altLang="en-US" dirty="0" smtClean="0"/>
+              <a:t>變數</a:t>
+            </a:r>
+            <a:r>
+              <a:rPr kumimoji="1" lang="en-US" altLang="zh-TW" dirty="0" smtClean="0"/>
+              <a:t>(email)</a:t>
+            </a:r>
+            <a:endParaRPr lang="zh-TW" altLang="en-US" dirty="0"/>
+          </a:p>
+        </p:txBody>
+      </p:sp>
+      <p:sp>
+        <p:nvSpPr>
+          <p:cNvPr id="3" name="內容版面配置區 2"/>
+          <p:cNvSpPr>
+            <a:spLocks noGrp="1"/>
+          </p:cNvSpPr>
+          <p:nvPr>
+            <p:ph idx="1"/>
+          </p:nvPr>
+        </p:nvSpPr>
+        <p:spPr/>
+        <p:txBody>
+          <a:bodyPr>
+            <a:normAutofit/>
+          </a:bodyPr>
+          <a:lstStyle/>
+          <a:p>
+            <a:r>
+              <a:rPr lang="es-ES_tradnl" altLang="zh-TW" dirty="0" smtClean="0"/>
+              <a:t>LOCAL_TEST(</a:t>
+            </a:r>
+            <a:r>
+              <a:rPr lang="zh-TW" altLang="en-US" dirty="0" smtClean="0"/>
+              <a:t>是否要用內建</a:t>
+            </a:r>
+            <a:r>
+              <a:rPr lang="en-US" altLang="zh-TW" dirty="0" err="1" smtClean="0"/>
+              <a:t>gmail</a:t>
+            </a:r>
+            <a:r>
+              <a:rPr lang="zh-TW" altLang="en-US" dirty="0" smtClean="0"/>
+              <a:t>帳號寄送</a:t>
+            </a:r>
+            <a:r>
+              <a:rPr lang="en-US" altLang="zh-TW" dirty="0" smtClean="0"/>
+              <a:t>email</a:t>
+            </a:r>
+            <a:r>
+              <a:rPr lang="es-ES_tradnl" altLang="zh-TW" dirty="0" smtClean="0"/>
+              <a:t>)</a:t>
+            </a:r>
+          </a:p>
+          <a:p>
+            <a:r>
+              <a:rPr lang="es-ES_tradnl" altLang="zh-TW" dirty="0" smtClean="0"/>
+              <a:t>EDM_FROM_ADDR</a:t>
+            </a:r>
+          </a:p>
+          <a:p>
+            <a:r>
+              <a:rPr lang="es-ES_tradnl" altLang="zh-TW" dirty="0" smtClean="0"/>
+              <a:t>EDM_FROM_PERSON</a:t>
+            </a:r>
+          </a:p>
+          <a:p>
+            <a:r>
+              <a:rPr lang="es-ES_tradnl" altLang="zh-TW" dirty="0" smtClean="0"/>
+              <a:t>EDM_HOST</a:t>
+            </a:r>
+          </a:p>
+          <a:p>
+            <a:r>
+              <a:rPr lang="es-ES_tradnl" altLang="zh-TW" dirty="0" smtClean="0"/>
+              <a:t>EDM_USR</a:t>
+            </a:r>
+          </a:p>
+          <a:p>
+            <a:r>
+              <a:rPr lang="es-ES_tradnl" altLang="zh-TW" dirty="0" smtClean="0"/>
+              <a:t>EDM_PWD</a:t>
+            </a:r>
+            <a:endParaRPr kumimoji="1" lang="en-US" altLang="zh-TW" dirty="0"/>
+          </a:p>
+        </p:txBody>
+      </p:sp>
+    </p:spTree>
+    <p:extLst>
+      <p:ext uri="{BB962C8B-B14F-4D97-AF65-F5344CB8AC3E}">
+        <p14:creationId xmlns:p14="http://schemas.microsoft.com/office/powerpoint/2010/main" val="1519779737"/>
+      </p:ext>
+    </p:extLst>
+  </p:cSld>
+  <p:clrMapOvr>
+    <a:masterClrMapping/>
+  </p:clrMapOvr>
+  <p:timing>
+    <p:tnLst>
+      <p:par>
+        <p:cTn id="1" dur="indefinite" restart="never" nodeType="tmRoot"/>
+      </p:par>
+    </p:tnLst>
+  </p:timing>
+</p:sld>
+</file>
+
+<file path=ppt/slides/slide13.xml><?xml version="1.0" encoding="utf-8"?>
+<p:sld xmlns:a="http://schemas.openxmlformats.org/drawingml/2006/main" xmlns:r="http://schemas.openxmlformats.org/officeDocument/2006/relationships" xmlns:p="http://schemas.openxmlformats.org/presentationml/2006/main">
+  <p:cSld>
+    <p:spTree>
+      <p:nvGrpSpPr>
+        <p:cNvPr id="1" name=""/>
+        <p:cNvGrpSpPr/>
+        <p:nvPr/>
+      </p:nvGrpSpPr>
+      <p:grpSpPr>
+        <a:xfrm>
+          <a:off x="0" y="0"/>
+          <a:ext cx="0" cy="0"/>
+          <a:chOff x="0" y="0"/>
+          <a:chExt cx="0" cy="0"/>
+        </a:xfrm>
+      </p:grpSpPr>
+      <p:sp>
+        <p:nvSpPr>
+          <p:cNvPr id="2" name="標題 1"/>
+          <p:cNvSpPr>
+            <a:spLocks noGrp="1"/>
+          </p:cNvSpPr>
+          <p:nvPr>
+            <p:ph type="title"/>
+          </p:nvPr>
+        </p:nvSpPr>
+        <p:spPr/>
+        <p:txBody>
+          <a:bodyPr>
+            <a:normAutofit/>
+          </a:bodyPr>
+          <a:lstStyle/>
+          <a:p>
+            <a:r>
+              <a:rPr kumimoji="1" lang="zh-TW" altLang="en-US" dirty="0"/>
+              <a:t>參數檔</a:t>
+            </a:r>
+            <a:r>
+              <a:rPr kumimoji="1" lang="zh-TW" altLang="en-US" dirty="0" smtClean="0"/>
+              <a:t>變數</a:t>
+            </a:r>
             <a:r>
               <a:rPr kumimoji="1" lang="en-US" altLang="zh-TW" dirty="0" smtClean="0"/>
               <a:t>(SMS)</a:t>
@@ -4124,11 +4923,7 @@
             </a:r>
             <a:r>
               <a:rPr kumimoji="1" lang="zh-TW" altLang="en-US" dirty="0" smtClean="0"/>
-              <a:t>筆數</a:t>
-            </a:r>
-            <a:r>
-              <a:rPr kumimoji="1" lang="zh-TW" altLang="en-US" dirty="0" smtClean="0"/>
-              <a:t>及單筆</a:t>
+              <a:t>筆數及單筆</a:t>
             </a:r>
             <a:r>
               <a:rPr kumimoji="1" lang="en-US" altLang="zh-TW" dirty="0" smtClean="0"/>
@@ -4144,11 +4939,7 @@
             </a:r>
             <a:r>
               <a:rPr kumimoji="1" lang="zh-TW" altLang="en-US" dirty="0" smtClean="0"/>
-              <a:t>住的時間</a:t>
-            </a:r>
-            <a:r>
-              <a:rPr kumimoji="1" lang="zh-TW" altLang="en-US" dirty="0" smtClean="0"/>
-              <a:t>，</a:t>
+              <a:t>住的時間，</a:t>
             </a:r>
             <a:r>
               <a:rPr kumimoji="1" lang="zh-TW" altLang="en-US" dirty="0"/>
@@ -4156,11 +4947,7 @@
             </a:r>
             <a:r>
               <a:rPr kumimoji="1" lang="zh-TW" altLang="en-US" dirty="0" smtClean="0"/>
-              <a:t>筆數或時間，</a:t>
-            </a:r>
-            <a:r>
-              <a:rPr kumimoji="1" lang="zh-TW" altLang="en-US" dirty="0" smtClean="0"/>
-              <a:t>則發送</a:t>
+              <a:t>筆數或時間，則發送</a:t>
             </a:r>
             <a:r>
               <a:rPr kumimoji="1" lang="en-US" altLang="zh-TW" dirty="0" smtClean="0"/>
@@ -4176,11 +4963,7 @@
             </a:r>
             <a:r>
               <a:rPr kumimoji="1" lang="zh-TW" altLang="en-US" dirty="0" smtClean="0"/>
-              <a:t>所設定收件者</a:t>
-            </a:r>
-            <a:r>
-              <a:rPr kumimoji="1" lang="zh-TW" altLang="en-US" dirty="0" smtClean="0"/>
-              <a:t>。</a:t>
+              <a:t>所設定收件者。</a:t>
             </a:r>
             <a:endParaRPr kumimoji="1" lang="en-US" altLang="zh-TW" dirty="0" smtClean="0"/>
           </a:p>
@@ -5603,7 +6386,7 @@
       </p:grpSpPr>
       <p:sp>
         <p:nvSpPr>
-          <p:cNvPr id="2" name="標題 1"/>
+          <p:cNvPr id="6" name="標題 5"/>
           <p:cNvSpPr>
             <a:spLocks noGrp="1"/>
           </p:cNvSpPr>
@@ -5614,17 +6397,21 @@
         <p:spPr/>
         <p:txBody>
           <a:bodyPr>
-            <a:normAutofit/>
+            <a:normAutofit fontScale="90000"/>
           </a:bodyPr>
           <a:lstStyle/>
           <a:p>
             <a:r>
-              <a:rPr kumimoji="1" lang="zh-TW" altLang="en-US" dirty="0"/>
-              <a:t>參數檔</a:t>
-            </a:r>
-            <a:r>
-              <a:rPr kumimoji="1" lang="zh-TW" altLang="en-US" dirty="0" smtClean="0"/>
-              <a:t>變數</a:t>
+              <a:rPr kumimoji="1" lang="en-US" altLang="zh-TW" dirty="0" smtClean="0"/>
+              <a:t>How to install </a:t>
+            </a:r>
+            <a:r>
+              <a:rPr kumimoji="1" lang="en-US" altLang="zh-TW" dirty="0" smtClean="0"/>
+              <a:t>windows </a:t>
+            </a:r>
+            <a:r>
+              <a:rPr kumimoji="1" lang="en-US" altLang="zh-TW" dirty="0" smtClean="0"/>
+              <a:t>service</a:t>
             </a:r>
             <a:endParaRPr lang="zh-TW" altLang="en-US" dirty="0"/>
           </a:p>
@@ -5632,7 +6419,7 @@
       </p:sp>
       <p:sp>
         <p:nvSpPr>
-          <p:cNvPr id="3" name="內容版面配置區 2"/>
+          <p:cNvPr id="7" name="內容版面配置區 6"/>
           <p:cNvSpPr>
             <a:spLocks noGrp="1"/>
           </p:cNvSpPr>
@@ -5640,379 +6427,210 @@
             <p:ph idx="1"/>
           </p:nvPr>
         </p:nvSpPr>
+        <p:spPr>
+          <a:xfrm>
+            <a:off x="395536" y="1268760"/>
+            <a:ext cx="8229600" cy="4857403"/>
+          </a:xfrm>
+        </p:spPr>
+        <p:txBody>
+          <a:bodyPr/>
+          <a:lstStyle/>
+          <a:p>
+            <a:r>
+              <a:rPr lang="zh-TW" altLang="en-US" dirty="0" smtClean="0"/>
+              <a:t>打包出來的</a:t>
+            </a:r>
+            <a:r>
+              <a:rPr lang="en-US" altLang="zh-TW" dirty="0" smtClean="0"/>
+              <a:t>zip</a:t>
+            </a:r>
+            <a:r>
+              <a:rPr lang="zh-TW" altLang="en-US" dirty="0" smtClean="0"/>
+              <a:t>中會含有兩個</a:t>
+            </a:r>
+            <a:r>
+              <a:rPr lang="en-US" altLang="zh-TW" dirty="0"/>
+              <a:t>folder: App and </a:t>
+            </a:r>
+            <a:r>
+              <a:rPr lang="en-US" altLang="zh-TW" dirty="0" smtClean="0"/>
+              <a:t>yajsw-stable-12.11</a:t>
+            </a:r>
+          </a:p>
+          <a:p>
+            <a:r>
+              <a:rPr lang="zh-TW" altLang="en-US" dirty="0" smtClean="0"/>
+              <a:t>修改</a:t>
+            </a:r>
+            <a:r>
+              <a:rPr lang="en-US" altLang="zh-TW" dirty="0" err="1" smtClean="0"/>
+              <a:t>wrapper.conf</a:t>
+            </a:r>
+            <a:r>
+              <a:rPr lang="zh-TW" altLang="en-US" dirty="0" smtClean="0"/>
+              <a:t>檔，將</a:t>
+            </a:r>
+            <a:r>
+              <a:rPr lang="en-US" altLang="zh-TW" dirty="0" smtClean="0"/>
+              <a:t/>
+            </a:r>
+            <a:br>
+              <a:rPr lang="en-US" altLang="zh-TW" dirty="0" smtClean="0"/>
+            </a:br>
+            <a:r>
+              <a:rPr lang="en-US" altLang="zh-TW" dirty="0" err="1" smtClean="0"/>
+              <a:t>wrapper.working.dir</a:t>
+            </a:r>
+            <a:r>
+              <a:rPr lang="zh-TW" altLang="en-US" dirty="0" smtClean="0"/>
+              <a:t>對應的值修改為上述</a:t>
+            </a:r>
+            <a:r>
+              <a:rPr lang="en-US" altLang="zh-TW" dirty="0" smtClean="0"/>
+              <a:t>App folder</a:t>
+            </a:r>
+            <a:r>
+              <a:rPr lang="zh-TW" altLang="en-US" dirty="0" smtClean="0"/>
+              <a:t>的絕對位置。</a:t>
+            </a:r>
+            <a:r>
+              <a:rPr lang="en-US" altLang="zh-TW" dirty="0" smtClean="0"/>
+              <a:t/>
+            </a:r>
+            <a:br>
+              <a:rPr lang="en-US" altLang="zh-TW" dirty="0" smtClean="0"/>
+            </a:br>
+            <a:r>
+              <a:rPr lang="en-US" altLang="zh-TW" dirty="0" smtClean="0"/>
+              <a:t>Ex: </a:t>
+            </a:r>
+            <a:r>
+              <a:rPr lang="en-US" altLang="zh-TW" dirty="0" err="1" smtClean="0"/>
+              <a:t>wrapper.working.dir</a:t>
+            </a:r>
+            <a:r>
+              <a:rPr lang="en-US" altLang="zh-TW" dirty="0" smtClean="0"/>
+              <a:t>=C</a:t>
+            </a:r>
+            <a:r>
+              <a:rPr lang="en-US" altLang="zh-TW" dirty="0"/>
+              <a:t>:\\\\IISI\\\\APP\\\\</a:t>
+            </a:r>
+          </a:p>
+          <a:p>
+            <a:endParaRPr lang="en-US" altLang="zh-TW" dirty="0" smtClean="0"/>
+          </a:p>
+          <a:p>
+            <a:endParaRPr lang="en-US" altLang="zh-TW" dirty="0"/>
+          </a:p>
+        </p:txBody>
+      </p:sp>
+      <p:sp>
+        <p:nvSpPr>
+          <p:cNvPr id="4" name="頁尾版面配置區 3"/>
+          <p:cNvSpPr>
+            <a:spLocks noGrp="1"/>
+          </p:cNvSpPr>
+          <p:nvPr>
+            <p:ph type="ftr" sz="quarter" idx="3"/>
+          </p:nvPr>
+        </p:nvSpPr>
         <p:spPr/>
         <p:txBody>
-          <a:bodyPr>
-            <a:normAutofit/>
-          </a:bodyPr>
+          <a:bodyPr/>
           <a:lstStyle/>
           <a:p>
-            <a:r>
-              <a:rPr lang="en-US" altLang="zh-TW" dirty="0" err="1" smtClean="0"/>
-              <a:t>intervalTime</a:t>
-            </a:r>
-            <a:r>
-              <a:rPr lang="en-US" altLang="zh-TW" dirty="0" smtClean="0"/>
-              <a:t> </a:t>
-            </a:r>
-            <a:r>
-              <a:rPr lang="en-US" altLang="zh-TW" dirty="0" smtClean="0">
-                <a:solidFill>
-                  <a:srgbClr val="FF0000"/>
-                </a:solidFill>
-              </a:rPr>
+            <a:pPr>
+              <a:defRPr/>
+            </a:pPr>
+            <a:r>
+              <a:rPr lang="zh-TW" altLang="en-US" smtClean="0"/>
+              <a:t>智慧財產權屬資拓宏宇國際</a:t>
+            </a:r>
+            <a:r>
+              <a:rPr lang="en-US" altLang="zh-TW" smtClean="0"/>
               <a:t>(</a:t>
             </a:r>
             <a:r>
-              <a:rPr kumimoji="1" lang="zh-TW" altLang="en-US" dirty="0">
-                <a:solidFill>
-                  <a:srgbClr val="FF0000"/>
-                </a:solidFill>
-              </a:rPr>
-              <a:t>啟動間隔</a:t>
-            </a:r>
-            <a:r>
-              <a:rPr lang="en-US" altLang="zh-TW" dirty="0" smtClean="0">
-                <a:solidFill>
-                  <a:srgbClr val="FF0000"/>
-                </a:solidFill>
-              </a:rPr>
+              <a:rPr lang="zh-TW" altLang="en-US" smtClean="0"/>
+              <a:t>股</a:t>
+            </a:r>
+            <a:r>
+              <a:rPr lang="en-US" altLang="zh-TW" smtClean="0"/>
               <a:t>)</a:t>
             </a:r>
-            <a:endParaRPr lang="en-US" altLang="zh-TW" dirty="0">
-              <a:solidFill>
-                <a:srgbClr val="FF0000"/>
-              </a:solidFill>
-            </a:endParaRPr>
-          </a:p>
-          <a:p>
-            <a:r>
-              <a:rPr lang="en-US" altLang="zh-TW" dirty="0" err="1" smtClean="0"/>
-              <a:t>logFolderPath</a:t>
-            </a:r>
-            <a:r>
-              <a:rPr lang="en-US" altLang="zh-TW" dirty="0" smtClean="0"/>
-              <a:t> </a:t>
-            </a:r>
-            <a:r>
-              <a:rPr lang="en-US" altLang="zh-TW" dirty="0" smtClean="0">
-                <a:solidFill>
-                  <a:srgbClr val="FF0000"/>
-                </a:solidFill>
-              </a:rPr>
-              <a:t>(</a:t>
-            </a:r>
-            <a:r>
-              <a:rPr lang="en-US" altLang="zh-TW" dirty="0" err="1" smtClean="0">
-                <a:solidFill>
-                  <a:srgbClr val="FF0000"/>
-                </a:solidFill>
-              </a:rPr>
-              <a:t>TraceLog</a:t>
-            </a:r>
-            <a:r>
-              <a:rPr lang="en-US" altLang="zh-TW" dirty="0" smtClean="0">
-                <a:solidFill>
-                  <a:srgbClr val="FF0000"/>
-                </a:solidFill>
-              </a:rPr>
-              <a:t> place folder)</a:t>
-            </a:r>
-          </a:p>
-          <a:p>
-            <a:r>
-              <a:rPr lang="en-US" altLang="zh-TW" dirty="0" err="1" smtClean="0"/>
-              <a:t>tempFolderPath</a:t>
-            </a:r>
-            <a:r>
-              <a:rPr lang="en-US" altLang="zh-TW" dirty="0"/>
-              <a:t>=./</a:t>
-            </a:r>
-            <a:r>
-              <a:rPr lang="en-US" altLang="zh-TW" dirty="0" smtClean="0"/>
-              <a:t>Temp/</a:t>
-            </a:r>
-            <a:r>
-              <a:rPr lang="zh-TW" altLang="en-US" dirty="0" smtClean="0"/>
-              <a:t> </a:t>
-            </a:r>
-            <a:r>
-              <a:rPr lang="en-US" altLang="zh-TW" dirty="0" smtClean="0">
-                <a:solidFill>
-                  <a:srgbClr val="FF0000"/>
-                </a:solidFill>
-              </a:rPr>
-              <a:t>(use default)</a:t>
-            </a:r>
-          </a:p>
-          <a:p>
-            <a:r>
-              <a:rPr lang="en-US" altLang="zh-TW" dirty="0" err="1" smtClean="0"/>
-              <a:t>issueLogFolderPath</a:t>
-            </a:r>
-            <a:r>
-              <a:rPr lang="en-US" altLang="zh-TW" dirty="0"/>
-              <a:t>=./</a:t>
-            </a:r>
-            <a:r>
-              <a:rPr lang="en-US" altLang="zh-TW" dirty="0" err="1"/>
-              <a:t>IssueLog</a:t>
-            </a:r>
-            <a:r>
-              <a:rPr lang="en-US" altLang="zh-TW" dirty="0" smtClean="0"/>
-              <a:t>/</a:t>
-            </a:r>
-            <a:r>
-              <a:rPr lang="en-US" altLang="zh-TW" dirty="0" smtClean="0">
-                <a:solidFill>
-                  <a:srgbClr val="FF0000"/>
-                </a:solidFill>
-              </a:rPr>
-              <a:t> </a:t>
-            </a:r>
-            <a:r>
-              <a:rPr lang="en-US" altLang="zh-TW" dirty="0">
-                <a:solidFill>
-                  <a:srgbClr val="FF0000"/>
-                </a:solidFill>
-              </a:rPr>
-              <a:t>(use </a:t>
-            </a:r>
-            <a:r>
-              <a:rPr lang="en-US" altLang="zh-TW" dirty="0" smtClean="0">
-                <a:solidFill>
-                  <a:srgbClr val="FF0000"/>
-                </a:solidFill>
-              </a:rPr>
-              <a:t>default)</a:t>
-            </a:r>
-            <a:endParaRPr lang="en-US" altLang="zh-TW" dirty="0">
-              <a:solidFill>
-                <a:srgbClr val="FF0000"/>
-              </a:solidFill>
-            </a:endParaRPr>
-          </a:p>
-          <a:p>
-            <a:r>
-              <a:rPr lang="en-US" altLang="zh-TW" dirty="0" err="1" smtClean="0"/>
-              <a:t>allowPendingLimit</a:t>
-            </a:r>
-            <a:r>
-              <a:rPr lang="en-US" altLang="zh-TW" dirty="0" smtClean="0"/>
-              <a:t> </a:t>
-            </a:r>
-            <a:r>
-              <a:rPr lang="en-US" altLang="zh-TW" dirty="0" smtClean="0">
-                <a:solidFill>
-                  <a:srgbClr val="FF0000"/>
-                </a:solidFill>
-              </a:rPr>
-              <a:t>(</a:t>
-            </a:r>
-            <a:r>
-              <a:rPr lang="zh-TW" altLang="en-US" dirty="0" smtClean="0">
-                <a:solidFill>
-                  <a:srgbClr val="FF0000"/>
-                </a:solidFill>
-              </a:rPr>
-              <a:t>允許</a:t>
-            </a:r>
-            <a:r>
-              <a:rPr lang="en-US" altLang="zh-TW" dirty="0" smtClean="0">
-                <a:solidFill>
-                  <a:srgbClr val="FF0000"/>
-                </a:solidFill>
-              </a:rPr>
-              <a:t>pending</a:t>
-            </a:r>
-            <a:r>
-              <a:rPr lang="zh-TW" altLang="en-US" dirty="0" smtClean="0">
-                <a:solidFill>
-                  <a:srgbClr val="FF0000"/>
-                </a:solidFill>
-              </a:rPr>
-              <a:t>數量</a:t>
-            </a:r>
-            <a:r>
-              <a:rPr lang="en-US" altLang="zh-TW" dirty="0" smtClean="0">
-                <a:solidFill>
-                  <a:srgbClr val="FF0000"/>
-                </a:solidFill>
-              </a:rPr>
-              <a:t>)</a:t>
-            </a:r>
-          </a:p>
-          <a:p>
-            <a:r>
-              <a:rPr lang="en-US" altLang="zh-TW" dirty="0" err="1" smtClean="0"/>
-              <a:t>allowPendingTimeLimit</a:t>
-            </a:r>
-            <a:r>
-              <a:rPr lang="zh-TW" altLang="en-US" dirty="0" smtClean="0">
-                <a:solidFill>
-                  <a:srgbClr val="FF0000"/>
-                </a:solidFill>
-              </a:rPr>
-              <a:t> </a:t>
-            </a:r>
-            <a:r>
-              <a:rPr lang="en-US" altLang="zh-TW" dirty="0" smtClean="0">
-                <a:solidFill>
-                  <a:srgbClr val="FF0000"/>
-                </a:solidFill>
-              </a:rPr>
-              <a:t>(</a:t>
-            </a:r>
-            <a:r>
-              <a:rPr lang="zh-TW" altLang="en-US" dirty="0" smtClean="0">
-                <a:solidFill>
-                  <a:srgbClr val="FF0000"/>
-                </a:solidFill>
-              </a:rPr>
-              <a:t>允許單</a:t>
-            </a:r>
-            <a:r>
-              <a:rPr lang="en-US" altLang="zh-TW" dirty="0" smtClean="0">
-                <a:solidFill>
-                  <a:srgbClr val="FF0000"/>
-                </a:solidFill>
-              </a:rPr>
-              <a:t>thread</a:t>
-            </a:r>
-            <a:r>
-              <a:rPr lang="zh-TW" altLang="en-US" dirty="0" smtClean="0">
-                <a:solidFill>
-                  <a:srgbClr val="FF0000"/>
-                </a:solidFill>
-              </a:rPr>
-              <a:t>能</a:t>
-            </a:r>
-            <a:r>
-              <a:rPr lang="en-US" altLang="zh-TW" dirty="0" smtClean="0">
-                <a:solidFill>
-                  <a:srgbClr val="FF0000"/>
-                </a:solidFill>
-              </a:rPr>
-              <a:t>pending</a:t>
-            </a:r>
-            <a:r>
-              <a:rPr lang="zh-TW" altLang="en-US" dirty="0" smtClean="0">
-                <a:solidFill>
-                  <a:srgbClr val="FF0000"/>
-                </a:solidFill>
-              </a:rPr>
-              <a:t>的秒數</a:t>
-            </a:r>
-            <a:r>
-              <a:rPr lang="en-US" altLang="zh-TW" dirty="0" smtClean="0">
-                <a:solidFill>
-                  <a:srgbClr val="FF0000"/>
-                </a:solidFill>
-              </a:rPr>
-              <a:t>)</a:t>
-            </a:r>
-            <a:endParaRPr lang="en-US" altLang="zh-TW" dirty="0">
-              <a:solidFill>
-                <a:srgbClr val="FF0000"/>
-              </a:solidFill>
-            </a:endParaRPr>
-          </a:p>
-          <a:p>
-            <a:r>
-              <a:rPr lang="en-US" altLang="zh-TW" dirty="0" err="1" smtClean="0"/>
-              <a:t>emailSendTargets</a:t>
-            </a:r>
-            <a:r>
-              <a:rPr lang="zh-TW" altLang="en-US" dirty="0" smtClean="0"/>
-              <a:t> </a:t>
-            </a:r>
-            <a:r>
-              <a:rPr lang="en-US" altLang="zh-TW" dirty="0" smtClean="0">
-                <a:solidFill>
-                  <a:srgbClr val="FF0000"/>
-                </a:solidFill>
-              </a:rPr>
-              <a:t>(email</a:t>
-            </a:r>
-            <a:r>
-              <a:rPr lang="zh-TW" altLang="en-US" dirty="0" smtClean="0">
-                <a:solidFill>
-                  <a:srgbClr val="FF0000"/>
-                </a:solidFill>
-              </a:rPr>
-              <a:t>寄送目標</a:t>
-            </a:r>
-            <a:r>
-              <a:rPr lang="en-US" altLang="zh-TW" dirty="0" smtClean="0">
-                <a:solidFill>
-                  <a:srgbClr val="FF0000"/>
-                </a:solidFill>
-              </a:rPr>
-              <a:t>)</a:t>
-            </a:r>
-          </a:p>
-          <a:p>
-            <a:r>
-              <a:rPr lang="en-US" altLang="zh-TW" dirty="0" err="1" smtClean="0"/>
-              <a:t>smsSendTargets</a:t>
-            </a:r>
-            <a:r>
-              <a:rPr lang="zh-TW" altLang="en-US" dirty="0" smtClean="0"/>
-              <a:t> </a:t>
-            </a:r>
-            <a:r>
-              <a:rPr lang="en-US" altLang="zh-TW" dirty="0" smtClean="0">
-                <a:solidFill>
-                  <a:srgbClr val="FF0000"/>
-                </a:solidFill>
-              </a:rPr>
-              <a:t>(</a:t>
-            </a:r>
-            <a:r>
-              <a:rPr lang="en-US" altLang="zh-TW" dirty="0" err="1" smtClean="0">
-                <a:solidFill>
-                  <a:srgbClr val="FF0000"/>
-                </a:solidFill>
-              </a:rPr>
-              <a:t>sms</a:t>
-            </a:r>
-            <a:r>
-              <a:rPr lang="zh-TW" altLang="en-US" dirty="0" smtClean="0">
-                <a:solidFill>
-                  <a:srgbClr val="FF0000"/>
-                </a:solidFill>
-              </a:rPr>
-              <a:t>寄</a:t>
-            </a:r>
-            <a:r>
-              <a:rPr lang="zh-TW" altLang="en-US" dirty="0">
-                <a:solidFill>
-                  <a:srgbClr val="FF0000"/>
-                </a:solidFill>
-              </a:rPr>
-              <a:t>送目標</a:t>
-            </a:r>
-            <a:r>
-              <a:rPr lang="en-US" altLang="zh-TW" dirty="0">
-                <a:solidFill>
-                  <a:srgbClr val="FF0000"/>
-                </a:solidFill>
-              </a:rPr>
-              <a:t>)</a:t>
-            </a:r>
-          </a:p>
-          <a:p>
-            <a:endParaRPr kumimoji="1" lang="en-US" altLang="zh-TW" dirty="0"/>
-          </a:p>
-          <a:p>
-            <a:endParaRPr kumimoji="1" lang="en-US" altLang="zh-TW" dirty="0"/>
-          </a:p>
-        </p:txBody>
-      </p:sp>
+            <a:r>
+              <a:rPr lang="zh-TW" altLang="en-US" smtClean="0"/>
+              <a:t>公司，複製或轉載必究</a:t>
+            </a:r>
+            <a:endParaRPr lang="zh-TW" altLang="en-US" dirty="0"/>
+          </a:p>
+        </p:txBody>
+      </p:sp>
+      <p:sp>
+        <p:nvSpPr>
+          <p:cNvPr id="5" name="投影片編號版面配置區 4"/>
+          <p:cNvSpPr>
+            <a:spLocks noGrp="1"/>
+          </p:cNvSpPr>
+          <p:nvPr>
+            <p:ph type="sldNum" sz="quarter" idx="4"/>
+          </p:nvPr>
+        </p:nvSpPr>
+        <p:spPr/>
+        <p:txBody>
+          <a:bodyPr/>
+          <a:lstStyle/>
+          <a:p>
+            <a:pPr>
+              <a:defRPr/>
+            </a:pPr>
+            <a:fld id="{98CEF6DB-C55F-4787-A169-36FC1ED66CA3}" type="slidenum">
+              <a:rPr lang="zh-TW" altLang="en-US" smtClean="0"/>
+              <a:pPr>
+                <a:defRPr/>
+              </a:pPr>
+              <a:t>7</a:t>
+            </a:fld>
+            <a:endParaRPr lang="zh-TW" altLang="en-US" dirty="0"/>
+          </a:p>
+        </p:txBody>
+      </p:sp>
+      <p:pic>
+        <p:nvPicPr>
+          <p:cNvPr id="8" name="圖片 7"/>
+          <p:cNvPicPr>
+            <a:picLocks noChangeAspect="1"/>
+          </p:cNvPicPr>
+          <p:nvPr/>
+        </p:nvPicPr>
+        <p:blipFill>
+          <a:blip r:embed="rId2">
+            <a:extLst>
+              <a:ext uri="{28A0092B-C50C-407E-A947-70E740481C1C}">
+                <a14:useLocalDpi xmlns:a14="http://schemas.microsoft.com/office/drawing/2010/main" val="0"/>
+              </a:ext>
+            </a:extLst>
+          </a:blip>
+          <a:stretch>
+            <a:fillRect/>
+          </a:stretch>
+        </p:blipFill>
+        <p:spPr>
+          <a:xfrm>
+            <a:off x="755576" y="4077072"/>
+            <a:ext cx="4355976" cy="1818100"/>
+          </a:xfrm>
+          <a:prstGeom prst="rect">
+            <a:avLst/>
+          </a:prstGeom>
+        </p:spPr>
+      </p:pic>
     </p:spTree>
     <p:extLst>
       <p:ext uri="{BB962C8B-B14F-4D97-AF65-F5344CB8AC3E}">
-        <p14:creationId xmlns:p14="http://schemas.microsoft.com/office/powerpoint/2010/main" val="137870020"/>
+        <p14:creationId xmlns:p14="http://schemas.microsoft.com/office/powerpoint/2010/main" val="1253622389"/>
       </p:ext>
     </p:extLst>
   </p:cSld>
@@ -6048,7 +6666,7 @@
       </p:grpSpPr>
       <p:sp>
         <p:nvSpPr>
-          <p:cNvPr id="2" name="標題 1"/>
+          <p:cNvPr id="6" name="標題 5"/>
           <p:cNvSpPr>
             <a:spLocks noGrp="1"/>
           </p:cNvSpPr>
@@ -6059,166 +6677,190 @@
         <p:spPr/>
         <p:txBody>
           <a:bodyPr>
-            <a:normAutofit/>
+            <a:normAutofit fontScale="90000"/>
           </a:bodyPr>
           <a:lstStyle/>
           <a:p>
             <a:r>
-              <a:rPr kumimoji="1" lang="zh-TW" altLang="en-US" dirty="0"/>
-              <a:t>參數檔</a:t>
-            </a:r>
-            <a:r>
-              <a:rPr kumimoji="1" lang="zh-TW" altLang="en-US" dirty="0" smtClean="0"/>
-              <a:t>變數</a:t>
-            </a:r>
-            <a:r>
               <a:rPr kumimoji="1" lang="en-US" altLang="zh-TW" dirty="0" smtClean="0"/>
+              <a:t>How to install </a:t>
+            </a:r>
+            <a:r>
+              <a:rPr kumimoji="1" lang="en-US" altLang="zh-TW" dirty="0" smtClean="0"/>
+              <a:t>windows </a:t>
+            </a:r>
+            <a:r>
+              <a:rPr kumimoji="1" lang="en-US" altLang="zh-TW" dirty="0" smtClean="0"/>
+              <a:t>service</a:t>
+            </a:r>
+            <a:endParaRPr lang="zh-TW" altLang="en-US" dirty="0"/>
+          </a:p>
+        </p:txBody>
+      </p:sp>
+      <p:sp>
+        <p:nvSpPr>
+          <p:cNvPr id="7" name="內容版面配置區 6"/>
+          <p:cNvSpPr>
+            <a:spLocks noGrp="1"/>
+          </p:cNvSpPr>
+          <p:nvPr>
+            <p:ph idx="1"/>
+          </p:nvPr>
+        </p:nvSpPr>
+        <p:spPr>
+          <a:xfrm>
+            <a:off x="395536" y="1268760"/>
+            <a:ext cx="8229600" cy="4857403"/>
+          </a:xfrm>
+        </p:spPr>
+        <p:txBody>
+          <a:bodyPr/>
+          <a:lstStyle/>
+          <a:p>
+            <a:r>
+              <a:rPr lang="zh-TW" altLang="en-US" dirty="0" smtClean="0"/>
+              <a:t>執行</a:t>
+            </a:r>
+            <a:r>
+              <a:rPr lang="en-US" altLang="zh-TW" dirty="0" smtClean="0"/>
+              <a:t>yajsw-stable-12.11/bat/</a:t>
+            </a:r>
+            <a:r>
+              <a:rPr lang="en-US" altLang="zh-TW" dirty="0" err="1" smtClean="0"/>
+              <a:t>installService.bat</a:t>
+            </a:r>
+            <a:r>
+              <a:rPr lang="zh-TW" altLang="en-US" dirty="0" smtClean="0"/>
+              <a:t>，就會於該系統安裝</a:t>
+            </a:r>
+            <a:r>
+              <a:rPr lang="en-US" altLang="zh-TW" dirty="0" smtClean="0"/>
+              <a:t>service</a:t>
+            </a:r>
+            <a:r>
+              <a:rPr lang="zh-TW" altLang="en-US" dirty="0" smtClean="0"/>
+              <a:t>。</a:t>
+            </a:r>
+            <a:endParaRPr lang="en-US" altLang="zh-TW" dirty="0" smtClean="0"/>
+          </a:p>
+          <a:p>
+            <a:r>
+              <a:rPr lang="zh-TW" altLang="en-US" dirty="0" smtClean="0"/>
+              <a:t>後續要移除即執行上述資料夾中</a:t>
+            </a:r>
+            <a:r>
+              <a:rPr lang="en-US" altLang="zh-TW" dirty="0" err="1" smtClean="0"/>
+              <a:t>uninstallService.bat</a:t>
+            </a:r>
+            <a:r>
+              <a:rPr lang="zh-TW" altLang="en-US" dirty="0" smtClean="0"/>
+              <a:t>即可。</a:t>
+            </a:r>
+            <a:endParaRPr lang="en-US" altLang="zh-TW" dirty="0" smtClean="0"/>
+          </a:p>
+          <a:p>
+            <a:r>
+              <a:rPr lang="zh-TW" altLang="en-US" dirty="0" smtClean="0"/>
+              <a:t>註：必須具有</a:t>
+            </a:r>
+            <a:r>
+              <a:rPr lang="en-US" altLang="zh-TW" dirty="0" smtClean="0"/>
+              <a:t>administrator</a:t>
+            </a:r>
+            <a:r>
+              <a:rPr lang="zh-TW" altLang="en-US" dirty="0" smtClean="0"/>
+              <a:t>權限，及</a:t>
+            </a:r>
+            <a:r>
+              <a:rPr lang="en-US" altLang="zh-TW" dirty="0" smtClean="0"/>
+              <a:t>App folder</a:t>
+            </a:r>
+            <a:r>
+              <a:rPr lang="zh-TW" altLang="en-US" dirty="0" smtClean="0"/>
+              <a:t>必須置於本地磁碟空間。</a:t>
+            </a:r>
+            <a:endParaRPr lang="en-US" altLang="zh-TW" dirty="0" smtClean="0"/>
+          </a:p>
+          <a:p>
+            <a:endParaRPr lang="en-US" altLang="zh-TW" dirty="0"/>
+          </a:p>
+        </p:txBody>
+      </p:sp>
+      <p:sp>
+        <p:nvSpPr>
+          <p:cNvPr id="4" name="頁尾版面配置區 3"/>
+          <p:cNvSpPr>
+            <a:spLocks noGrp="1"/>
+          </p:cNvSpPr>
+          <p:nvPr>
+            <p:ph type="ftr" sz="quarter" idx="3"/>
+          </p:nvPr>
+        </p:nvSpPr>
+        <p:spPr/>
+        <p:txBody>
+          <a:bodyPr/>
+          <a:lstStyle/>
+          <a:p>
+            <a:pPr>
+              <a:defRPr/>
+            </a:pPr>
+            <a:r>
+              <a:rPr lang="zh-TW" altLang="en-US" smtClean="0"/>
+              <a:t>智慧財產權屬資拓宏宇國際</a:t>
+            </a:r>
+            <a:r>
+              <a:rPr lang="en-US" altLang="zh-TW" smtClean="0"/>
               <a:t>(</a:t>
             </a:r>
             <a:r>
-              <a:rPr kumimoji="1" lang="zh-TW" altLang="en-US" dirty="0" smtClean="0"/>
-              <a:t>自定義</a:t>
-            </a:r>
-            <a:r>
-              <a:rPr kumimoji="1" lang="en-US" altLang="zh-TW" dirty="0" smtClean="0"/>
+              <a:rPr lang="zh-TW" altLang="en-US" smtClean="0"/>
+              <a:t>股</a:t>
+            </a:r>
+            <a:r>
+              <a:rPr lang="en-US" altLang="zh-TW" smtClean="0"/>
               <a:t>)</a:t>
             </a:r>
+            <a:r>
+              <a:rPr lang="zh-TW" altLang="en-US" smtClean="0"/>
+              <a:t>公司，複製或轉載必究</a:t>
+            </a:r>
             <a:endParaRPr lang="zh-TW" altLang="en-US" dirty="0"/>
           </a:p>
         </p:txBody>
       </p:sp>
       <p:sp>
         <p:nvSpPr>
-          <p:cNvPr id="3" name="內容版面配置區 2"/>
-          <p:cNvSpPr>
-            <a:spLocks noGrp="1"/>
-          </p:cNvSpPr>
-          <p:nvPr>
-            <p:ph idx="1"/>
+          <p:cNvPr id="5" name="投影片編號版面配置區 4"/>
+          <p:cNvSpPr>
+            <a:spLocks noGrp="1"/>
+          </p:cNvSpPr>
+          <p:nvPr>
+            <p:ph type="sldNum" sz="quarter" idx="4"/>
           </p:nvPr>
         </p:nvSpPr>
         <p:spPr/>
         <p:txBody>
-          <a:bodyPr>
-            <a:normAutofit/>
-          </a:bodyPr>
+          <a:bodyPr/>
           <a:lstStyle/>
           <a:p>
-            <a:r>
-              <a:rPr lang="zh-TW" altLang="en-US" dirty="0" smtClean="0"/>
-              <a:t>自定義要掃描的</a:t>
-            </a:r>
-            <a:r>
-              <a:rPr lang="en-US" altLang="zh-TW" dirty="0" smtClean="0"/>
-              <a:t>pattern</a:t>
-            </a:r>
-            <a:r>
-              <a:rPr lang="zh-TW" altLang="en-US" dirty="0" smtClean="0"/>
-              <a:t>，</a:t>
-            </a:r>
-            <a:r>
-              <a:rPr lang="en-US" altLang="zh-TW" dirty="0" smtClean="0"/>
-              <a:t>N</a:t>
-            </a:r>
-            <a:r>
-              <a:rPr lang="zh-TW" altLang="en-US" dirty="0" smtClean="0"/>
-              <a:t>為排序數字，至多</a:t>
-            </a:r>
-            <a:r>
-              <a:rPr lang="en-US" altLang="zh-TW" dirty="0" smtClean="0"/>
-              <a:t>100</a:t>
-            </a:r>
-            <a:r>
-              <a:rPr lang="zh-TW" altLang="en-US" dirty="0" smtClean="0"/>
-              <a:t>筆自訂</a:t>
-            </a:r>
-            <a:r>
-              <a:rPr lang="en-US" altLang="zh-TW" dirty="0" smtClean="0"/>
-              <a:t>pattern</a:t>
-            </a:r>
-          </a:p>
-          <a:p>
-            <a:endParaRPr lang="en-US" altLang="zh-TW" dirty="0"/>
-          </a:p>
-          <a:p>
-            <a:r>
-              <a:rPr lang="en-US" altLang="zh-TW" dirty="0" err="1" smtClean="0"/>
-              <a:t>otherScan.patternN</a:t>
-            </a:r>
-            <a:r>
-              <a:rPr lang="en-US" altLang="zh-TW" dirty="0" smtClean="0"/>
-              <a:t> (regular express pattern)</a:t>
-            </a:r>
-            <a:endParaRPr lang="en-US" altLang="zh-TW" dirty="0"/>
-          </a:p>
-          <a:p>
-            <a:r>
-              <a:rPr lang="en-US" altLang="zh-TW" dirty="0" err="1" smtClean="0"/>
-              <a:t>otherScan.allowCountN</a:t>
-            </a:r>
-            <a:r>
-              <a:rPr lang="en-US" altLang="zh-TW" dirty="0" smtClean="0"/>
-              <a:t> (</a:t>
-            </a:r>
-            <a:r>
-              <a:rPr lang="zh-TW" altLang="en-US" dirty="0" smtClean="0"/>
-              <a:t>該掃描所允許的數量</a:t>
-            </a:r>
-            <a:r>
-              <a:rPr lang="en-US" altLang="zh-TW" dirty="0" smtClean="0"/>
-              <a:t>)</a:t>
-            </a:r>
-            <a:r>
-              <a:rPr kumimoji="1" lang="en-US" altLang="zh-TW" dirty="0"/>
-              <a:t/>
-            </a:r>
-            <a:br>
-              <a:rPr kumimoji="1" lang="en-US" altLang="zh-TW" dirty="0"/>
-            </a:br>
-            <a:r>
-              <a:rPr kumimoji="1" lang="en-US" altLang="zh-TW" dirty="0" smtClean="0"/>
-              <a:t/>
-            </a:r>
-            <a:br>
-              <a:rPr kumimoji="1" lang="en-US" altLang="zh-TW" dirty="0" smtClean="0"/>
-            </a:br>
-            <a:r>
-              <a:rPr kumimoji="1" lang="en-US" altLang="zh-TW" dirty="0" smtClean="0"/>
-              <a:t/>
-            </a:r>
-            <a:br>
-              <a:rPr kumimoji="1" lang="en-US" altLang="zh-TW" dirty="0" smtClean="0"/>
-            </a:br>
-            <a:r>
-              <a:rPr kumimoji="1" lang="en-US" altLang="zh-TW" dirty="0" smtClean="0"/>
-              <a:t>ex: </a:t>
-            </a:r>
-            <a:br>
-              <a:rPr kumimoji="1" lang="en-US" altLang="zh-TW" dirty="0" smtClean="0"/>
-            </a:br>
-            <a:r>
-              <a:rPr lang="en-US" altLang="zh-TW" dirty="0" smtClean="0"/>
-              <a:t>otherScan.pattern1=[0-9]{10}</a:t>
-            </a:r>
-            <a:r>
-              <a:rPr lang="en-US" altLang="zh-TW" dirty="0"/>
-              <a:t/>
-            </a:r>
-            <a:br>
-              <a:rPr lang="en-US" altLang="zh-TW" dirty="0"/>
-            </a:br>
-            <a:r>
-              <a:rPr lang="en-US" altLang="zh-TW" dirty="0" smtClean="0"/>
-              <a:t>otherScan.allowCount1=10</a:t>
-            </a:r>
-            <a:endParaRPr kumimoji="1" lang="en-US" altLang="zh-TW" dirty="0"/>
+            <a:pPr>
+              <a:defRPr/>
+            </a:pPr>
+            <a:fld id="{98CEF6DB-C55F-4787-A169-36FC1ED66CA3}" type="slidenum">
+              <a:rPr lang="zh-TW" altLang="en-US" smtClean="0"/>
+              <a:pPr>
+                <a:defRPr/>
+              </a:pPr>
+              <a:t>8</a:t>
+            </a:fld>
+            <a:endParaRPr lang="zh-TW" altLang="en-US" dirty="0"/>
           </a:p>
         </p:txBody>
       </p:sp>
     </p:spTree>
     <p:extLst>
       <p:ext uri="{BB962C8B-B14F-4D97-AF65-F5344CB8AC3E}">
-        <p14:creationId xmlns:p14="http://schemas.microsoft.com/office/powerpoint/2010/main" val="322553950"/>
+        <p14:creationId xmlns:p14="http://schemas.microsoft.com/office/powerpoint/2010/main" val="983602667"/>
       </p:ext>
     </p:extLst>
   </p:cSld>
@@ -6254,7 +6896,7 @@
       </p:grpSpPr>
       <p:sp>
         <p:nvSpPr>
-          <p:cNvPr id="2" name="標題 1"/>
+          <p:cNvPr id="6" name="標題 5"/>
           <p:cNvSpPr>
             <a:spLocks noGrp="1"/>
           </p:cNvSpPr>
@@ -6265,21 +6907,29 @@
         <p:spPr/>
         <p:txBody>
           <a:bodyPr>
-            <a:normAutofit/>
+            <a:normAutofit fontScale="90000"/>
           </a:bodyPr>
           <a:lstStyle/>
           <a:p>
             <a:r>
-              <a:rPr kumimoji="1" lang="zh-TW" altLang="en-US" dirty="0"/>
-              <a:t>參數檔</a:t>
-            </a:r>
-            <a:r>
-              <a:rPr kumimoji="1" lang="zh-TW" altLang="en-US" dirty="0" smtClean="0"/>
-              <a:t>變數</a:t>
-            </a:r>
-            <a:r>
               <a:rPr kumimoji="1" lang="en-US" altLang="zh-TW" dirty="0" smtClean="0"/>
-              <a:t>(email)</a:t>
+              <a:t>How to </a:t>
+            </a:r>
+            <a:r>
+              <a:rPr kumimoji="1" lang="en-US" altLang="zh-TW" dirty="0" err="1" smtClean="0"/>
+              <a:t>Config</a:t>
+            </a:r>
+            <a:r>
+              <a:rPr kumimoji="1" lang="en-US" altLang="zh-TW" dirty="0" smtClean="0"/>
+              <a:t> </a:t>
+            </a:r>
+            <a:r>
+              <a:rPr kumimoji="1" lang="en-US" altLang="zh-TW" dirty="0" err="1" smtClean="0"/>
+              <a:t>TraceLog</a:t>
+            </a:r>
+            <a:r>
+              <a:rPr kumimoji="1" lang="en-US" altLang="zh-TW" dirty="0" smtClean="0"/>
+              <a:t> in WAS</a:t>
             </a:r>
             <a:endParaRPr lang="zh-TW" altLang="en-US" dirty="0"/>
           </a:p>
@@ -6287,7 +6937,7 @@
       </p:sp>
       <p:sp>
         <p:nvSpPr>
-          <p:cNvPr id="3" name="內容版面配置區 2"/>
+          <p:cNvPr id="7" name="內容版面配置區 6"/>
           <p:cNvSpPr>
             <a:spLocks noGrp="1"/>
           </p:cNvSpPr>
@@ -6295,75 +6945,225 @@
             <p:ph idx="1"/>
           </p:nvPr>
         </p:nvSpPr>
-        <p:spPr/>
+        <p:spPr>
+          <a:xfrm>
+            <a:off x="445840" y="1052736"/>
+            <a:ext cx="8229600" cy="5251499"/>
+          </a:xfrm>
+        </p:spPr>
         <p:txBody>
           <a:bodyPr>
-            <a:normAutofit/>
+            <a:normAutofit fontScale="85000" lnSpcReduction="10000"/>
           </a:bodyPr>
           <a:lstStyle/>
           <a:p>
             <a:r>
-              <a:rPr lang="es-ES_tradnl" altLang="zh-TW" dirty="0" smtClean="0"/>
-              <a:t>LOCAL_TEST(</a:t>
-            </a:r>
-            <a:r>
-              <a:rPr lang="zh-TW" altLang="en-US" dirty="0" smtClean="0"/>
-              <a:t>是否要用內建</a:t>
+              <a:rPr lang="en-US" altLang="zh-TW" sz="2000" dirty="0" smtClean="0"/>
+              <a:t>Path:</a:t>
+            </a:r>
+            <a:br>
+              <a:rPr lang="en-US" altLang="zh-TW" sz="2000" dirty="0" smtClean="0"/>
+            </a:br>
+            <a:r>
+              <a:rPr lang="en-US" altLang="zh-TW" sz="2000" dirty="0" smtClean="0"/>
+              <a:t>On </a:t>
+            </a:r>
+            <a:r>
+              <a:rPr lang="en-US" altLang="zh-TW" sz="2000" dirty="0"/>
+              <a:t>the left expand "Troubleshooting" --&gt; Logs and Traces --&gt;server1 --&gt; Diagnostic </a:t>
+            </a:r>
+            <a:r>
+              <a:rPr lang="en-US" altLang="zh-TW" sz="2000" dirty="0" smtClean="0"/>
+              <a:t>Trace</a:t>
+            </a:r>
+          </a:p>
+          <a:p>
+            <a:endParaRPr lang="en-US" altLang="zh-TW" sz="2000" dirty="0"/>
+          </a:p>
+          <a:p>
+            <a:endParaRPr lang="en-US" altLang="zh-TW" sz="2000" dirty="0" smtClean="0"/>
+          </a:p>
+          <a:p>
+            <a:endParaRPr lang="en-US" altLang="zh-TW" dirty="0"/>
+          </a:p>
+          <a:p>
+            <a:endParaRPr lang="en-US" altLang="zh-TW" dirty="0" smtClean="0"/>
+          </a:p>
+          <a:p>
+            <a:endParaRPr lang="en-US" altLang="zh-TW" dirty="0"/>
+          </a:p>
+          <a:p>
+            <a:endParaRPr lang="en-US" altLang="zh-TW" dirty="0" smtClean="0"/>
+          </a:p>
+          <a:p>
+            <a:endParaRPr lang="en-US" altLang="zh-TW" dirty="0" smtClean="0"/>
+          </a:p>
+          <a:p>
+            <a:endParaRPr lang="en-US" altLang="zh-TW" dirty="0"/>
+          </a:p>
+          <a:p>
+            <a:endParaRPr lang="en-US" altLang="zh-TW" dirty="0" smtClean="0"/>
+          </a:p>
+          <a:p>
+            <a:endParaRPr lang="en-US" altLang="zh-TW" dirty="0"/>
+          </a:p>
+          <a:p>
+            <a:r>
+              <a:rPr lang="en-US" altLang="zh-TW" dirty="0" smtClean="0"/>
+              <a:t>Make sure file place folder is same with </a:t>
             </a:r>
             <a:r>
               <a:rPr lang="en-US" altLang="zh-TW" dirty="0" err="1" smtClean="0"/>
-              <a:t>gmail</a:t>
-            </a:r>
-            <a:r>
-              <a:rPr lang="zh-TW" altLang="en-US" dirty="0" smtClean="0"/>
-              <a:t>帳號寄送</a:t>
-            </a:r>
-            <a:r>
-              <a:rPr lang="en-US" altLang="zh-TW" dirty="0" smtClean="0"/>
-              <a:t>email</a:t>
-            </a:r>
-            <a:r>
-              <a:rPr lang="es-ES_tradnl" altLang="zh-TW" dirty="0" smtClean="0"/>
+              <a:t>config.properties</a:t>
+            </a:r>
+            <a:endParaRPr lang="en-US" altLang="zh-TW" dirty="0"/>
+          </a:p>
+          <a:p>
+            <a:r>
+              <a:rPr lang="zh-TW" altLang="en-US" sz="1200" dirty="0" smtClean="0"/>
+              <a:t>參考</a:t>
+            </a:r>
+            <a:r>
+              <a:rPr lang="zh-TW" altLang="en-US" sz="1200" dirty="0" smtClean="0"/>
+              <a:t>資料</a:t>
+            </a:r>
+            <a:r>
+              <a:rPr lang="en-US" altLang="zh-TW" sz="1200" dirty="0"/>
+              <a:t/>
+            </a:r>
+            <a:br>
+              <a:rPr lang="en-US" altLang="zh-TW" sz="1200" dirty="0"/>
+            </a:br>
+            <a:r>
+              <a:rPr lang="en-US" altLang="zh-TW" sz="1200" dirty="0">
+                <a:hlinkClick r:id="rId2"/>
+              </a:rPr>
+              <a:t>http://</a:t>
+            </a:r>
+            <a:r>
+              <a:rPr lang="en-US" altLang="zh-TW" sz="1200" dirty="0" smtClean="0">
+                <a:hlinkClick r:id="rId2"/>
+              </a:rPr>
+              <a:t>www-01.ibm.com/support/docview.wss?uid=swg21902513</a:t>
+            </a:r>
+            <a:endParaRPr lang="en-US" altLang="zh-TW" sz="1200" dirty="0" smtClean="0"/>
+          </a:p>
+          <a:p>
+            <a:endParaRPr lang="en-US" altLang="zh-TW" dirty="0" smtClean="0"/>
+          </a:p>
+          <a:p>
+            <a:endParaRPr lang="en-US" altLang="zh-TW" dirty="0" smtClean="0"/>
+          </a:p>
+          <a:p>
+            <a:endParaRPr lang="en-US" altLang="zh-TW" dirty="0"/>
+          </a:p>
+        </p:txBody>
+      </p:sp>
+      <p:sp>
+        <p:nvSpPr>
+          <p:cNvPr id="4" name="頁尾版面配置區 3"/>
+          <p:cNvSpPr>
+            <a:spLocks noGrp="1"/>
+          </p:cNvSpPr>
+          <p:nvPr>
+            <p:ph type="ftr" sz="quarter" idx="3"/>
+          </p:nvPr>
+        </p:nvSpPr>
+        <p:spPr/>
+        <p:txBody>
+          <a:bodyPr/>
+          <a:lstStyle/>
+          <a:p>
+            <a:pPr>
+              <a:defRPr/>
+            </a:pPr>
+            <a:r>
+              <a:rPr lang="zh-TW" altLang="en-US" smtClean="0"/>
+              <a:t>智慧財產權屬資拓宏宇國際</a:t>
+            </a:r>
+            <a:r>
+              <a:rPr lang="en-US" altLang="zh-TW" smtClean="0"/>
+              <a:t>(</a:t>
+            </a:r>
+            <a:r>
+              <a:rPr lang="zh-TW" altLang="en-US" smtClean="0"/>
+              <a:t>股</a:t>
+            </a:r>
+            <a:r>
+              <a:rPr lang="en-US" altLang="zh-TW" smtClean="0"/>
               <a:t>)</a:t>
             </a:r>
-          </a:p>
-          <a:p>
-            <a:r>
-              <a:rPr lang="es-ES_tradnl" altLang="zh-TW" dirty="0" smtClean="0"/>
-              <a:t>EDM_FROM_ADDR</a:t>
-            </a:r>
-          </a:p>
-          <a:p>
-            <a:r>
-              <a:rPr lang="es-ES_tradnl" altLang="zh-TW" dirty="0" smtClean="0"/>
-              <a:t>EDM_FROM_PERSON</a:t>
-            </a:r>
-          </a:p>
-          <a:p>
-            <a:r>
-              <a:rPr lang="es-ES_tradnl" altLang="zh-TW" dirty="0" smtClean="0"/>
-              <a:t>EDM_HOST</a:t>
-            </a:r>
-          </a:p>
-          <a:p>
-            <a:r>
-              <a:rPr lang="es-ES_tradnl" altLang="zh-TW" dirty="0" smtClean="0"/>
-              <a:t>EDM_USR</a:t>
-            </a:r>
-          </a:p>
-          <a:p>
-            <a:r>
-              <a:rPr lang="es-ES_tradnl" altLang="zh-TW" dirty="0" smtClean="0"/>
-              <a:t>EDM_PWD</a:t>
-            </a:r>
-            <a:endParaRPr kumimoji="1" lang="en-US" altLang="zh-TW" dirty="0"/>
-          </a:p>
-        </p:txBody>
-      </p:sp>
+            <a:r>
+              <a:rPr lang="zh-TW" altLang="en-US" smtClean="0"/>
+              <a:t>公司，複製或轉載必究</a:t>
+            </a:r>
+            <a:endParaRPr lang="zh-TW" altLang="en-US" dirty="0"/>
+          </a:p>
+        </p:txBody>
+      </p:sp>
+      <p:sp>
+        <p:nvSpPr>
+          <p:cNvPr id="5" name="投影片編號版面配置區 4"/>
+          <p:cNvSpPr>
+            <a:spLocks noGrp="1"/>
+          </p:cNvSpPr>
+          <p:nvPr>
+            <p:ph type="sldNum" sz="quarter" idx="4"/>
+          </p:nvPr>
+        </p:nvSpPr>
+        <p:spPr/>
+        <p:txBody>
+          <a:bodyPr/>
+          <a:lstStyle/>
+          <a:p>
+            <a:pPr>
+              <a:defRPr/>
+            </a:pPr>
+            <a:fld id="{98CEF6DB-C55F-4787-A169-36FC1ED66CA3}" type="slidenum">
+              <a:rPr lang="zh-TW" altLang="en-US" smtClean="0"/>
+              <a:pPr>
+                <a:defRPr/>
+              </a:pPr>
+              <a:t>9</a:t>
+            </a:fld>
+            <a:endParaRPr lang="zh-TW" altLang="en-US" dirty="0"/>
+          </a:p>
+        </p:txBody>
+      </p:sp>
+      <p:pic>
+        <p:nvPicPr>
+          <p:cNvPr id="2" name="圖片 1"/>
+          <p:cNvPicPr>
+            <a:picLocks noChangeAspect="1"/>
+          </p:cNvPicPr>
+          <p:nvPr/>
+        </p:nvPicPr>
+        <p:blipFill>
+          <a:blip r:embed="rId3">
+            <a:extLst>
+              <a:ext uri="{28A0092B-C50C-407E-A947-70E740481C1C}">
+                <a14:useLocalDpi xmlns:a14="http://schemas.microsoft.com/office/drawing/2010/main" val="0"/>
+              </a:ext>
+            </a:extLst>
+          </a:blip>
+          <a:stretch>
+            <a:fillRect/>
+          </a:stretch>
+        </p:blipFill>
+        <p:spPr>
+          <a:xfrm>
+            <a:off x="755576" y="1844824"/>
+            <a:ext cx="5631702" cy="3289159"/>
+          </a:xfrm>
+          <a:prstGeom prst="rect">
+            <a:avLst/>
+          </a:prstGeom>
+        </p:spPr>
+      </p:pic>
     </p:spTree>
     <p:extLst>
       <p:ext uri="{BB962C8B-B14F-4D97-AF65-F5344CB8AC3E}">
-        <p14:creationId xmlns:p14="http://schemas.microsoft.com/office/powerpoint/2010/main" val="1519779737"/>
+        <p14:creationId xmlns:p14="http://schemas.microsoft.com/office/powerpoint/2010/main" val="27000461"/>
       </p:ext>
     </p:extLst>
   </p:cSld>

--- a/other/doc/TraceLogMonitorWithWAS.pptx
+++ b/other/doc/TraceLogMonitorWithWAS.pptx
@@ -6,7 +6,7 @@
     <p:sldMasterId id="2147483664" r:id="rId2"/>
   </p:sldMasterIdLst>
   <p:notesMasterIdLst>
-    <p:notesMasterId r:id="rId16"/>
+    <p:notesMasterId r:id="rId25"/>
   </p:notesMasterIdLst>
   <p:sldIdLst>
     <p:sldId id="256" r:id="rId3"/>
@@ -14,14 +14,23 @@
     <p:sldId id="302" r:id="rId5"/>
     <p:sldId id="303" r:id="rId6"/>
     <p:sldId id="306" r:id="rId7"/>
-    <p:sldId id="282" r:id="rId8"/>
-    <p:sldId id="313" r:id="rId9"/>
-    <p:sldId id="314" r:id="rId10"/>
-    <p:sldId id="312" r:id="rId11"/>
-    <p:sldId id="310" r:id="rId12"/>
-    <p:sldId id="311" r:id="rId13"/>
-    <p:sldId id="307" r:id="rId14"/>
-    <p:sldId id="309" r:id="rId15"/>
+    <p:sldId id="315" r:id="rId8"/>
+    <p:sldId id="317" r:id="rId9"/>
+    <p:sldId id="316" r:id="rId10"/>
+    <p:sldId id="320" r:id="rId11"/>
+    <p:sldId id="282" r:id="rId12"/>
+    <p:sldId id="313" r:id="rId13"/>
+    <p:sldId id="314" r:id="rId14"/>
+    <p:sldId id="312" r:id="rId15"/>
+    <p:sldId id="310" r:id="rId16"/>
+    <p:sldId id="311" r:id="rId17"/>
+    <p:sldId id="307" r:id="rId18"/>
+    <p:sldId id="309" r:id="rId19"/>
+    <p:sldId id="321" r:id="rId20"/>
+    <p:sldId id="322" r:id="rId21"/>
+    <p:sldId id="323" r:id="rId22"/>
+    <p:sldId id="324" r:id="rId23"/>
+    <p:sldId id="325" r:id="rId24"/>
   </p:sldIdLst>
   <p:sldSz cx="9144000" cy="6858000" type="screen4x3"/>
   <p:notesSz cx="6858000" cy="9144000"/>
@@ -229,7 +238,7 @@
           <a:p>
             <a:fld id="{E4664BB7-D0FA-BA4C-A193-11994DEA009D}" type="datetimeFigureOut">
               <a:rPr kumimoji="1" lang="zh-TW" altLang="en-US" smtClean="0"/>
-              <a:t>2018/6/25</a:t>
+              <a:t>2018/7/2</a:t>
             </a:fld>
             <a:endParaRPr kumimoji="1" lang="zh-TW" altLang="en-US"/>
           </a:p>
@@ -562,7 +571,7 @@
           <a:p>
             <a:fld id="{ABDC4079-0EF4-B448-BEE2-3DF7E1273377}" type="slidenum">
               <a:rPr kumimoji="1" lang="zh-TW" altLang="en-US" smtClean="0"/>
-              <a:t>10</a:t>
+              <a:t>14</a:t>
             </a:fld>
             <a:endParaRPr kumimoji="1" lang="zh-TW" altLang="en-US"/>
           </a:p>
@@ -646,7 +655,7 @@
           <a:p>
             <a:fld id="{ABDC4079-0EF4-B448-BEE2-3DF7E1273377}" type="slidenum">
               <a:rPr kumimoji="1" lang="zh-TW" altLang="en-US" smtClean="0"/>
-              <a:t>11</a:t>
+              <a:t>15</a:t>
             </a:fld>
             <a:endParaRPr kumimoji="1" lang="zh-TW" altLang="en-US"/>
           </a:p>
@@ -730,7 +739,7 @@
           <a:p>
             <a:fld id="{ABDC4079-0EF4-B448-BEE2-3DF7E1273377}" type="slidenum">
               <a:rPr kumimoji="1" lang="zh-TW" altLang="en-US" smtClean="0"/>
-              <a:t>12</a:t>
+              <a:t>16</a:t>
             </a:fld>
             <a:endParaRPr kumimoji="1" lang="zh-TW" altLang="en-US"/>
           </a:p>
@@ -814,7 +823,7 @@
           <a:p>
             <a:fld id="{ABDC4079-0EF4-B448-BEE2-3DF7E1273377}" type="slidenum">
               <a:rPr kumimoji="1" lang="zh-TW" altLang="en-US" smtClean="0"/>
-              <a:t>13</a:t>
+              <a:t>17</a:t>
             </a:fld>
             <a:endParaRPr kumimoji="1" lang="zh-TW" altLang="en-US"/>
           </a:p>
@@ -1184,7 +1193,7 @@
           <a:p>
             <a:fld id="{79D8B742-D1FD-4176-A332-764EC9EA98CF}" type="datetimeFigureOut">
               <a:rPr lang="zh-TW" altLang="en-US" smtClean="0"/>
-              <a:t>2018/6/25</a:t>
+              <a:t>2018/7/2</a:t>
             </a:fld>
             <a:endParaRPr lang="zh-TW" altLang="en-US"/>
           </a:p>
@@ -3733,7 +3742,7 @@
       </p:grpSpPr>
       <p:sp>
         <p:nvSpPr>
-          <p:cNvPr id="2" name="標題 1"/>
+          <p:cNvPr id="6" name="標題 5"/>
           <p:cNvSpPr>
             <a:spLocks noGrp="1"/>
           </p:cNvSpPr>
@@ -3743,18 +3752,20 @@
         </p:nvSpPr>
         <p:spPr/>
         <p:txBody>
-          <a:bodyPr>
-            <a:normAutofit/>
-          </a:bodyPr>
+          <a:bodyPr/>
           <a:lstStyle/>
           <a:p>
             <a:r>
               <a:rPr kumimoji="1" lang="zh-TW" altLang="en-US" dirty="0"/>
-              <a:t>參數檔</a:t>
-            </a:r>
-            <a:r>
-              <a:rPr kumimoji="1" lang="zh-TW" altLang="en-US" dirty="0" smtClean="0"/>
-              <a:t>變數</a:t>
+              <a:t>轉</a:t>
+            </a:r>
+            <a:r>
+              <a:rPr kumimoji="1" lang="en-US" altLang="zh-TW" dirty="0"/>
+              <a:t>windows </a:t>
+            </a:r>
+            <a:r>
+              <a:rPr kumimoji="1" lang="en-US" altLang="zh-TW" dirty="0" smtClean="0"/>
+              <a:t>service</a:t>
             </a:r>
             <a:endParaRPr lang="zh-TW" altLang="en-US" dirty="0"/>
           </a:p>
@@ -3762,7 +3773,7 @@
       </p:sp>
       <p:sp>
         <p:nvSpPr>
-          <p:cNvPr id="3" name="內容版面配置區 2"/>
+          <p:cNvPr id="7" name="內容版面配置區 6"/>
           <p:cNvSpPr>
             <a:spLocks noGrp="1"/>
           </p:cNvSpPr>
@@ -3770,379 +3781,158 @@
             <p:ph idx="1"/>
           </p:nvPr>
         </p:nvSpPr>
+        <p:spPr>
+          <a:xfrm>
+            <a:off x="395536" y="1268760"/>
+            <a:ext cx="8229600" cy="4857403"/>
+          </a:xfrm>
+        </p:spPr>
+        <p:txBody>
+          <a:bodyPr/>
+          <a:lstStyle/>
+          <a:p>
+            <a:r>
+              <a:rPr lang="zh-TW" altLang="en-US" dirty="0" smtClean="0"/>
+              <a:t>使用</a:t>
+            </a:r>
+            <a:r>
+              <a:rPr lang="en-US" altLang="zh-TW" dirty="0" smtClean="0"/>
+              <a:t>Yet </a:t>
+            </a:r>
+            <a:r>
+              <a:rPr lang="en-US" altLang="zh-TW" dirty="0"/>
+              <a:t>Another Java Service </a:t>
+            </a:r>
+            <a:r>
+              <a:rPr lang="en-US" altLang="zh-TW" dirty="0" smtClean="0"/>
+              <a:t>Wrapper</a:t>
+            </a:r>
+            <a:r>
+              <a:rPr lang="zh-TW" altLang="en-US" dirty="0" smtClean="0"/>
+              <a:t>將執行</a:t>
+            </a:r>
+            <a:r>
+              <a:rPr lang="en-US" altLang="zh-TW" dirty="0" smtClean="0"/>
+              <a:t>jar</a:t>
+            </a:r>
+            <a:r>
+              <a:rPr lang="zh-TW" altLang="en-US" dirty="0" smtClean="0"/>
+              <a:t>打包安裝成</a:t>
+            </a:r>
+            <a:r>
+              <a:rPr lang="en-US" altLang="zh-TW" dirty="0" smtClean="0"/>
+              <a:t>window service</a:t>
+            </a:r>
+          </a:p>
+          <a:p>
+            <a:endParaRPr lang="en-US" altLang="zh-TW" dirty="0"/>
+          </a:p>
+        </p:txBody>
+      </p:sp>
+      <p:sp>
+        <p:nvSpPr>
+          <p:cNvPr id="4" name="頁尾版面配置區 3"/>
+          <p:cNvSpPr>
+            <a:spLocks noGrp="1"/>
+          </p:cNvSpPr>
+          <p:nvPr>
+            <p:ph type="ftr" sz="quarter" idx="3"/>
+          </p:nvPr>
+        </p:nvSpPr>
         <p:spPr/>
         <p:txBody>
-          <a:bodyPr>
-            <a:normAutofit/>
-          </a:bodyPr>
-          <a:lstStyle/>
-          <a:p>
-            <a:r>
-              <a:rPr lang="en-US" altLang="zh-TW" dirty="0" err="1" smtClean="0"/>
-              <a:t>intervalTime</a:t>
-            </a:r>
-            <a:r>
-              <a:rPr lang="en-US" altLang="zh-TW" dirty="0" smtClean="0"/>
-              <a:t> </a:t>
-            </a:r>
-            <a:r>
-              <a:rPr lang="en-US" altLang="zh-TW" dirty="0" smtClean="0">
-                <a:solidFill>
-                  <a:srgbClr val="FF0000"/>
-                </a:solidFill>
-              </a:rPr>
+          <a:bodyPr/>
+          <a:lstStyle/>
+          <a:p>
+            <a:pPr>
+              <a:defRPr/>
+            </a:pPr>
+            <a:r>
+              <a:rPr lang="zh-TW" altLang="en-US" smtClean="0"/>
+              <a:t>智慧財產權屬資拓宏宇國際</a:t>
+            </a:r>
+            <a:r>
+              <a:rPr lang="en-US" altLang="zh-TW" smtClean="0"/>
               <a:t>(</a:t>
             </a:r>
             <a:r>
-              <a:rPr kumimoji="1" lang="zh-TW" altLang="en-US" dirty="0">
-                <a:solidFill>
-                  <a:srgbClr val="FF0000"/>
-                </a:solidFill>
-              </a:rPr>
-              <a:t>啟動間隔</a:t>
-            </a:r>
-            <a:r>
-              <a:rPr lang="en-US" altLang="zh-TW" dirty="0" smtClean="0">
-                <a:solidFill>
-                  <a:srgbClr val="FF0000"/>
-                </a:solidFill>
-              </a:rPr>
+              <a:rPr lang="zh-TW" altLang="en-US" smtClean="0"/>
+              <a:t>股</a:t>
+            </a:r>
+            <a:r>
+              <a:rPr lang="en-US" altLang="zh-TW" smtClean="0"/>
               <a:t>)</a:t>
             </a:r>
-            <a:endParaRPr lang="en-US" altLang="zh-TW" dirty="0">
-              <a:solidFill>
-                <a:srgbClr val="FF0000"/>
-              </a:solidFill>
-            </a:endParaRPr>
-          </a:p>
-          <a:p>
-            <a:r>
-              <a:rPr lang="en-US" altLang="zh-TW" dirty="0" err="1" smtClean="0"/>
-              <a:t>logFolderPath</a:t>
-            </a:r>
-            <a:r>
-              <a:rPr lang="en-US" altLang="zh-TW" dirty="0" smtClean="0"/>
-              <a:t> </a:t>
-            </a:r>
-            <a:r>
-              <a:rPr lang="en-US" altLang="zh-TW" dirty="0" smtClean="0">
-                <a:solidFill>
-                  <a:srgbClr val="FF0000"/>
-                </a:solidFill>
-              </a:rPr>
-              <a:t>(</a:t>
-            </a:r>
-            <a:r>
-              <a:rPr lang="en-US" altLang="zh-TW" dirty="0" err="1" smtClean="0">
-                <a:solidFill>
-                  <a:srgbClr val="FF0000"/>
-                </a:solidFill>
-              </a:rPr>
-              <a:t>TraceLog</a:t>
-            </a:r>
-            <a:r>
-              <a:rPr lang="en-US" altLang="zh-TW" dirty="0" smtClean="0">
-                <a:solidFill>
-                  <a:srgbClr val="FF0000"/>
-                </a:solidFill>
-              </a:rPr>
-              <a:t> place folder)</a:t>
-            </a:r>
-          </a:p>
-          <a:p>
-            <a:r>
-              <a:rPr lang="en-US" altLang="zh-TW" dirty="0" err="1" smtClean="0"/>
-              <a:t>tempFolderPath</a:t>
-            </a:r>
-            <a:r>
-              <a:rPr lang="en-US" altLang="zh-TW" dirty="0"/>
-              <a:t>=./</a:t>
-            </a:r>
-            <a:r>
-              <a:rPr lang="en-US" altLang="zh-TW" dirty="0" smtClean="0"/>
-              <a:t>Temp/</a:t>
-            </a:r>
-            <a:r>
-              <a:rPr lang="zh-TW" altLang="en-US" dirty="0" smtClean="0"/>
-              <a:t> </a:t>
-            </a:r>
-            <a:r>
-              <a:rPr lang="en-US" altLang="zh-TW" dirty="0" smtClean="0">
-                <a:solidFill>
-                  <a:srgbClr val="FF0000"/>
-                </a:solidFill>
-              </a:rPr>
-              <a:t>(use default)</a:t>
-            </a:r>
-          </a:p>
-          <a:p>
-            <a:r>
-              <a:rPr lang="en-US" altLang="zh-TW" dirty="0" err="1" smtClean="0"/>
-              <a:t>issueLogFolderPath</a:t>
-            </a:r>
-            <a:r>
-              <a:rPr lang="en-US" altLang="zh-TW" dirty="0"/>
-              <a:t>=./</a:t>
-            </a:r>
-            <a:r>
-              <a:rPr lang="en-US" altLang="zh-TW" dirty="0" err="1"/>
-              <a:t>IssueLog</a:t>
-            </a:r>
-            <a:r>
-              <a:rPr lang="en-US" altLang="zh-TW" dirty="0" smtClean="0"/>
-              <a:t>/</a:t>
-            </a:r>
-            <a:r>
-              <a:rPr lang="en-US" altLang="zh-TW" dirty="0" smtClean="0">
-                <a:solidFill>
-                  <a:srgbClr val="FF0000"/>
-                </a:solidFill>
-              </a:rPr>
-              <a:t> </a:t>
-            </a:r>
-            <a:r>
-              <a:rPr lang="en-US" altLang="zh-TW" dirty="0">
-                <a:solidFill>
-                  <a:srgbClr val="FF0000"/>
-                </a:solidFill>
-              </a:rPr>
-              <a:t>(use </a:t>
-            </a:r>
-            <a:r>
-              <a:rPr lang="en-US" altLang="zh-TW" dirty="0" smtClean="0">
-                <a:solidFill>
-                  <a:srgbClr val="FF0000"/>
-                </a:solidFill>
-              </a:rPr>
-              <a:t>default)</a:t>
-            </a:r>
-            <a:endParaRPr lang="en-US" altLang="zh-TW" dirty="0">
-              <a:solidFill>
-                <a:srgbClr val="FF0000"/>
-              </a:solidFill>
-            </a:endParaRPr>
-          </a:p>
-          <a:p>
-            <a:r>
-              <a:rPr lang="en-US" altLang="zh-TW" dirty="0" err="1" smtClean="0"/>
-              <a:t>allowPendingLimit</a:t>
-            </a:r>
-            <a:r>
-              <a:rPr lang="en-US" altLang="zh-TW" dirty="0" smtClean="0"/>
-              <a:t> </a:t>
-            </a:r>
-            <a:r>
-              <a:rPr lang="en-US" altLang="zh-TW" dirty="0" smtClean="0">
-                <a:solidFill>
-                  <a:srgbClr val="FF0000"/>
-                </a:solidFill>
-              </a:rPr>
-              <a:t>(</a:t>
-            </a:r>
-            <a:r>
-              <a:rPr lang="zh-TW" altLang="en-US" dirty="0" smtClean="0">
-                <a:solidFill>
-                  <a:srgbClr val="FF0000"/>
-                </a:solidFill>
-              </a:rPr>
-              <a:t>允許</a:t>
-            </a:r>
-            <a:r>
-              <a:rPr lang="en-US" altLang="zh-TW" dirty="0" smtClean="0">
-                <a:solidFill>
-                  <a:srgbClr val="FF0000"/>
-                </a:solidFill>
-              </a:rPr>
-              <a:t>pending</a:t>
-            </a:r>
-            <a:r>
-              <a:rPr lang="zh-TW" altLang="en-US" dirty="0" smtClean="0">
-                <a:solidFill>
-                  <a:srgbClr val="FF0000"/>
-                </a:solidFill>
-              </a:rPr>
-              <a:t>數量</a:t>
-            </a:r>
-            <a:r>
-              <a:rPr lang="en-US" altLang="zh-TW" dirty="0" smtClean="0">
-                <a:solidFill>
-                  <a:srgbClr val="FF0000"/>
-                </a:solidFill>
-              </a:rPr>
-              <a:t>)</a:t>
-            </a:r>
-          </a:p>
-          <a:p>
-            <a:r>
-              <a:rPr lang="en-US" altLang="zh-TW" dirty="0" err="1" smtClean="0"/>
-              <a:t>allowPendingTimeLimit</a:t>
-            </a:r>
-            <a:r>
-              <a:rPr lang="zh-TW" altLang="en-US" dirty="0" smtClean="0">
-                <a:solidFill>
-                  <a:srgbClr val="FF0000"/>
-                </a:solidFill>
-              </a:rPr>
-              <a:t> </a:t>
-            </a:r>
-            <a:r>
-              <a:rPr lang="en-US" altLang="zh-TW" dirty="0" smtClean="0">
-                <a:solidFill>
-                  <a:srgbClr val="FF0000"/>
-                </a:solidFill>
-              </a:rPr>
-              <a:t>(</a:t>
-            </a:r>
-            <a:r>
-              <a:rPr lang="zh-TW" altLang="en-US" dirty="0" smtClean="0">
-                <a:solidFill>
-                  <a:srgbClr val="FF0000"/>
-                </a:solidFill>
-              </a:rPr>
-              <a:t>允許單</a:t>
-            </a:r>
-            <a:r>
-              <a:rPr lang="en-US" altLang="zh-TW" dirty="0" smtClean="0">
-                <a:solidFill>
-                  <a:srgbClr val="FF0000"/>
-                </a:solidFill>
-              </a:rPr>
-              <a:t>thread</a:t>
-            </a:r>
-            <a:r>
-              <a:rPr lang="zh-TW" altLang="en-US" dirty="0" smtClean="0">
-                <a:solidFill>
-                  <a:srgbClr val="FF0000"/>
-                </a:solidFill>
-              </a:rPr>
-              <a:t>能</a:t>
-            </a:r>
-            <a:r>
-              <a:rPr lang="en-US" altLang="zh-TW" dirty="0" smtClean="0">
-                <a:solidFill>
-                  <a:srgbClr val="FF0000"/>
-                </a:solidFill>
-              </a:rPr>
-              <a:t>pending</a:t>
-            </a:r>
-            <a:r>
-              <a:rPr lang="zh-TW" altLang="en-US" dirty="0" smtClean="0">
-                <a:solidFill>
-                  <a:srgbClr val="FF0000"/>
-                </a:solidFill>
-              </a:rPr>
-              <a:t>的秒數</a:t>
-            </a:r>
-            <a:r>
-              <a:rPr lang="en-US" altLang="zh-TW" dirty="0" smtClean="0">
-                <a:solidFill>
-                  <a:srgbClr val="FF0000"/>
-                </a:solidFill>
-              </a:rPr>
-              <a:t>)</a:t>
-            </a:r>
-            <a:endParaRPr lang="en-US" altLang="zh-TW" dirty="0">
-              <a:solidFill>
-                <a:srgbClr val="FF0000"/>
-              </a:solidFill>
-            </a:endParaRPr>
-          </a:p>
-          <a:p>
-            <a:r>
-              <a:rPr lang="en-US" altLang="zh-TW" dirty="0" err="1" smtClean="0"/>
-              <a:t>emailSendTargets</a:t>
-            </a:r>
-            <a:r>
-              <a:rPr lang="zh-TW" altLang="en-US" dirty="0" smtClean="0"/>
-              <a:t> </a:t>
-            </a:r>
-            <a:r>
-              <a:rPr lang="en-US" altLang="zh-TW" dirty="0" smtClean="0">
-                <a:solidFill>
-                  <a:srgbClr val="FF0000"/>
-                </a:solidFill>
-              </a:rPr>
-              <a:t>(email</a:t>
-            </a:r>
-            <a:r>
-              <a:rPr lang="zh-TW" altLang="en-US" dirty="0" smtClean="0">
-                <a:solidFill>
-                  <a:srgbClr val="FF0000"/>
-                </a:solidFill>
-              </a:rPr>
-              <a:t>寄送目標</a:t>
-            </a:r>
-            <a:r>
-              <a:rPr lang="en-US" altLang="zh-TW" dirty="0" smtClean="0">
-                <a:solidFill>
-                  <a:srgbClr val="FF0000"/>
-                </a:solidFill>
-              </a:rPr>
-              <a:t>)</a:t>
-            </a:r>
-          </a:p>
-          <a:p>
-            <a:r>
-              <a:rPr lang="en-US" altLang="zh-TW" dirty="0" err="1" smtClean="0"/>
-              <a:t>smsSendTargets</a:t>
-            </a:r>
-            <a:r>
-              <a:rPr lang="zh-TW" altLang="en-US" dirty="0" smtClean="0"/>
-              <a:t> </a:t>
-            </a:r>
-            <a:r>
-              <a:rPr lang="en-US" altLang="zh-TW" dirty="0" smtClean="0">
-                <a:solidFill>
-                  <a:srgbClr val="FF0000"/>
-                </a:solidFill>
-              </a:rPr>
-              <a:t>(</a:t>
-            </a:r>
-            <a:r>
-              <a:rPr lang="en-US" altLang="zh-TW" dirty="0" err="1" smtClean="0">
-                <a:solidFill>
-                  <a:srgbClr val="FF0000"/>
-                </a:solidFill>
-              </a:rPr>
-              <a:t>sms</a:t>
-            </a:r>
-            <a:r>
-              <a:rPr lang="zh-TW" altLang="en-US" dirty="0" smtClean="0">
-                <a:solidFill>
-                  <a:srgbClr val="FF0000"/>
-                </a:solidFill>
-              </a:rPr>
-              <a:t>寄</a:t>
-            </a:r>
-            <a:r>
-              <a:rPr lang="zh-TW" altLang="en-US" dirty="0">
-                <a:solidFill>
-                  <a:srgbClr val="FF0000"/>
-                </a:solidFill>
-              </a:rPr>
-              <a:t>送目標</a:t>
-            </a:r>
-            <a:r>
-              <a:rPr lang="en-US" altLang="zh-TW" dirty="0">
-                <a:solidFill>
-                  <a:srgbClr val="FF0000"/>
-                </a:solidFill>
-              </a:rPr>
-              <a:t>)</a:t>
-            </a:r>
-          </a:p>
-          <a:p>
-            <a:endParaRPr kumimoji="1" lang="en-US" altLang="zh-TW" dirty="0"/>
-          </a:p>
-          <a:p>
-            <a:endParaRPr kumimoji="1" lang="en-US" altLang="zh-TW" dirty="0"/>
-          </a:p>
-        </p:txBody>
-      </p:sp>
+            <a:r>
+              <a:rPr lang="zh-TW" altLang="en-US" smtClean="0"/>
+              <a:t>公司，複製或轉載必究</a:t>
+            </a:r>
+            <a:endParaRPr lang="zh-TW" altLang="en-US" dirty="0"/>
+          </a:p>
+        </p:txBody>
+      </p:sp>
+      <p:sp>
+        <p:nvSpPr>
+          <p:cNvPr id="5" name="投影片編號版面配置區 4"/>
+          <p:cNvSpPr>
+            <a:spLocks noGrp="1"/>
+          </p:cNvSpPr>
+          <p:nvPr>
+            <p:ph type="sldNum" sz="quarter" idx="4"/>
+          </p:nvPr>
+        </p:nvSpPr>
+        <p:spPr/>
+        <p:txBody>
+          <a:bodyPr/>
+          <a:lstStyle/>
+          <a:p>
+            <a:pPr>
+              <a:defRPr/>
+            </a:pPr>
+            <a:fld id="{98CEF6DB-C55F-4787-A169-36FC1ED66CA3}" type="slidenum">
+              <a:rPr lang="zh-TW" altLang="en-US" smtClean="0"/>
+              <a:pPr>
+                <a:defRPr/>
+              </a:pPr>
+              <a:t>10</a:t>
+            </a:fld>
+            <a:endParaRPr lang="zh-TW" altLang="en-US" dirty="0"/>
+          </a:p>
+        </p:txBody>
+      </p:sp>
+      <p:pic>
+        <p:nvPicPr>
+          <p:cNvPr id="2" name="圖片 1"/>
+          <p:cNvPicPr>
+            <a:picLocks noChangeAspect="1"/>
+          </p:cNvPicPr>
+          <p:nvPr/>
+        </p:nvPicPr>
+        <p:blipFill rotWithShape="1">
+          <a:blip r:embed="rId2">
+            <a:extLst>
+              <a:ext uri="{28A0092B-C50C-407E-A947-70E740481C1C}">
+                <a14:useLocalDpi xmlns:a14="http://schemas.microsoft.com/office/drawing/2010/main" val="0"/>
+              </a:ext>
+            </a:extLst>
+          </a:blip>
+          <a:srcRect r="39762"/>
+          <a:stretch/>
+        </p:blipFill>
+        <p:spPr>
+          <a:xfrm>
+            <a:off x="179513" y="2715731"/>
+            <a:ext cx="8712968" cy="981730"/>
+          </a:xfrm>
+          <a:prstGeom prst="rect">
+            <a:avLst/>
+          </a:prstGeom>
+        </p:spPr>
+      </p:pic>
     </p:spTree>
     <p:extLst>
       <p:ext uri="{BB962C8B-B14F-4D97-AF65-F5344CB8AC3E}">
-        <p14:creationId xmlns:p14="http://schemas.microsoft.com/office/powerpoint/2010/main" val="137870020"/>
+        <p14:creationId xmlns:p14="http://schemas.microsoft.com/office/powerpoint/2010/main" val="1003271576"/>
       </p:ext>
     </p:extLst>
   </p:cSld>
@@ -4178,7 +3968,7 @@
       </p:grpSpPr>
       <p:sp>
         <p:nvSpPr>
-          <p:cNvPr id="2" name="標題 1"/>
+          <p:cNvPr id="6" name="標題 5"/>
           <p:cNvSpPr>
             <a:spLocks noGrp="1"/>
           </p:cNvSpPr>
@@ -4189,166 +3979,232 @@
         <p:spPr/>
         <p:txBody>
           <a:bodyPr>
-            <a:normAutofit/>
+            <a:normAutofit fontScale="90000"/>
           </a:bodyPr>
           <a:lstStyle/>
           <a:p>
             <a:r>
-              <a:rPr kumimoji="1" lang="zh-TW" altLang="en-US" dirty="0"/>
-              <a:t>參數檔</a:t>
-            </a:r>
-            <a:r>
-              <a:rPr kumimoji="1" lang="zh-TW" altLang="en-US" dirty="0" smtClean="0"/>
-              <a:t>變數</a:t>
-            </a:r>
-            <a:r>
               <a:rPr kumimoji="1" lang="en-US" altLang="zh-TW" dirty="0" smtClean="0"/>
+              <a:t>How to install windows service</a:t>
+            </a:r>
+            <a:endParaRPr lang="zh-TW" altLang="en-US" dirty="0"/>
+          </a:p>
+        </p:txBody>
+      </p:sp>
+      <p:sp>
+        <p:nvSpPr>
+          <p:cNvPr id="7" name="內容版面配置區 6"/>
+          <p:cNvSpPr>
+            <a:spLocks noGrp="1"/>
+          </p:cNvSpPr>
+          <p:nvPr>
+            <p:ph idx="1"/>
+          </p:nvPr>
+        </p:nvSpPr>
+        <p:spPr>
+          <a:xfrm>
+            <a:off x="395536" y="1268760"/>
+            <a:ext cx="8229600" cy="4857403"/>
+          </a:xfrm>
+        </p:spPr>
+        <p:txBody>
+          <a:bodyPr/>
+          <a:lstStyle/>
+          <a:p>
+            <a:r>
+              <a:rPr lang="zh-TW" altLang="en-US" dirty="0" smtClean="0"/>
+              <a:t>打包出來的</a:t>
+            </a:r>
+            <a:r>
+              <a:rPr lang="en-US" altLang="zh-TW" dirty="0" smtClean="0"/>
+              <a:t>zip</a:t>
+            </a:r>
+            <a:r>
+              <a:rPr lang="zh-TW" altLang="en-US" dirty="0" smtClean="0"/>
+              <a:t>中會含有兩個</a:t>
+            </a:r>
+            <a:r>
+              <a:rPr lang="en-US" altLang="zh-TW" dirty="0"/>
+              <a:t>folder: App and </a:t>
+            </a:r>
+            <a:r>
+              <a:rPr lang="en-US" altLang="zh-TW" dirty="0" smtClean="0"/>
+              <a:t>yajsw-stable-12.11</a:t>
+            </a:r>
+          </a:p>
+          <a:p>
+            <a:r>
+              <a:rPr lang="zh-TW" altLang="en-US" dirty="0" smtClean="0"/>
+              <a:t>修改</a:t>
+            </a:r>
+            <a:r>
+              <a:rPr lang="en-US" altLang="zh-TW" dirty="0" err="1" smtClean="0"/>
+              <a:t>wrapper.conf</a:t>
+            </a:r>
+            <a:r>
+              <a:rPr lang="zh-TW" altLang="en-US" dirty="0" smtClean="0"/>
+              <a:t>檔，將</a:t>
+            </a:r>
+            <a:r>
+              <a:rPr lang="en-US" altLang="zh-TW" dirty="0" smtClean="0"/>
+              <a:t/>
+            </a:r>
+            <a:br>
+              <a:rPr lang="en-US" altLang="zh-TW" dirty="0" smtClean="0"/>
+            </a:br>
+            <a:r>
+              <a:rPr lang="en-US" altLang="zh-TW" dirty="0" err="1" smtClean="0"/>
+              <a:t>wrapper.working.dir</a:t>
+            </a:r>
+            <a:r>
+              <a:rPr lang="zh-TW" altLang="en-US" dirty="0" smtClean="0"/>
+              <a:t>對應的值修改為上述</a:t>
+            </a:r>
+            <a:r>
+              <a:rPr lang="en-US" altLang="zh-TW" dirty="0" smtClean="0"/>
+              <a:t>App folder</a:t>
+            </a:r>
+            <a:r>
+              <a:rPr lang="zh-TW" altLang="en-US" dirty="0" smtClean="0"/>
+              <a:t>的絕對位置。</a:t>
+            </a:r>
+            <a:r>
+              <a:rPr lang="en-US" altLang="zh-TW" dirty="0" smtClean="0"/>
+              <a:t/>
+            </a:r>
+            <a:br>
+              <a:rPr lang="en-US" altLang="zh-TW" dirty="0" smtClean="0"/>
+            </a:br>
+            <a:r>
+              <a:rPr lang="en-US" altLang="zh-TW" dirty="0" smtClean="0"/>
+              <a:t>Ex: </a:t>
+            </a:r>
+            <a:r>
+              <a:rPr lang="en-US" altLang="zh-TW" dirty="0" err="1" smtClean="0"/>
+              <a:t>wrapper.working.dir</a:t>
+            </a:r>
+            <a:r>
+              <a:rPr lang="en-US" altLang="zh-TW" dirty="0" smtClean="0"/>
+              <a:t>=C</a:t>
+            </a:r>
+            <a:r>
+              <a:rPr lang="en-US" altLang="zh-TW" dirty="0"/>
+              <a:t>:\\\\IISI\\\\APP\\\\</a:t>
+            </a:r>
+          </a:p>
+          <a:p>
+            <a:endParaRPr lang="en-US" altLang="zh-TW" dirty="0" smtClean="0"/>
+          </a:p>
+          <a:p>
+            <a:endParaRPr lang="en-US" altLang="zh-TW" dirty="0"/>
+          </a:p>
+        </p:txBody>
+      </p:sp>
+      <p:sp>
+        <p:nvSpPr>
+          <p:cNvPr id="4" name="頁尾版面配置區 3"/>
+          <p:cNvSpPr>
+            <a:spLocks noGrp="1"/>
+          </p:cNvSpPr>
+          <p:nvPr>
+            <p:ph type="ftr" sz="quarter" idx="3"/>
+          </p:nvPr>
+        </p:nvSpPr>
+        <p:spPr/>
+        <p:txBody>
+          <a:bodyPr/>
+          <a:lstStyle/>
+          <a:p>
+            <a:pPr>
+              <a:defRPr/>
+            </a:pPr>
+            <a:r>
+              <a:rPr lang="zh-TW" altLang="en-US" smtClean="0"/>
+              <a:t>智慧財產權屬資拓宏宇國際</a:t>
+            </a:r>
+            <a:r>
+              <a:rPr lang="en-US" altLang="zh-TW" smtClean="0"/>
               <a:t>(</a:t>
             </a:r>
             <a:r>
-              <a:rPr kumimoji="1" lang="zh-TW" altLang="en-US" dirty="0" smtClean="0"/>
-              <a:t>自定義</a:t>
-            </a:r>
-            <a:r>
-              <a:rPr kumimoji="1" lang="en-US" altLang="zh-TW" dirty="0" smtClean="0"/>
+              <a:rPr lang="zh-TW" altLang="en-US" smtClean="0"/>
+              <a:t>股</a:t>
+            </a:r>
+            <a:r>
+              <a:rPr lang="en-US" altLang="zh-TW" smtClean="0"/>
               <a:t>)</a:t>
             </a:r>
+            <a:r>
+              <a:rPr lang="zh-TW" altLang="en-US" smtClean="0"/>
+              <a:t>公司，複製或轉載必究</a:t>
+            </a:r>
             <a:endParaRPr lang="zh-TW" altLang="en-US" dirty="0"/>
           </a:p>
         </p:txBody>
       </p:sp>
       <p:sp>
         <p:nvSpPr>
-          <p:cNvPr id="3" name="內容版面配置區 2"/>
-          <p:cNvSpPr>
-            <a:spLocks noGrp="1"/>
-          </p:cNvSpPr>
-          <p:nvPr>
-            <p:ph idx="1"/>
+          <p:cNvPr id="5" name="投影片編號版面配置區 4"/>
+          <p:cNvSpPr>
+            <a:spLocks noGrp="1"/>
+          </p:cNvSpPr>
+          <p:nvPr>
+            <p:ph type="sldNum" sz="quarter" idx="4"/>
           </p:nvPr>
         </p:nvSpPr>
         <p:spPr/>
         <p:txBody>
-          <a:bodyPr>
-            <a:normAutofit/>
-          </a:bodyPr>
-          <a:lstStyle/>
-          <a:p>
-            <a:r>
-              <a:rPr lang="zh-TW" altLang="en-US" dirty="0" smtClean="0"/>
-              <a:t>自定義要掃描的</a:t>
-            </a:r>
-            <a:r>
-              <a:rPr lang="en-US" altLang="zh-TW" dirty="0" smtClean="0"/>
-              <a:t>pattern</a:t>
-            </a:r>
-            <a:r>
-              <a:rPr lang="zh-TW" altLang="en-US" dirty="0" smtClean="0"/>
-              <a:t>，</a:t>
-            </a:r>
-            <a:r>
-              <a:rPr lang="en-US" altLang="zh-TW" dirty="0" smtClean="0"/>
-              <a:t>N</a:t>
-            </a:r>
-            <a:r>
-              <a:rPr lang="zh-TW" altLang="en-US" dirty="0" smtClean="0"/>
-              <a:t>為排序數字，至多</a:t>
-            </a:r>
-            <a:r>
-              <a:rPr lang="en-US" altLang="zh-TW" dirty="0" smtClean="0"/>
-              <a:t>100</a:t>
-            </a:r>
-            <a:r>
-              <a:rPr lang="zh-TW" altLang="en-US" dirty="0" smtClean="0"/>
-              <a:t>筆自訂</a:t>
-            </a:r>
-            <a:r>
-              <a:rPr lang="en-US" altLang="zh-TW" dirty="0" smtClean="0"/>
-              <a:t>pattern</a:t>
-            </a:r>
-          </a:p>
-          <a:p>
-            <a:endParaRPr lang="en-US" altLang="zh-TW" dirty="0"/>
-          </a:p>
-          <a:p>
-            <a:r>
-              <a:rPr lang="en-US" altLang="zh-TW" dirty="0" err="1" smtClean="0"/>
-              <a:t>otherScan.patternN</a:t>
-            </a:r>
-            <a:r>
-              <a:rPr lang="en-US" altLang="zh-TW" dirty="0" smtClean="0"/>
-              <a:t> (regular express pattern)</a:t>
-            </a:r>
-            <a:endParaRPr lang="en-US" altLang="zh-TW" dirty="0"/>
-          </a:p>
-          <a:p>
-            <a:r>
-              <a:rPr lang="en-US" altLang="zh-TW" dirty="0" err="1" smtClean="0"/>
-              <a:t>otherScan.allowCountN</a:t>
-            </a:r>
-            <a:r>
-              <a:rPr lang="en-US" altLang="zh-TW" dirty="0" smtClean="0"/>
-              <a:t> (</a:t>
-            </a:r>
-            <a:r>
-              <a:rPr lang="zh-TW" altLang="en-US" dirty="0" smtClean="0"/>
-              <a:t>該掃描所允許的數量</a:t>
-            </a:r>
-            <a:r>
-              <a:rPr lang="en-US" altLang="zh-TW" dirty="0" smtClean="0"/>
-              <a:t>)</a:t>
-            </a:r>
-            <a:r>
-              <a:rPr kumimoji="1" lang="en-US" altLang="zh-TW" dirty="0"/>
-              <a:t/>
-            </a:r>
-            <a:br>
-              <a:rPr kumimoji="1" lang="en-US" altLang="zh-TW" dirty="0"/>
-            </a:br>
-            <a:r>
-              <a:rPr kumimoji="1" lang="en-US" altLang="zh-TW" dirty="0" smtClean="0"/>
-              <a:t/>
-            </a:r>
-            <a:br>
-              <a:rPr kumimoji="1" lang="en-US" altLang="zh-TW" dirty="0" smtClean="0"/>
-            </a:br>
-            <a:r>
-              <a:rPr kumimoji="1" lang="en-US" altLang="zh-TW" dirty="0" smtClean="0"/>
-              <a:t/>
-            </a:r>
-            <a:br>
-              <a:rPr kumimoji="1" lang="en-US" altLang="zh-TW" dirty="0" smtClean="0"/>
-            </a:br>
-            <a:r>
-              <a:rPr kumimoji="1" lang="en-US" altLang="zh-TW" dirty="0" smtClean="0"/>
-              <a:t>ex: </a:t>
-            </a:r>
-            <a:br>
-              <a:rPr kumimoji="1" lang="en-US" altLang="zh-TW" dirty="0" smtClean="0"/>
-            </a:br>
-            <a:r>
-              <a:rPr lang="en-US" altLang="zh-TW" dirty="0" smtClean="0"/>
-              <a:t>otherScan.pattern1=[0-9]{10}</a:t>
-            </a:r>
-            <a:r>
-              <a:rPr lang="en-US" altLang="zh-TW" dirty="0"/>
-              <a:t/>
-            </a:r>
-            <a:br>
-              <a:rPr lang="en-US" altLang="zh-TW" dirty="0"/>
-            </a:br>
-            <a:r>
-              <a:rPr lang="en-US" altLang="zh-TW" dirty="0" smtClean="0"/>
-              <a:t>otherScan.allowCount1=10</a:t>
-            </a:r>
-            <a:endParaRPr kumimoji="1" lang="en-US" altLang="zh-TW" dirty="0"/>
-          </a:p>
-        </p:txBody>
-      </p:sp>
+          <a:bodyPr/>
+          <a:lstStyle/>
+          <a:p>
+            <a:pPr>
+              <a:defRPr/>
+            </a:pPr>
+            <a:fld id="{98CEF6DB-C55F-4787-A169-36FC1ED66CA3}" type="slidenum">
+              <a:rPr lang="zh-TW" altLang="en-US" smtClean="0"/>
+              <a:pPr>
+                <a:defRPr/>
+              </a:pPr>
+              <a:t>11</a:t>
+            </a:fld>
+            <a:endParaRPr lang="zh-TW" altLang="en-US" dirty="0"/>
+          </a:p>
+        </p:txBody>
+      </p:sp>
+      <p:pic>
+        <p:nvPicPr>
+          <p:cNvPr id="8" name="圖片 7"/>
+          <p:cNvPicPr>
+            <a:picLocks noChangeAspect="1"/>
+          </p:cNvPicPr>
+          <p:nvPr/>
+        </p:nvPicPr>
+        <p:blipFill>
+          <a:blip r:embed="rId2">
+            <a:extLst>
+              <a:ext uri="{28A0092B-C50C-407E-A947-70E740481C1C}">
+                <a14:useLocalDpi xmlns:a14="http://schemas.microsoft.com/office/drawing/2010/main" val="0"/>
+              </a:ext>
+            </a:extLst>
+          </a:blip>
+          <a:stretch>
+            <a:fillRect/>
+          </a:stretch>
+        </p:blipFill>
+        <p:spPr>
+          <a:xfrm>
+            <a:off x="755576" y="4077072"/>
+            <a:ext cx="4355976" cy="1818100"/>
+          </a:xfrm>
+          <a:prstGeom prst="rect">
+            <a:avLst/>
+          </a:prstGeom>
+        </p:spPr>
+      </p:pic>
     </p:spTree>
     <p:extLst>
       <p:ext uri="{BB962C8B-B14F-4D97-AF65-F5344CB8AC3E}">
-        <p14:creationId xmlns:p14="http://schemas.microsoft.com/office/powerpoint/2010/main" val="322553950"/>
+        <p14:creationId xmlns:p14="http://schemas.microsoft.com/office/powerpoint/2010/main" val="1253622389"/>
       </p:ext>
     </p:extLst>
   </p:cSld>
@@ -4384,7 +4240,7 @@
       </p:grpSpPr>
       <p:sp>
         <p:nvSpPr>
-          <p:cNvPr id="2" name="標題 1"/>
+          <p:cNvPr id="6" name="標題 5"/>
           <p:cNvSpPr>
             <a:spLocks noGrp="1"/>
           </p:cNvSpPr>
@@ -4395,21 +4251,13 @@
         <p:spPr/>
         <p:txBody>
           <a:bodyPr>
-            <a:normAutofit/>
+            <a:normAutofit fontScale="90000"/>
           </a:bodyPr>
           <a:lstStyle/>
           <a:p>
             <a:r>
-              <a:rPr kumimoji="1" lang="zh-TW" altLang="en-US" dirty="0"/>
-              <a:t>參數檔</a:t>
-            </a:r>
-            <a:r>
-              <a:rPr kumimoji="1" lang="zh-TW" altLang="en-US" dirty="0" smtClean="0"/>
-              <a:t>變數</a:t>
-            </a:r>
-            <a:r>
               <a:rPr kumimoji="1" lang="en-US" altLang="zh-TW" dirty="0" smtClean="0"/>
-              <a:t>(email)</a:t>
+              <a:t>How to install windows service</a:t>
             </a:r>
             <a:endParaRPr lang="zh-TW" altLang="en-US" dirty="0"/>
           </a:p>
@@ -4417,7 +4265,7 @@
       </p:sp>
       <p:sp>
         <p:nvSpPr>
-          <p:cNvPr id="3" name="內容版面配置區 2"/>
+          <p:cNvPr id="7" name="內容版面配置區 6"/>
           <p:cNvSpPr>
             <a:spLocks noGrp="1"/>
           </p:cNvSpPr>
@@ -4425,75 +4273,160 @@
             <p:ph idx="1"/>
           </p:nvPr>
         </p:nvSpPr>
+        <p:spPr>
+          <a:xfrm>
+            <a:off x="395536" y="1268760"/>
+            <a:ext cx="8229600" cy="4857403"/>
+          </a:xfrm>
+        </p:spPr>
+        <p:txBody>
+          <a:bodyPr/>
+          <a:lstStyle/>
+          <a:p>
+            <a:r>
+              <a:rPr lang="zh-TW" altLang="en-US" dirty="0" smtClean="0"/>
+              <a:t>執行</a:t>
+            </a:r>
+            <a:r>
+              <a:rPr lang="en-US" altLang="zh-TW" dirty="0" smtClean="0"/>
+              <a:t>yajsw-stable-12.11/bat/</a:t>
+            </a:r>
+            <a:r>
+              <a:rPr lang="en-US" altLang="zh-TW" dirty="0" err="1" smtClean="0"/>
+              <a:t>installService.bat</a:t>
+            </a:r>
+            <a:r>
+              <a:rPr lang="zh-TW" altLang="en-US" dirty="0" smtClean="0"/>
+              <a:t>，就會於該系統安裝</a:t>
+            </a:r>
+            <a:r>
+              <a:rPr lang="en-US" altLang="zh-TW" dirty="0" smtClean="0"/>
+              <a:t>service</a:t>
+            </a:r>
+            <a:r>
+              <a:rPr lang="zh-TW" altLang="en-US" dirty="0" smtClean="0"/>
+              <a:t>。</a:t>
+            </a:r>
+            <a:endParaRPr lang="en-US" altLang="zh-TW" dirty="0" smtClean="0"/>
+          </a:p>
+          <a:p>
+            <a:r>
+              <a:rPr lang="zh-TW" altLang="en-US" dirty="0" smtClean="0"/>
+              <a:t>後續要移除即執行上述資料夾中</a:t>
+            </a:r>
+            <a:r>
+              <a:rPr lang="en-US" altLang="zh-TW" dirty="0" err="1" smtClean="0"/>
+              <a:t>uninstallService.bat</a:t>
+            </a:r>
+            <a:r>
+              <a:rPr lang="zh-TW" altLang="en-US" dirty="0" smtClean="0"/>
+              <a:t>即可。</a:t>
+            </a:r>
+            <a:endParaRPr lang="en-US" altLang="zh-TW" dirty="0" smtClean="0"/>
+          </a:p>
+          <a:p>
+            <a:r>
+              <a:rPr lang="zh-TW" altLang="en-US" dirty="0" smtClean="0"/>
+              <a:t>註：必須具有</a:t>
+            </a:r>
+            <a:r>
+              <a:rPr lang="en-US" altLang="zh-TW" dirty="0" smtClean="0"/>
+              <a:t>administrator</a:t>
+            </a:r>
+            <a:r>
+              <a:rPr lang="zh-TW" altLang="en-US" dirty="0" smtClean="0"/>
+              <a:t>權限，及</a:t>
+            </a:r>
+            <a:r>
+              <a:rPr lang="en-US" altLang="zh-TW" dirty="0" smtClean="0"/>
+              <a:t>App folder</a:t>
+            </a:r>
+            <a:r>
+              <a:rPr lang="zh-TW" altLang="en-US" dirty="0" smtClean="0"/>
+              <a:t>必須置於本地磁碟空間。</a:t>
+            </a:r>
+            <a:endParaRPr lang="en-US" altLang="zh-TW" dirty="0" smtClean="0"/>
+          </a:p>
+          <a:p>
+            <a:endParaRPr lang="en-US" altLang="zh-TW" dirty="0"/>
+          </a:p>
+        </p:txBody>
+      </p:sp>
+      <p:sp>
+        <p:nvSpPr>
+          <p:cNvPr id="4" name="頁尾版面配置區 3"/>
+          <p:cNvSpPr>
+            <a:spLocks noGrp="1"/>
+          </p:cNvSpPr>
+          <p:nvPr>
+            <p:ph type="ftr" sz="quarter" idx="3"/>
+          </p:nvPr>
+        </p:nvSpPr>
         <p:spPr/>
         <p:txBody>
-          <a:bodyPr>
-            <a:normAutofit/>
-          </a:bodyPr>
-          <a:lstStyle/>
-          <a:p>
-            <a:r>
-              <a:rPr lang="es-ES_tradnl" altLang="zh-TW" dirty="0" smtClean="0"/>
-              <a:t>LOCAL_TEST(</a:t>
-            </a:r>
-            <a:r>
-              <a:rPr lang="zh-TW" altLang="en-US" dirty="0" smtClean="0"/>
-              <a:t>是否要用內建</a:t>
-            </a:r>
-            <a:r>
-              <a:rPr lang="en-US" altLang="zh-TW" dirty="0" err="1" smtClean="0"/>
-              <a:t>gmail</a:t>
-            </a:r>
-            <a:r>
-              <a:rPr lang="zh-TW" altLang="en-US" dirty="0" smtClean="0"/>
-              <a:t>帳號寄送</a:t>
-            </a:r>
-            <a:r>
-              <a:rPr lang="en-US" altLang="zh-TW" dirty="0" smtClean="0"/>
-              <a:t>email</a:t>
-            </a:r>
-            <a:r>
-              <a:rPr lang="es-ES_tradnl" altLang="zh-TW" dirty="0" smtClean="0"/>
+          <a:bodyPr/>
+          <a:lstStyle/>
+          <a:p>
+            <a:pPr>
+              <a:defRPr/>
+            </a:pPr>
+            <a:r>
+              <a:rPr lang="zh-TW" altLang="en-US" smtClean="0"/>
+              <a:t>智慧財產權屬資拓宏宇國際</a:t>
+            </a:r>
+            <a:r>
+              <a:rPr lang="en-US" altLang="zh-TW" smtClean="0"/>
+              <a:t>(</a:t>
+            </a:r>
+            <a:r>
+              <a:rPr lang="zh-TW" altLang="en-US" smtClean="0"/>
+              <a:t>股</a:t>
+            </a:r>
+            <a:r>
+              <a:rPr lang="en-US" altLang="zh-TW" smtClean="0"/>
               <a:t>)</a:t>
             </a:r>
-          </a:p>
-          <a:p>
-            <a:r>
-              <a:rPr lang="es-ES_tradnl" altLang="zh-TW" dirty="0" smtClean="0"/>
-              <a:t>EDM_FROM_ADDR</a:t>
-            </a:r>
-          </a:p>
-          <a:p>
-            <a:r>
-              <a:rPr lang="es-ES_tradnl" altLang="zh-TW" dirty="0" smtClean="0"/>
-              <a:t>EDM_FROM_PERSON</a:t>
-            </a:r>
-          </a:p>
-          <a:p>
-            <a:r>
-              <a:rPr lang="es-ES_tradnl" altLang="zh-TW" dirty="0" smtClean="0"/>
-              <a:t>EDM_HOST</a:t>
-            </a:r>
-          </a:p>
-          <a:p>
-            <a:r>
-              <a:rPr lang="es-ES_tradnl" altLang="zh-TW" dirty="0" smtClean="0"/>
-              <a:t>EDM_USR</a:t>
-            </a:r>
-          </a:p>
-          <a:p>
-            <a:r>
-              <a:rPr lang="es-ES_tradnl" altLang="zh-TW" dirty="0" smtClean="0"/>
-              <a:t>EDM_PWD</a:t>
-            </a:r>
-            <a:endParaRPr kumimoji="1" lang="en-US" altLang="zh-TW" dirty="0"/>
+            <a:r>
+              <a:rPr lang="zh-TW" altLang="en-US" smtClean="0"/>
+              <a:t>公司，複製或轉載必究</a:t>
+            </a:r>
+            <a:endParaRPr lang="zh-TW" altLang="en-US" dirty="0"/>
+          </a:p>
+        </p:txBody>
+      </p:sp>
+      <p:sp>
+        <p:nvSpPr>
+          <p:cNvPr id="5" name="投影片編號版面配置區 4"/>
+          <p:cNvSpPr>
+            <a:spLocks noGrp="1"/>
+          </p:cNvSpPr>
+          <p:nvPr>
+            <p:ph type="sldNum" sz="quarter" idx="4"/>
+          </p:nvPr>
+        </p:nvSpPr>
+        <p:spPr/>
+        <p:txBody>
+          <a:bodyPr/>
+          <a:lstStyle/>
+          <a:p>
+            <a:pPr>
+              <a:defRPr/>
+            </a:pPr>
+            <a:fld id="{98CEF6DB-C55F-4787-A169-36FC1ED66CA3}" type="slidenum">
+              <a:rPr lang="zh-TW" altLang="en-US" smtClean="0"/>
+              <a:pPr>
+                <a:defRPr/>
+              </a:pPr>
+              <a:t>12</a:t>
+            </a:fld>
+            <a:endParaRPr lang="zh-TW" altLang="en-US" dirty="0"/>
           </a:p>
         </p:txBody>
       </p:sp>
     </p:spTree>
     <p:extLst>
       <p:ext uri="{BB962C8B-B14F-4D97-AF65-F5344CB8AC3E}">
-        <p14:creationId xmlns:p14="http://schemas.microsoft.com/office/powerpoint/2010/main" val="1519779737"/>
+        <p14:creationId xmlns:p14="http://schemas.microsoft.com/office/powerpoint/2010/main" val="983602667"/>
       </p:ext>
     </p:extLst>
   </p:cSld>
@@ -4529,6 +4462,1101 @@
       </p:grpSpPr>
       <p:sp>
         <p:nvSpPr>
+          <p:cNvPr id="6" name="標題 5"/>
+          <p:cNvSpPr>
+            <a:spLocks noGrp="1"/>
+          </p:cNvSpPr>
+          <p:nvPr>
+            <p:ph type="title"/>
+          </p:nvPr>
+        </p:nvSpPr>
+        <p:spPr/>
+        <p:txBody>
+          <a:bodyPr>
+            <a:normAutofit fontScale="90000"/>
+          </a:bodyPr>
+          <a:lstStyle/>
+          <a:p>
+            <a:r>
+              <a:rPr kumimoji="1" lang="en-US" altLang="zh-TW" dirty="0" smtClean="0"/>
+              <a:t>How to </a:t>
+            </a:r>
+            <a:r>
+              <a:rPr kumimoji="1" lang="en-US" altLang="zh-TW" dirty="0" err="1" smtClean="0"/>
+              <a:t>Config</a:t>
+            </a:r>
+            <a:r>
+              <a:rPr kumimoji="1" lang="en-US" altLang="zh-TW" dirty="0" smtClean="0"/>
+              <a:t> </a:t>
+            </a:r>
+            <a:r>
+              <a:rPr kumimoji="1" lang="en-US" altLang="zh-TW" dirty="0" err="1" smtClean="0"/>
+              <a:t>TraceLog</a:t>
+            </a:r>
+            <a:r>
+              <a:rPr kumimoji="1" lang="en-US" altLang="zh-TW" dirty="0" smtClean="0"/>
+              <a:t> in WAS</a:t>
+            </a:r>
+            <a:endParaRPr lang="zh-TW" altLang="en-US" dirty="0"/>
+          </a:p>
+        </p:txBody>
+      </p:sp>
+      <p:sp>
+        <p:nvSpPr>
+          <p:cNvPr id="7" name="內容版面配置區 6"/>
+          <p:cNvSpPr>
+            <a:spLocks noGrp="1"/>
+          </p:cNvSpPr>
+          <p:nvPr>
+            <p:ph idx="1"/>
+          </p:nvPr>
+        </p:nvSpPr>
+        <p:spPr>
+          <a:xfrm>
+            <a:off x="445840" y="1052736"/>
+            <a:ext cx="8229600" cy="5251499"/>
+          </a:xfrm>
+        </p:spPr>
+        <p:txBody>
+          <a:bodyPr>
+            <a:normAutofit fontScale="85000" lnSpcReduction="10000"/>
+          </a:bodyPr>
+          <a:lstStyle/>
+          <a:p>
+            <a:r>
+              <a:rPr lang="en-US" altLang="zh-TW" sz="2000" dirty="0" smtClean="0"/>
+              <a:t>Path:</a:t>
+            </a:r>
+            <a:br>
+              <a:rPr lang="en-US" altLang="zh-TW" sz="2000" dirty="0" smtClean="0"/>
+            </a:br>
+            <a:r>
+              <a:rPr lang="en-US" altLang="zh-TW" sz="2000" dirty="0" smtClean="0"/>
+              <a:t>On </a:t>
+            </a:r>
+            <a:r>
+              <a:rPr lang="en-US" altLang="zh-TW" sz="2000" dirty="0"/>
+              <a:t>the left expand "Troubleshooting" --&gt; Logs and Traces --&gt;server1 --&gt; Diagnostic </a:t>
+            </a:r>
+            <a:r>
+              <a:rPr lang="en-US" altLang="zh-TW" sz="2000" dirty="0" smtClean="0"/>
+              <a:t>Trace</a:t>
+            </a:r>
+          </a:p>
+          <a:p>
+            <a:endParaRPr lang="en-US" altLang="zh-TW" sz="2000" dirty="0"/>
+          </a:p>
+          <a:p>
+            <a:endParaRPr lang="en-US" altLang="zh-TW" sz="2000" dirty="0" smtClean="0"/>
+          </a:p>
+          <a:p>
+            <a:endParaRPr lang="en-US" altLang="zh-TW" dirty="0"/>
+          </a:p>
+          <a:p>
+            <a:endParaRPr lang="en-US" altLang="zh-TW" dirty="0" smtClean="0"/>
+          </a:p>
+          <a:p>
+            <a:endParaRPr lang="en-US" altLang="zh-TW" dirty="0"/>
+          </a:p>
+          <a:p>
+            <a:endParaRPr lang="en-US" altLang="zh-TW" dirty="0" smtClean="0"/>
+          </a:p>
+          <a:p>
+            <a:endParaRPr lang="en-US" altLang="zh-TW" dirty="0" smtClean="0"/>
+          </a:p>
+          <a:p>
+            <a:endParaRPr lang="en-US" altLang="zh-TW" dirty="0"/>
+          </a:p>
+          <a:p>
+            <a:endParaRPr lang="en-US" altLang="zh-TW" dirty="0" smtClean="0"/>
+          </a:p>
+          <a:p>
+            <a:endParaRPr lang="en-US" altLang="zh-TW" dirty="0"/>
+          </a:p>
+          <a:p>
+            <a:r>
+              <a:rPr lang="en-US" altLang="zh-TW" dirty="0" smtClean="0"/>
+              <a:t>Make sure file place folder is same with </a:t>
+            </a:r>
+            <a:r>
+              <a:rPr lang="en-US" altLang="zh-TW" dirty="0" err="1" smtClean="0"/>
+              <a:t>config.properties</a:t>
+            </a:r>
+            <a:endParaRPr lang="en-US" altLang="zh-TW" dirty="0"/>
+          </a:p>
+          <a:p>
+            <a:r>
+              <a:rPr lang="zh-TW" altLang="en-US" sz="1200" dirty="0" smtClean="0"/>
+              <a:t>參考資料</a:t>
+            </a:r>
+            <a:r>
+              <a:rPr lang="en-US" altLang="zh-TW" sz="1200" dirty="0"/>
+              <a:t/>
+            </a:r>
+            <a:br>
+              <a:rPr lang="en-US" altLang="zh-TW" sz="1200" dirty="0"/>
+            </a:br>
+            <a:r>
+              <a:rPr lang="en-US" altLang="zh-TW" sz="1200" dirty="0">
+                <a:hlinkClick r:id="rId2"/>
+              </a:rPr>
+              <a:t>http://</a:t>
+            </a:r>
+            <a:r>
+              <a:rPr lang="en-US" altLang="zh-TW" sz="1200" dirty="0" smtClean="0">
+                <a:hlinkClick r:id="rId2"/>
+              </a:rPr>
+              <a:t>www-01.ibm.com/support/docview.wss?uid=swg21902513</a:t>
+            </a:r>
+            <a:endParaRPr lang="en-US" altLang="zh-TW" sz="1200" dirty="0" smtClean="0"/>
+          </a:p>
+          <a:p>
+            <a:endParaRPr lang="en-US" altLang="zh-TW" dirty="0" smtClean="0"/>
+          </a:p>
+          <a:p>
+            <a:endParaRPr lang="en-US" altLang="zh-TW" dirty="0" smtClean="0"/>
+          </a:p>
+          <a:p>
+            <a:endParaRPr lang="en-US" altLang="zh-TW" dirty="0"/>
+          </a:p>
+        </p:txBody>
+      </p:sp>
+      <p:sp>
+        <p:nvSpPr>
+          <p:cNvPr id="4" name="頁尾版面配置區 3"/>
+          <p:cNvSpPr>
+            <a:spLocks noGrp="1"/>
+          </p:cNvSpPr>
+          <p:nvPr>
+            <p:ph type="ftr" sz="quarter" idx="3"/>
+          </p:nvPr>
+        </p:nvSpPr>
+        <p:spPr/>
+        <p:txBody>
+          <a:bodyPr/>
+          <a:lstStyle/>
+          <a:p>
+            <a:pPr>
+              <a:defRPr/>
+            </a:pPr>
+            <a:r>
+              <a:rPr lang="zh-TW" altLang="en-US" smtClean="0"/>
+              <a:t>智慧財產權屬資拓宏宇國際</a:t>
+            </a:r>
+            <a:r>
+              <a:rPr lang="en-US" altLang="zh-TW" smtClean="0"/>
+              <a:t>(</a:t>
+            </a:r>
+            <a:r>
+              <a:rPr lang="zh-TW" altLang="en-US" smtClean="0"/>
+              <a:t>股</a:t>
+            </a:r>
+            <a:r>
+              <a:rPr lang="en-US" altLang="zh-TW" smtClean="0"/>
+              <a:t>)</a:t>
+            </a:r>
+            <a:r>
+              <a:rPr lang="zh-TW" altLang="en-US" smtClean="0"/>
+              <a:t>公司，複製或轉載必究</a:t>
+            </a:r>
+            <a:endParaRPr lang="zh-TW" altLang="en-US" dirty="0"/>
+          </a:p>
+        </p:txBody>
+      </p:sp>
+      <p:sp>
+        <p:nvSpPr>
+          <p:cNvPr id="5" name="投影片編號版面配置區 4"/>
+          <p:cNvSpPr>
+            <a:spLocks noGrp="1"/>
+          </p:cNvSpPr>
+          <p:nvPr>
+            <p:ph type="sldNum" sz="quarter" idx="4"/>
+          </p:nvPr>
+        </p:nvSpPr>
+        <p:spPr/>
+        <p:txBody>
+          <a:bodyPr/>
+          <a:lstStyle/>
+          <a:p>
+            <a:pPr>
+              <a:defRPr/>
+            </a:pPr>
+            <a:fld id="{98CEF6DB-C55F-4787-A169-36FC1ED66CA3}" type="slidenum">
+              <a:rPr lang="zh-TW" altLang="en-US" smtClean="0"/>
+              <a:pPr>
+                <a:defRPr/>
+              </a:pPr>
+              <a:t>13</a:t>
+            </a:fld>
+            <a:endParaRPr lang="zh-TW" altLang="en-US" dirty="0"/>
+          </a:p>
+        </p:txBody>
+      </p:sp>
+      <p:pic>
+        <p:nvPicPr>
+          <p:cNvPr id="2" name="圖片 1"/>
+          <p:cNvPicPr>
+            <a:picLocks noChangeAspect="1"/>
+          </p:cNvPicPr>
+          <p:nvPr/>
+        </p:nvPicPr>
+        <p:blipFill>
+          <a:blip r:embed="rId3">
+            <a:extLst>
+              <a:ext uri="{28A0092B-C50C-407E-A947-70E740481C1C}">
+                <a14:useLocalDpi xmlns:a14="http://schemas.microsoft.com/office/drawing/2010/main" val="0"/>
+              </a:ext>
+            </a:extLst>
+          </a:blip>
+          <a:stretch>
+            <a:fillRect/>
+          </a:stretch>
+        </p:blipFill>
+        <p:spPr>
+          <a:xfrm>
+            <a:off x="755576" y="1844824"/>
+            <a:ext cx="5631702" cy="3289159"/>
+          </a:xfrm>
+          <a:prstGeom prst="rect">
+            <a:avLst/>
+          </a:prstGeom>
+        </p:spPr>
+      </p:pic>
+    </p:spTree>
+    <p:extLst>
+      <p:ext uri="{BB962C8B-B14F-4D97-AF65-F5344CB8AC3E}">
+        <p14:creationId xmlns:p14="http://schemas.microsoft.com/office/powerpoint/2010/main" val="27000461"/>
+      </p:ext>
+    </p:extLst>
+  </p:cSld>
+  <p:clrMapOvr>
+    <a:masterClrMapping/>
+  </p:clrMapOvr>
+  <p:timing>
+    <p:tnLst>
+      <p:par>
+        <p:cTn id="1" dur="indefinite" restart="never" nodeType="tmRoot"/>
+      </p:par>
+    </p:tnLst>
+  </p:timing>
+</p:sld>
+</file>
+
+<file path=ppt/slides/slide14.xml><?xml version="1.0" encoding="utf-8"?>
+<p:sld xmlns:a="http://schemas.openxmlformats.org/drawingml/2006/main" xmlns:r="http://schemas.openxmlformats.org/officeDocument/2006/relationships" xmlns:p="http://schemas.openxmlformats.org/presentationml/2006/main">
+  <p:cSld>
+    <p:spTree>
+      <p:nvGrpSpPr>
+        <p:cNvPr id="1" name=""/>
+        <p:cNvGrpSpPr/>
+        <p:nvPr/>
+      </p:nvGrpSpPr>
+      <p:grpSpPr>
+        <a:xfrm>
+          <a:off x="0" y="0"/>
+          <a:ext cx="0" cy="0"/>
+          <a:chOff x="0" y="0"/>
+          <a:chExt cx="0" cy="0"/>
+        </a:xfrm>
+      </p:grpSpPr>
+      <p:sp>
+        <p:nvSpPr>
+          <p:cNvPr id="2" name="標題 1"/>
+          <p:cNvSpPr>
+            <a:spLocks noGrp="1"/>
+          </p:cNvSpPr>
+          <p:nvPr>
+            <p:ph type="title"/>
+          </p:nvPr>
+        </p:nvSpPr>
+        <p:spPr/>
+        <p:txBody>
+          <a:bodyPr>
+            <a:normAutofit/>
+          </a:bodyPr>
+          <a:lstStyle/>
+          <a:p>
+            <a:r>
+              <a:rPr kumimoji="1" lang="zh-TW" altLang="en-US" dirty="0"/>
+              <a:t>參數檔</a:t>
+            </a:r>
+            <a:r>
+              <a:rPr kumimoji="1" lang="zh-TW" altLang="en-US" dirty="0" smtClean="0"/>
+              <a:t>變數</a:t>
+            </a:r>
+            <a:endParaRPr lang="zh-TW" altLang="en-US" dirty="0"/>
+          </a:p>
+        </p:txBody>
+      </p:sp>
+      <p:sp>
+        <p:nvSpPr>
+          <p:cNvPr id="3" name="內容版面配置區 2"/>
+          <p:cNvSpPr>
+            <a:spLocks noGrp="1"/>
+          </p:cNvSpPr>
+          <p:nvPr>
+            <p:ph idx="1"/>
+          </p:nvPr>
+        </p:nvSpPr>
+        <p:spPr/>
+        <p:txBody>
+          <a:bodyPr>
+            <a:normAutofit/>
+          </a:bodyPr>
+          <a:lstStyle/>
+          <a:p>
+            <a:r>
+              <a:rPr lang="en-US" altLang="zh-TW" dirty="0" err="1" smtClean="0"/>
+              <a:t>intervalTime</a:t>
+            </a:r>
+            <a:r>
+              <a:rPr lang="en-US" altLang="zh-TW" dirty="0" smtClean="0"/>
+              <a:t> </a:t>
+            </a:r>
+            <a:r>
+              <a:rPr lang="en-US" altLang="zh-TW" dirty="0" smtClean="0">
+                <a:solidFill>
+                  <a:srgbClr val="FF0000"/>
+                </a:solidFill>
+              </a:rPr>
+              <a:t>(</a:t>
+            </a:r>
+            <a:r>
+              <a:rPr kumimoji="1" lang="zh-TW" altLang="en-US" dirty="0">
+                <a:solidFill>
+                  <a:srgbClr val="FF0000"/>
+                </a:solidFill>
+              </a:rPr>
+              <a:t>啟動間隔</a:t>
+            </a:r>
+            <a:r>
+              <a:rPr lang="en-US" altLang="zh-TW" dirty="0" smtClean="0">
+                <a:solidFill>
+                  <a:srgbClr val="FF0000"/>
+                </a:solidFill>
+              </a:rPr>
+              <a:t>)</a:t>
+            </a:r>
+            <a:endParaRPr lang="en-US" altLang="zh-TW" dirty="0">
+              <a:solidFill>
+                <a:srgbClr val="FF0000"/>
+              </a:solidFill>
+            </a:endParaRPr>
+          </a:p>
+          <a:p>
+            <a:r>
+              <a:rPr lang="en-US" altLang="zh-TW" dirty="0" err="1" smtClean="0"/>
+              <a:t>logFolderPath</a:t>
+            </a:r>
+            <a:r>
+              <a:rPr lang="en-US" altLang="zh-TW" dirty="0" smtClean="0"/>
+              <a:t> </a:t>
+            </a:r>
+            <a:r>
+              <a:rPr lang="en-US" altLang="zh-TW" dirty="0" smtClean="0">
+                <a:solidFill>
+                  <a:srgbClr val="FF0000"/>
+                </a:solidFill>
+              </a:rPr>
+              <a:t>(</a:t>
+            </a:r>
+            <a:r>
+              <a:rPr lang="en-US" altLang="zh-TW" dirty="0" err="1" smtClean="0">
+                <a:solidFill>
+                  <a:srgbClr val="FF0000"/>
+                </a:solidFill>
+              </a:rPr>
+              <a:t>TraceLog</a:t>
+            </a:r>
+            <a:r>
+              <a:rPr lang="en-US" altLang="zh-TW" dirty="0" smtClean="0">
+                <a:solidFill>
+                  <a:srgbClr val="FF0000"/>
+                </a:solidFill>
+              </a:rPr>
+              <a:t> place folder)</a:t>
+            </a:r>
+          </a:p>
+          <a:p>
+            <a:r>
+              <a:rPr lang="en-US" altLang="zh-TW" dirty="0" err="1" smtClean="0"/>
+              <a:t>tempFolderPath</a:t>
+            </a:r>
+            <a:r>
+              <a:rPr lang="en-US" altLang="zh-TW" dirty="0"/>
+              <a:t>=./</a:t>
+            </a:r>
+            <a:r>
+              <a:rPr lang="en-US" altLang="zh-TW" dirty="0" smtClean="0"/>
+              <a:t>Temp/</a:t>
+            </a:r>
+            <a:r>
+              <a:rPr lang="zh-TW" altLang="en-US" dirty="0" smtClean="0"/>
+              <a:t> </a:t>
+            </a:r>
+            <a:r>
+              <a:rPr lang="en-US" altLang="zh-TW" dirty="0" smtClean="0">
+                <a:solidFill>
+                  <a:srgbClr val="FF0000"/>
+                </a:solidFill>
+              </a:rPr>
+              <a:t>(use default)</a:t>
+            </a:r>
+          </a:p>
+          <a:p>
+            <a:r>
+              <a:rPr lang="en-US" altLang="zh-TW" dirty="0" err="1" smtClean="0"/>
+              <a:t>issueLogFolderPath</a:t>
+            </a:r>
+            <a:r>
+              <a:rPr lang="en-US" altLang="zh-TW" dirty="0"/>
+              <a:t>=./</a:t>
+            </a:r>
+            <a:r>
+              <a:rPr lang="en-US" altLang="zh-TW" dirty="0" err="1"/>
+              <a:t>IssueLog</a:t>
+            </a:r>
+            <a:r>
+              <a:rPr lang="en-US" altLang="zh-TW" dirty="0" smtClean="0"/>
+              <a:t>/</a:t>
+            </a:r>
+            <a:r>
+              <a:rPr lang="en-US" altLang="zh-TW" dirty="0" smtClean="0">
+                <a:solidFill>
+                  <a:srgbClr val="FF0000"/>
+                </a:solidFill>
+              </a:rPr>
+              <a:t> </a:t>
+            </a:r>
+            <a:r>
+              <a:rPr lang="en-US" altLang="zh-TW" dirty="0">
+                <a:solidFill>
+                  <a:srgbClr val="FF0000"/>
+                </a:solidFill>
+              </a:rPr>
+              <a:t>(use </a:t>
+            </a:r>
+            <a:r>
+              <a:rPr lang="en-US" altLang="zh-TW" dirty="0" smtClean="0">
+                <a:solidFill>
+                  <a:srgbClr val="FF0000"/>
+                </a:solidFill>
+              </a:rPr>
+              <a:t>default)</a:t>
+            </a:r>
+            <a:endParaRPr lang="en-US" altLang="zh-TW" dirty="0">
+              <a:solidFill>
+                <a:srgbClr val="FF0000"/>
+              </a:solidFill>
+            </a:endParaRPr>
+          </a:p>
+          <a:p>
+            <a:r>
+              <a:rPr lang="en-US" altLang="zh-TW" dirty="0" err="1" smtClean="0"/>
+              <a:t>allowPendingLimit</a:t>
+            </a:r>
+            <a:r>
+              <a:rPr lang="en-US" altLang="zh-TW" dirty="0" smtClean="0"/>
+              <a:t> </a:t>
+            </a:r>
+            <a:r>
+              <a:rPr lang="en-US" altLang="zh-TW" dirty="0" smtClean="0">
+                <a:solidFill>
+                  <a:srgbClr val="FF0000"/>
+                </a:solidFill>
+              </a:rPr>
+              <a:t>(</a:t>
+            </a:r>
+            <a:r>
+              <a:rPr lang="zh-TW" altLang="en-US" dirty="0" smtClean="0">
+                <a:solidFill>
+                  <a:srgbClr val="FF0000"/>
+                </a:solidFill>
+              </a:rPr>
+              <a:t>允許</a:t>
+            </a:r>
+            <a:r>
+              <a:rPr lang="en-US" altLang="zh-TW" dirty="0" smtClean="0">
+                <a:solidFill>
+                  <a:srgbClr val="FF0000"/>
+                </a:solidFill>
+              </a:rPr>
+              <a:t>pending</a:t>
+            </a:r>
+            <a:r>
+              <a:rPr lang="zh-TW" altLang="en-US" dirty="0" smtClean="0">
+                <a:solidFill>
+                  <a:srgbClr val="FF0000"/>
+                </a:solidFill>
+              </a:rPr>
+              <a:t>數量</a:t>
+            </a:r>
+            <a:r>
+              <a:rPr lang="en-US" altLang="zh-TW" dirty="0" smtClean="0">
+                <a:solidFill>
+                  <a:srgbClr val="FF0000"/>
+                </a:solidFill>
+              </a:rPr>
+              <a:t>)</a:t>
+            </a:r>
+          </a:p>
+          <a:p>
+            <a:r>
+              <a:rPr lang="en-US" altLang="zh-TW" dirty="0" err="1" smtClean="0"/>
+              <a:t>allowPendingTimeLimit</a:t>
+            </a:r>
+            <a:r>
+              <a:rPr lang="zh-TW" altLang="en-US" dirty="0" smtClean="0">
+                <a:solidFill>
+                  <a:srgbClr val="FF0000"/>
+                </a:solidFill>
+              </a:rPr>
+              <a:t> </a:t>
+            </a:r>
+            <a:r>
+              <a:rPr lang="en-US" altLang="zh-TW" dirty="0" smtClean="0">
+                <a:solidFill>
+                  <a:srgbClr val="FF0000"/>
+                </a:solidFill>
+              </a:rPr>
+              <a:t>(</a:t>
+            </a:r>
+            <a:r>
+              <a:rPr lang="zh-TW" altLang="en-US" dirty="0" smtClean="0">
+                <a:solidFill>
+                  <a:srgbClr val="FF0000"/>
+                </a:solidFill>
+              </a:rPr>
+              <a:t>允許單</a:t>
+            </a:r>
+            <a:r>
+              <a:rPr lang="en-US" altLang="zh-TW" dirty="0" smtClean="0">
+                <a:solidFill>
+                  <a:srgbClr val="FF0000"/>
+                </a:solidFill>
+              </a:rPr>
+              <a:t>thread</a:t>
+            </a:r>
+            <a:r>
+              <a:rPr lang="zh-TW" altLang="en-US" dirty="0" smtClean="0">
+                <a:solidFill>
+                  <a:srgbClr val="FF0000"/>
+                </a:solidFill>
+              </a:rPr>
+              <a:t>能</a:t>
+            </a:r>
+            <a:r>
+              <a:rPr lang="en-US" altLang="zh-TW" dirty="0" smtClean="0">
+                <a:solidFill>
+                  <a:srgbClr val="FF0000"/>
+                </a:solidFill>
+              </a:rPr>
+              <a:t>pending</a:t>
+            </a:r>
+            <a:r>
+              <a:rPr lang="zh-TW" altLang="en-US" dirty="0" smtClean="0">
+                <a:solidFill>
+                  <a:srgbClr val="FF0000"/>
+                </a:solidFill>
+              </a:rPr>
+              <a:t>的秒數</a:t>
+            </a:r>
+            <a:r>
+              <a:rPr lang="en-US" altLang="zh-TW" dirty="0" smtClean="0">
+                <a:solidFill>
+                  <a:srgbClr val="FF0000"/>
+                </a:solidFill>
+              </a:rPr>
+              <a:t>)</a:t>
+            </a:r>
+            <a:endParaRPr lang="en-US" altLang="zh-TW" dirty="0">
+              <a:solidFill>
+                <a:srgbClr val="FF0000"/>
+              </a:solidFill>
+            </a:endParaRPr>
+          </a:p>
+          <a:p>
+            <a:r>
+              <a:rPr lang="en-US" altLang="zh-TW" dirty="0" err="1" smtClean="0"/>
+              <a:t>emailSendTargets</a:t>
+            </a:r>
+            <a:r>
+              <a:rPr lang="zh-TW" altLang="en-US" dirty="0" smtClean="0"/>
+              <a:t> </a:t>
+            </a:r>
+            <a:r>
+              <a:rPr lang="en-US" altLang="zh-TW" dirty="0" smtClean="0">
+                <a:solidFill>
+                  <a:srgbClr val="FF0000"/>
+                </a:solidFill>
+              </a:rPr>
+              <a:t>(email</a:t>
+            </a:r>
+            <a:r>
+              <a:rPr lang="zh-TW" altLang="en-US" dirty="0" smtClean="0">
+                <a:solidFill>
+                  <a:srgbClr val="FF0000"/>
+                </a:solidFill>
+              </a:rPr>
+              <a:t>寄送目標</a:t>
+            </a:r>
+            <a:r>
+              <a:rPr lang="en-US" altLang="zh-TW" dirty="0" smtClean="0">
+                <a:solidFill>
+                  <a:srgbClr val="FF0000"/>
+                </a:solidFill>
+              </a:rPr>
+              <a:t>)</a:t>
+            </a:r>
+          </a:p>
+          <a:p>
+            <a:r>
+              <a:rPr lang="en-US" altLang="zh-TW" dirty="0" err="1" smtClean="0"/>
+              <a:t>smsSendTargets</a:t>
+            </a:r>
+            <a:r>
+              <a:rPr lang="zh-TW" altLang="en-US" dirty="0" smtClean="0"/>
+              <a:t> </a:t>
+            </a:r>
+            <a:r>
+              <a:rPr lang="en-US" altLang="zh-TW" dirty="0" smtClean="0">
+                <a:solidFill>
+                  <a:srgbClr val="FF0000"/>
+                </a:solidFill>
+              </a:rPr>
+              <a:t>(</a:t>
+            </a:r>
+            <a:r>
+              <a:rPr lang="en-US" altLang="zh-TW" dirty="0" err="1" smtClean="0">
+                <a:solidFill>
+                  <a:srgbClr val="FF0000"/>
+                </a:solidFill>
+              </a:rPr>
+              <a:t>sms</a:t>
+            </a:r>
+            <a:r>
+              <a:rPr lang="zh-TW" altLang="en-US" dirty="0" smtClean="0">
+                <a:solidFill>
+                  <a:srgbClr val="FF0000"/>
+                </a:solidFill>
+              </a:rPr>
+              <a:t>寄</a:t>
+            </a:r>
+            <a:r>
+              <a:rPr lang="zh-TW" altLang="en-US" dirty="0">
+                <a:solidFill>
+                  <a:srgbClr val="FF0000"/>
+                </a:solidFill>
+              </a:rPr>
+              <a:t>送目標</a:t>
+            </a:r>
+            <a:r>
+              <a:rPr lang="en-US" altLang="zh-TW" dirty="0">
+                <a:solidFill>
+                  <a:srgbClr val="FF0000"/>
+                </a:solidFill>
+              </a:rPr>
+              <a:t>)</a:t>
+            </a:r>
+          </a:p>
+          <a:p>
+            <a:endParaRPr kumimoji="1" lang="en-US" altLang="zh-TW" dirty="0"/>
+          </a:p>
+          <a:p>
+            <a:endParaRPr kumimoji="1" lang="en-US" altLang="zh-TW" dirty="0"/>
+          </a:p>
+        </p:txBody>
+      </p:sp>
+    </p:spTree>
+    <p:extLst>
+      <p:ext uri="{BB962C8B-B14F-4D97-AF65-F5344CB8AC3E}">
+        <p14:creationId xmlns:p14="http://schemas.microsoft.com/office/powerpoint/2010/main" val="137870020"/>
+      </p:ext>
+    </p:extLst>
+  </p:cSld>
+  <p:clrMapOvr>
+    <a:masterClrMapping/>
+  </p:clrMapOvr>
+  <p:timing>
+    <p:tnLst>
+      <p:par>
+        <p:cTn id="1" dur="indefinite" restart="never" nodeType="tmRoot"/>
+      </p:par>
+    </p:tnLst>
+  </p:timing>
+</p:sld>
+</file>
+
+<file path=ppt/slides/slide15.xml><?xml version="1.0" encoding="utf-8"?>
+<p:sld xmlns:a="http://schemas.openxmlformats.org/drawingml/2006/main" xmlns:r="http://schemas.openxmlformats.org/officeDocument/2006/relationships" xmlns:p="http://schemas.openxmlformats.org/presentationml/2006/main">
+  <p:cSld>
+    <p:spTree>
+      <p:nvGrpSpPr>
+        <p:cNvPr id="1" name=""/>
+        <p:cNvGrpSpPr/>
+        <p:nvPr/>
+      </p:nvGrpSpPr>
+      <p:grpSpPr>
+        <a:xfrm>
+          <a:off x="0" y="0"/>
+          <a:ext cx="0" cy="0"/>
+          <a:chOff x="0" y="0"/>
+          <a:chExt cx="0" cy="0"/>
+        </a:xfrm>
+      </p:grpSpPr>
+      <p:sp>
+        <p:nvSpPr>
+          <p:cNvPr id="2" name="標題 1"/>
+          <p:cNvSpPr>
+            <a:spLocks noGrp="1"/>
+          </p:cNvSpPr>
+          <p:nvPr>
+            <p:ph type="title"/>
+          </p:nvPr>
+        </p:nvSpPr>
+        <p:spPr/>
+        <p:txBody>
+          <a:bodyPr>
+            <a:normAutofit/>
+          </a:bodyPr>
+          <a:lstStyle/>
+          <a:p>
+            <a:r>
+              <a:rPr kumimoji="1" lang="zh-TW" altLang="en-US" dirty="0"/>
+              <a:t>參數檔</a:t>
+            </a:r>
+            <a:r>
+              <a:rPr kumimoji="1" lang="zh-TW" altLang="en-US" dirty="0" smtClean="0"/>
+              <a:t>變數</a:t>
+            </a:r>
+            <a:r>
+              <a:rPr kumimoji="1" lang="en-US" altLang="zh-TW" dirty="0" smtClean="0"/>
+              <a:t>(</a:t>
+            </a:r>
+            <a:r>
+              <a:rPr kumimoji="1" lang="zh-TW" altLang="en-US" dirty="0" smtClean="0"/>
+              <a:t>自定義</a:t>
+            </a:r>
+            <a:r>
+              <a:rPr kumimoji="1" lang="en-US" altLang="zh-TW" dirty="0" smtClean="0"/>
+              <a:t>)</a:t>
+            </a:r>
+            <a:endParaRPr lang="zh-TW" altLang="en-US" dirty="0"/>
+          </a:p>
+        </p:txBody>
+      </p:sp>
+      <p:sp>
+        <p:nvSpPr>
+          <p:cNvPr id="3" name="內容版面配置區 2"/>
+          <p:cNvSpPr>
+            <a:spLocks noGrp="1"/>
+          </p:cNvSpPr>
+          <p:nvPr>
+            <p:ph idx="1"/>
+          </p:nvPr>
+        </p:nvSpPr>
+        <p:spPr/>
+        <p:txBody>
+          <a:bodyPr>
+            <a:normAutofit/>
+          </a:bodyPr>
+          <a:lstStyle/>
+          <a:p>
+            <a:r>
+              <a:rPr lang="zh-TW" altLang="en-US" dirty="0" smtClean="0"/>
+              <a:t>自定義要掃描的</a:t>
+            </a:r>
+            <a:r>
+              <a:rPr lang="en-US" altLang="zh-TW" dirty="0" smtClean="0"/>
+              <a:t>pattern</a:t>
+            </a:r>
+            <a:r>
+              <a:rPr lang="zh-TW" altLang="en-US" dirty="0" smtClean="0"/>
+              <a:t>，</a:t>
+            </a:r>
+            <a:r>
+              <a:rPr lang="en-US" altLang="zh-TW" dirty="0" smtClean="0"/>
+              <a:t>N</a:t>
+            </a:r>
+            <a:r>
+              <a:rPr lang="zh-TW" altLang="en-US" dirty="0" smtClean="0"/>
+              <a:t>為排序數字，至多</a:t>
+            </a:r>
+            <a:r>
+              <a:rPr lang="en-US" altLang="zh-TW" dirty="0" smtClean="0"/>
+              <a:t>100</a:t>
+            </a:r>
+            <a:r>
+              <a:rPr lang="zh-TW" altLang="en-US" dirty="0" smtClean="0"/>
+              <a:t>筆自訂</a:t>
+            </a:r>
+            <a:r>
+              <a:rPr lang="en-US" altLang="zh-TW" dirty="0" smtClean="0"/>
+              <a:t>pattern</a:t>
+            </a:r>
+          </a:p>
+          <a:p>
+            <a:endParaRPr lang="en-US" altLang="zh-TW" dirty="0"/>
+          </a:p>
+          <a:p>
+            <a:r>
+              <a:rPr lang="en-US" altLang="zh-TW" dirty="0" err="1" smtClean="0"/>
+              <a:t>otherScan.patternN</a:t>
+            </a:r>
+            <a:r>
+              <a:rPr lang="en-US" altLang="zh-TW" dirty="0" smtClean="0"/>
+              <a:t> (regular express pattern)</a:t>
+            </a:r>
+            <a:endParaRPr lang="en-US" altLang="zh-TW" dirty="0"/>
+          </a:p>
+          <a:p>
+            <a:r>
+              <a:rPr lang="en-US" altLang="zh-TW" dirty="0" err="1" smtClean="0"/>
+              <a:t>otherScan.allowCountN</a:t>
+            </a:r>
+            <a:r>
+              <a:rPr lang="en-US" altLang="zh-TW" dirty="0" smtClean="0"/>
+              <a:t> (</a:t>
+            </a:r>
+            <a:r>
+              <a:rPr lang="zh-TW" altLang="en-US" dirty="0" smtClean="0"/>
+              <a:t>該掃描所允許的數量</a:t>
+            </a:r>
+            <a:r>
+              <a:rPr lang="en-US" altLang="zh-TW" dirty="0" smtClean="0"/>
+              <a:t>)</a:t>
+            </a:r>
+            <a:r>
+              <a:rPr kumimoji="1" lang="en-US" altLang="zh-TW" dirty="0"/>
+              <a:t/>
+            </a:r>
+            <a:br>
+              <a:rPr kumimoji="1" lang="en-US" altLang="zh-TW" dirty="0"/>
+            </a:br>
+            <a:r>
+              <a:rPr kumimoji="1" lang="en-US" altLang="zh-TW" dirty="0" smtClean="0"/>
+              <a:t/>
+            </a:r>
+            <a:br>
+              <a:rPr kumimoji="1" lang="en-US" altLang="zh-TW" dirty="0" smtClean="0"/>
+            </a:br>
+            <a:r>
+              <a:rPr kumimoji="1" lang="en-US" altLang="zh-TW" dirty="0" smtClean="0"/>
+              <a:t/>
+            </a:r>
+            <a:br>
+              <a:rPr kumimoji="1" lang="en-US" altLang="zh-TW" dirty="0" smtClean="0"/>
+            </a:br>
+            <a:r>
+              <a:rPr kumimoji="1" lang="en-US" altLang="zh-TW" dirty="0" smtClean="0"/>
+              <a:t>ex: </a:t>
+            </a:r>
+            <a:br>
+              <a:rPr kumimoji="1" lang="en-US" altLang="zh-TW" dirty="0" smtClean="0"/>
+            </a:br>
+            <a:r>
+              <a:rPr lang="en-US" altLang="zh-TW" dirty="0" smtClean="0"/>
+              <a:t>otherScan.pattern1=[0-9]{10}</a:t>
+            </a:r>
+            <a:r>
+              <a:rPr lang="en-US" altLang="zh-TW" dirty="0"/>
+              <a:t/>
+            </a:r>
+            <a:br>
+              <a:rPr lang="en-US" altLang="zh-TW" dirty="0"/>
+            </a:br>
+            <a:r>
+              <a:rPr lang="en-US" altLang="zh-TW" dirty="0" smtClean="0"/>
+              <a:t>otherScan.allowCount1=10</a:t>
+            </a:r>
+            <a:endParaRPr kumimoji="1" lang="en-US" altLang="zh-TW" dirty="0"/>
+          </a:p>
+        </p:txBody>
+      </p:sp>
+    </p:spTree>
+    <p:extLst>
+      <p:ext uri="{BB962C8B-B14F-4D97-AF65-F5344CB8AC3E}">
+        <p14:creationId xmlns:p14="http://schemas.microsoft.com/office/powerpoint/2010/main" val="322553950"/>
+      </p:ext>
+    </p:extLst>
+  </p:cSld>
+  <p:clrMapOvr>
+    <a:masterClrMapping/>
+  </p:clrMapOvr>
+  <p:timing>
+    <p:tnLst>
+      <p:par>
+        <p:cTn id="1" dur="indefinite" restart="never" nodeType="tmRoot"/>
+      </p:par>
+    </p:tnLst>
+  </p:timing>
+</p:sld>
+</file>
+
+<file path=ppt/slides/slide16.xml><?xml version="1.0" encoding="utf-8"?>
+<p:sld xmlns:a="http://schemas.openxmlformats.org/drawingml/2006/main" xmlns:r="http://schemas.openxmlformats.org/officeDocument/2006/relationships" xmlns:p="http://schemas.openxmlformats.org/presentationml/2006/main">
+  <p:cSld>
+    <p:spTree>
+      <p:nvGrpSpPr>
+        <p:cNvPr id="1" name=""/>
+        <p:cNvGrpSpPr/>
+        <p:nvPr/>
+      </p:nvGrpSpPr>
+      <p:grpSpPr>
+        <a:xfrm>
+          <a:off x="0" y="0"/>
+          <a:ext cx="0" cy="0"/>
+          <a:chOff x="0" y="0"/>
+          <a:chExt cx="0" cy="0"/>
+        </a:xfrm>
+      </p:grpSpPr>
+      <p:sp>
+        <p:nvSpPr>
+          <p:cNvPr id="2" name="標題 1"/>
+          <p:cNvSpPr>
+            <a:spLocks noGrp="1"/>
+          </p:cNvSpPr>
+          <p:nvPr>
+            <p:ph type="title"/>
+          </p:nvPr>
+        </p:nvSpPr>
+        <p:spPr/>
+        <p:txBody>
+          <a:bodyPr>
+            <a:normAutofit/>
+          </a:bodyPr>
+          <a:lstStyle/>
+          <a:p>
+            <a:r>
+              <a:rPr kumimoji="1" lang="zh-TW" altLang="en-US" dirty="0"/>
+              <a:t>參數檔</a:t>
+            </a:r>
+            <a:r>
+              <a:rPr kumimoji="1" lang="zh-TW" altLang="en-US" dirty="0" smtClean="0"/>
+              <a:t>變數</a:t>
+            </a:r>
+            <a:r>
+              <a:rPr kumimoji="1" lang="en-US" altLang="zh-TW" dirty="0" smtClean="0"/>
+              <a:t>(email)</a:t>
+            </a:r>
+            <a:endParaRPr lang="zh-TW" altLang="en-US" dirty="0"/>
+          </a:p>
+        </p:txBody>
+      </p:sp>
+      <p:sp>
+        <p:nvSpPr>
+          <p:cNvPr id="3" name="內容版面配置區 2"/>
+          <p:cNvSpPr>
+            <a:spLocks noGrp="1"/>
+          </p:cNvSpPr>
+          <p:nvPr>
+            <p:ph idx="1"/>
+          </p:nvPr>
+        </p:nvSpPr>
+        <p:spPr/>
+        <p:txBody>
+          <a:bodyPr>
+            <a:normAutofit/>
+          </a:bodyPr>
+          <a:lstStyle/>
+          <a:p>
+            <a:r>
+              <a:rPr lang="es-ES_tradnl" altLang="zh-TW" dirty="0" smtClean="0"/>
+              <a:t>LOCAL_TEST(</a:t>
+            </a:r>
+            <a:r>
+              <a:rPr lang="zh-TW" altLang="en-US" dirty="0" smtClean="0"/>
+              <a:t>是否要用內建</a:t>
+            </a:r>
+            <a:r>
+              <a:rPr lang="en-US" altLang="zh-TW" dirty="0" err="1" smtClean="0"/>
+              <a:t>gmail</a:t>
+            </a:r>
+            <a:r>
+              <a:rPr lang="zh-TW" altLang="en-US" dirty="0" smtClean="0"/>
+              <a:t>帳號寄送</a:t>
+            </a:r>
+            <a:r>
+              <a:rPr lang="en-US" altLang="zh-TW" dirty="0" smtClean="0"/>
+              <a:t>email</a:t>
+            </a:r>
+            <a:r>
+              <a:rPr lang="es-ES_tradnl" altLang="zh-TW" dirty="0" smtClean="0"/>
+              <a:t>)</a:t>
+            </a:r>
+          </a:p>
+          <a:p>
+            <a:r>
+              <a:rPr lang="es-ES_tradnl" altLang="zh-TW" dirty="0" smtClean="0"/>
+              <a:t>EDM_FROM_ADDR</a:t>
+            </a:r>
+          </a:p>
+          <a:p>
+            <a:r>
+              <a:rPr lang="es-ES_tradnl" altLang="zh-TW" dirty="0" smtClean="0"/>
+              <a:t>EDM_FROM_PERSON</a:t>
+            </a:r>
+          </a:p>
+          <a:p>
+            <a:r>
+              <a:rPr lang="es-ES_tradnl" altLang="zh-TW" dirty="0" smtClean="0"/>
+              <a:t>EDM_HOST</a:t>
+            </a:r>
+          </a:p>
+          <a:p>
+            <a:r>
+              <a:rPr lang="es-ES_tradnl" altLang="zh-TW" dirty="0" smtClean="0"/>
+              <a:t>EDM_USR</a:t>
+            </a:r>
+          </a:p>
+          <a:p>
+            <a:r>
+              <a:rPr lang="es-ES_tradnl" altLang="zh-TW" dirty="0" smtClean="0"/>
+              <a:t>EDM_PWD</a:t>
+            </a:r>
+            <a:endParaRPr kumimoji="1" lang="en-US" altLang="zh-TW" dirty="0"/>
+          </a:p>
+        </p:txBody>
+      </p:sp>
+    </p:spTree>
+    <p:extLst>
+      <p:ext uri="{BB962C8B-B14F-4D97-AF65-F5344CB8AC3E}">
+        <p14:creationId xmlns:p14="http://schemas.microsoft.com/office/powerpoint/2010/main" val="1519779737"/>
+      </p:ext>
+    </p:extLst>
+  </p:cSld>
+  <p:clrMapOvr>
+    <a:masterClrMapping/>
+  </p:clrMapOvr>
+  <p:timing>
+    <p:tnLst>
+      <p:par>
+        <p:cTn id="1" dur="indefinite" restart="never" nodeType="tmRoot"/>
+      </p:par>
+    </p:tnLst>
+  </p:timing>
+</p:sld>
+</file>
+
+<file path=ppt/slides/slide17.xml><?xml version="1.0" encoding="utf-8"?>
+<p:sld xmlns:a="http://schemas.openxmlformats.org/drawingml/2006/main" xmlns:r="http://schemas.openxmlformats.org/officeDocument/2006/relationships" xmlns:p="http://schemas.openxmlformats.org/presentationml/2006/main">
+  <p:cSld>
+    <p:spTree>
+      <p:nvGrpSpPr>
+        <p:cNvPr id="1" name=""/>
+        <p:cNvGrpSpPr/>
+        <p:nvPr/>
+      </p:nvGrpSpPr>
+      <p:grpSpPr>
+        <a:xfrm>
+          <a:off x="0" y="0"/>
+          <a:ext cx="0" cy="0"/>
+          <a:chOff x="0" y="0"/>
+          <a:chExt cx="0" cy="0"/>
+        </a:xfrm>
+      </p:grpSpPr>
+      <p:sp>
+        <p:nvSpPr>
           <p:cNvPr id="2" name="標題 1"/>
           <p:cNvSpPr>
             <a:spLocks noGrp="1"/>
@@ -4652,6 +5680,495 @@
     <p:extLst>
       <p:ext uri="{BB962C8B-B14F-4D97-AF65-F5344CB8AC3E}">
         <p14:creationId xmlns:p14="http://schemas.microsoft.com/office/powerpoint/2010/main" val="1798168825"/>
+      </p:ext>
+    </p:extLst>
+  </p:cSld>
+  <p:clrMapOvr>
+    <a:masterClrMapping/>
+  </p:clrMapOvr>
+  <p:timing>
+    <p:tnLst>
+      <p:par>
+        <p:cTn id="1" dur="indefinite" restart="never" nodeType="tmRoot"/>
+      </p:par>
+    </p:tnLst>
+  </p:timing>
+</p:sld>
+</file>
+
+<file path=ppt/slides/slide18.xml><?xml version="1.0" encoding="utf-8"?>
+<p:sld xmlns:a="http://schemas.openxmlformats.org/drawingml/2006/main" xmlns:r="http://schemas.openxmlformats.org/officeDocument/2006/relationships" xmlns:p="http://schemas.openxmlformats.org/presentationml/2006/main">
+  <p:cSld>
+    <p:spTree>
+      <p:nvGrpSpPr>
+        <p:cNvPr id="1" name=""/>
+        <p:cNvGrpSpPr/>
+        <p:nvPr/>
+      </p:nvGrpSpPr>
+      <p:grpSpPr>
+        <a:xfrm>
+          <a:off x="0" y="0"/>
+          <a:ext cx="0" cy="0"/>
+          <a:chOff x="0" y="0"/>
+          <a:chExt cx="0" cy="0"/>
+        </a:xfrm>
+      </p:grpSpPr>
+      <p:sp>
+        <p:nvSpPr>
+          <p:cNvPr id="6" name="標題 5"/>
+          <p:cNvSpPr>
+            <a:spLocks noGrp="1"/>
+          </p:cNvSpPr>
+          <p:nvPr>
+            <p:ph type="title"/>
+          </p:nvPr>
+        </p:nvSpPr>
+        <p:spPr>
+          <a:xfrm>
+            <a:off x="467544" y="260648"/>
+            <a:ext cx="8229600" cy="576064"/>
+          </a:xfrm>
+        </p:spPr>
+        <p:txBody>
+          <a:bodyPr>
+            <a:normAutofit fontScale="90000"/>
+          </a:bodyPr>
+          <a:lstStyle/>
+          <a:p>
+            <a:r>
+              <a:rPr lang="en-US" altLang="zh-TW" dirty="0" smtClean="0"/>
+              <a:t>All mails format</a:t>
+            </a:r>
+            <a:endParaRPr lang="zh-TW" altLang="en-US" dirty="0"/>
+          </a:p>
+        </p:txBody>
+      </p:sp>
+      <p:sp>
+        <p:nvSpPr>
+          <p:cNvPr id="4" name="頁尾版面配置區 3"/>
+          <p:cNvSpPr>
+            <a:spLocks noGrp="1"/>
+          </p:cNvSpPr>
+          <p:nvPr>
+            <p:ph type="ftr" sz="quarter" idx="3"/>
+          </p:nvPr>
+        </p:nvSpPr>
+        <p:spPr/>
+        <p:txBody>
+          <a:bodyPr/>
+          <a:lstStyle/>
+          <a:p>
+            <a:pPr>
+              <a:defRPr/>
+            </a:pPr>
+            <a:r>
+              <a:rPr lang="zh-TW" altLang="en-US" smtClean="0"/>
+              <a:t>智慧財產權屬資拓宏宇國際</a:t>
+            </a:r>
+            <a:r>
+              <a:rPr lang="en-US" altLang="zh-TW" smtClean="0"/>
+              <a:t>(</a:t>
+            </a:r>
+            <a:r>
+              <a:rPr lang="zh-TW" altLang="en-US" smtClean="0"/>
+              <a:t>股</a:t>
+            </a:r>
+            <a:r>
+              <a:rPr lang="en-US" altLang="zh-TW" smtClean="0"/>
+              <a:t>)</a:t>
+            </a:r>
+            <a:r>
+              <a:rPr lang="zh-TW" altLang="en-US" smtClean="0"/>
+              <a:t>公司，複製或轉載必究</a:t>
+            </a:r>
+            <a:endParaRPr lang="zh-TW" altLang="en-US" dirty="0"/>
+          </a:p>
+        </p:txBody>
+      </p:sp>
+      <p:sp>
+        <p:nvSpPr>
+          <p:cNvPr id="5" name="投影片編號版面配置區 4"/>
+          <p:cNvSpPr>
+            <a:spLocks noGrp="1"/>
+          </p:cNvSpPr>
+          <p:nvPr>
+            <p:ph type="sldNum" sz="quarter" idx="4"/>
+          </p:nvPr>
+        </p:nvSpPr>
+        <p:spPr/>
+        <p:txBody>
+          <a:bodyPr/>
+          <a:lstStyle/>
+          <a:p>
+            <a:pPr>
+              <a:defRPr/>
+            </a:pPr>
+            <a:fld id="{98CEF6DB-C55F-4787-A169-36FC1ED66CA3}" type="slidenum">
+              <a:rPr lang="zh-TW" altLang="en-US" smtClean="0"/>
+              <a:pPr>
+                <a:defRPr/>
+              </a:pPr>
+              <a:t>18</a:t>
+            </a:fld>
+            <a:endParaRPr lang="zh-TW" altLang="en-US" dirty="0"/>
+          </a:p>
+        </p:txBody>
+      </p:sp>
+      <p:sp>
+        <p:nvSpPr>
+          <p:cNvPr id="9" name="文字方塊 8"/>
+          <p:cNvSpPr txBox="1"/>
+          <p:nvPr/>
+        </p:nvSpPr>
+        <p:spPr>
+          <a:xfrm>
+            <a:off x="492943" y="1340768"/>
+            <a:ext cx="1563698" cy="369332"/>
+          </a:xfrm>
+          <a:prstGeom prst="rect">
+            <a:avLst/>
+          </a:prstGeom>
+          <a:noFill/>
+        </p:spPr>
+        <p:txBody>
+          <a:bodyPr wrap="none" rtlCol="0">
+            <a:spAutoFit/>
+          </a:bodyPr>
+          <a:lstStyle/>
+          <a:p>
+            <a:pPr marL="342900" indent="-342900">
+              <a:buAutoNum type="arabicPeriod"/>
+            </a:pPr>
+            <a:r>
+              <a:rPr kumimoji="1" lang="en-US" altLang="zh-TW" dirty="0" smtClean="0"/>
+              <a:t>Service on:</a:t>
+            </a:r>
+          </a:p>
+        </p:txBody>
+      </p:sp>
+      <p:pic>
+        <p:nvPicPr>
+          <p:cNvPr id="2" name="圖片 1"/>
+          <p:cNvPicPr>
+            <a:picLocks noChangeAspect="1"/>
+          </p:cNvPicPr>
+          <p:nvPr/>
+        </p:nvPicPr>
+        <p:blipFill>
+          <a:blip r:embed="rId2">
+            <a:extLst>
+              <a:ext uri="{28A0092B-C50C-407E-A947-70E740481C1C}">
+                <a14:useLocalDpi xmlns:a14="http://schemas.microsoft.com/office/drawing/2010/main" val="0"/>
+              </a:ext>
+            </a:extLst>
+          </a:blip>
+          <a:stretch>
+            <a:fillRect/>
+          </a:stretch>
+        </p:blipFill>
+        <p:spPr>
+          <a:xfrm>
+            <a:off x="971600" y="1710100"/>
+            <a:ext cx="6159500" cy="2582996"/>
+          </a:xfrm>
+          <a:prstGeom prst="rect">
+            <a:avLst/>
+          </a:prstGeom>
+        </p:spPr>
+      </p:pic>
+      <p:sp>
+        <p:nvSpPr>
+          <p:cNvPr id="10" name="文字方塊 9"/>
+          <p:cNvSpPr txBox="1"/>
+          <p:nvPr/>
+        </p:nvSpPr>
+        <p:spPr>
+          <a:xfrm>
+            <a:off x="506408" y="3789040"/>
+            <a:ext cx="3201967" cy="369332"/>
+          </a:xfrm>
+          <a:prstGeom prst="rect">
+            <a:avLst/>
+          </a:prstGeom>
+          <a:noFill/>
+        </p:spPr>
+        <p:txBody>
+          <a:bodyPr wrap="none" rtlCol="0">
+            <a:spAutoFit/>
+          </a:bodyPr>
+          <a:lstStyle/>
+          <a:p>
+            <a:pPr marL="342900" marR="0" lvl="0" indent="-342900" defTabSz="914400" eaLnBrk="1" fontAlgn="auto" latinLnBrk="0" hangingPunct="1">
+              <a:lnSpc>
+                <a:spcPct val="100000"/>
+              </a:lnSpc>
+              <a:spcBef>
+                <a:spcPts val="0"/>
+              </a:spcBef>
+              <a:spcAft>
+                <a:spcPts val="0"/>
+              </a:spcAft>
+              <a:buClrTx/>
+              <a:buSzTx/>
+              <a:buFontTx/>
+              <a:buNone/>
+              <a:tabLst/>
+              <a:defRPr/>
+            </a:pPr>
+            <a:r>
+              <a:rPr kumimoji="1" lang="en-US" altLang="zh-TW" dirty="0" smtClean="0"/>
+              <a:t>2.  Over allow pending number: </a:t>
+            </a:r>
+          </a:p>
+        </p:txBody>
+      </p:sp>
+      <p:pic>
+        <p:nvPicPr>
+          <p:cNvPr id="11" name="圖片 10"/>
+          <p:cNvPicPr>
+            <a:picLocks noChangeAspect="1"/>
+          </p:cNvPicPr>
+          <p:nvPr/>
+        </p:nvPicPr>
+        <p:blipFill rotWithShape="1">
+          <a:blip r:embed="rId3">
+            <a:extLst>
+              <a:ext uri="{28A0092B-C50C-407E-A947-70E740481C1C}">
+                <a14:useLocalDpi xmlns:a14="http://schemas.microsoft.com/office/drawing/2010/main" val="0"/>
+              </a:ext>
+            </a:extLst>
+          </a:blip>
+          <a:srcRect r="1816" b="32074"/>
+          <a:stretch/>
+        </p:blipFill>
+        <p:spPr>
+          <a:xfrm>
+            <a:off x="971600" y="4210564"/>
+            <a:ext cx="5937800" cy="2510988"/>
+          </a:xfrm>
+          <a:prstGeom prst="rect">
+            <a:avLst/>
+          </a:prstGeom>
+        </p:spPr>
+      </p:pic>
+    </p:spTree>
+    <p:extLst>
+      <p:ext uri="{BB962C8B-B14F-4D97-AF65-F5344CB8AC3E}">
+        <p14:creationId xmlns:p14="http://schemas.microsoft.com/office/powerpoint/2010/main" val="543682064"/>
+      </p:ext>
+    </p:extLst>
+  </p:cSld>
+  <p:clrMapOvr>
+    <a:masterClrMapping/>
+  </p:clrMapOvr>
+  <p:timing>
+    <p:tnLst>
+      <p:par>
+        <p:cTn id="1" dur="indefinite" restart="never" nodeType="tmRoot"/>
+      </p:par>
+    </p:tnLst>
+  </p:timing>
+</p:sld>
+</file>
+
+<file path=ppt/slides/slide19.xml><?xml version="1.0" encoding="utf-8"?>
+<p:sld xmlns:a="http://schemas.openxmlformats.org/drawingml/2006/main" xmlns:r="http://schemas.openxmlformats.org/officeDocument/2006/relationships" xmlns:p="http://schemas.openxmlformats.org/presentationml/2006/main">
+  <p:cSld>
+    <p:spTree>
+      <p:nvGrpSpPr>
+        <p:cNvPr id="1" name=""/>
+        <p:cNvGrpSpPr/>
+        <p:nvPr/>
+      </p:nvGrpSpPr>
+      <p:grpSpPr>
+        <a:xfrm>
+          <a:off x="0" y="0"/>
+          <a:ext cx="0" cy="0"/>
+          <a:chOff x="0" y="0"/>
+          <a:chExt cx="0" cy="0"/>
+        </a:xfrm>
+      </p:grpSpPr>
+      <p:sp>
+        <p:nvSpPr>
+          <p:cNvPr id="6" name="標題 5"/>
+          <p:cNvSpPr>
+            <a:spLocks noGrp="1"/>
+          </p:cNvSpPr>
+          <p:nvPr>
+            <p:ph type="title"/>
+          </p:nvPr>
+        </p:nvSpPr>
+        <p:spPr>
+          <a:xfrm>
+            <a:off x="467544" y="260648"/>
+            <a:ext cx="8229600" cy="576064"/>
+          </a:xfrm>
+        </p:spPr>
+        <p:txBody>
+          <a:bodyPr>
+            <a:normAutofit fontScale="90000"/>
+          </a:bodyPr>
+          <a:lstStyle/>
+          <a:p>
+            <a:r>
+              <a:rPr lang="en-US" altLang="zh-TW" dirty="0" smtClean="0"/>
+              <a:t>All mails format</a:t>
+            </a:r>
+            <a:endParaRPr lang="zh-TW" altLang="en-US" dirty="0"/>
+          </a:p>
+        </p:txBody>
+      </p:sp>
+      <p:sp>
+        <p:nvSpPr>
+          <p:cNvPr id="4" name="頁尾版面配置區 3"/>
+          <p:cNvSpPr>
+            <a:spLocks noGrp="1"/>
+          </p:cNvSpPr>
+          <p:nvPr>
+            <p:ph type="ftr" sz="quarter" idx="3"/>
+          </p:nvPr>
+        </p:nvSpPr>
+        <p:spPr/>
+        <p:txBody>
+          <a:bodyPr/>
+          <a:lstStyle/>
+          <a:p>
+            <a:pPr>
+              <a:defRPr/>
+            </a:pPr>
+            <a:r>
+              <a:rPr lang="zh-TW" altLang="en-US" smtClean="0"/>
+              <a:t>智慧財產權屬資拓宏宇國際</a:t>
+            </a:r>
+            <a:r>
+              <a:rPr lang="en-US" altLang="zh-TW" smtClean="0"/>
+              <a:t>(</a:t>
+            </a:r>
+            <a:r>
+              <a:rPr lang="zh-TW" altLang="en-US" smtClean="0"/>
+              <a:t>股</a:t>
+            </a:r>
+            <a:r>
+              <a:rPr lang="en-US" altLang="zh-TW" smtClean="0"/>
+              <a:t>)</a:t>
+            </a:r>
+            <a:r>
+              <a:rPr lang="zh-TW" altLang="en-US" smtClean="0"/>
+              <a:t>公司，複製或轉載必究</a:t>
+            </a:r>
+            <a:endParaRPr lang="zh-TW" altLang="en-US" dirty="0"/>
+          </a:p>
+        </p:txBody>
+      </p:sp>
+      <p:sp>
+        <p:nvSpPr>
+          <p:cNvPr id="5" name="投影片編號版面配置區 4"/>
+          <p:cNvSpPr>
+            <a:spLocks noGrp="1"/>
+          </p:cNvSpPr>
+          <p:nvPr>
+            <p:ph type="sldNum" sz="quarter" idx="4"/>
+          </p:nvPr>
+        </p:nvSpPr>
+        <p:spPr/>
+        <p:txBody>
+          <a:bodyPr/>
+          <a:lstStyle/>
+          <a:p>
+            <a:pPr>
+              <a:defRPr/>
+            </a:pPr>
+            <a:fld id="{98CEF6DB-C55F-4787-A169-36FC1ED66CA3}" type="slidenum">
+              <a:rPr lang="zh-TW" altLang="en-US" smtClean="0"/>
+              <a:pPr>
+                <a:defRPr/>
+              </a:pPr>
+              <a:t>19</a:t>
+            </a:fld>
+            <a:endParaRPr lang="zh-TW" altLang="en-US" dirty="0"/>
+          </a:p>
+        </p:txBody>
+      </p:sp>
+      <p:sp>
+        <p:nvSpPr>
+          <p:cNvPr id="9" name="文字方塊 8"/>
+          <p:cNvSpPr txBox="1"/>
+          <p:nvPr/>
+        </p:nvSpPr>
+        <p:spPr>
+          <a:xfrm>
+            <a:off x="492943" y="1340768"/>
+            <a:ext cx="2770759" cy="369332"/>
+          </a:xfrm>
+          <a:prstGeom prst="rect">
+            <a:avLst/>
+          </a:prstGeom>
+          <a:noFill/>
+        </p:spPr>
+        <p:txBody>
+          <a:bodyPr wrap="none" rtlCol="0">
+            <a:spAutoFit/>
+          </a:bodyPr>
+          <a:lstStyle/>
+          <a:p>
+            <a:pPr marL="342900" marR="0" lvl="0" indent="-342900" defTabSz="914400" eaLnBrk="1" fontAlgn="auto" latinLnBrk="0" hangingPunct="1">
+              <a:lnSpc>
+                <a:spcPct val="100000"/>
+              </a:lnSpc>
+              <a:spcBef>
+                <a:spcPts val="0"/>
+              </a:spcBef>
+              <a:spcAft>
+                <a:spcPts val="0"/>
+              </a:spcAft>
+              <a:buClrTx/>
+              <a:buSzTx/>
+              <a:buFontTx/>
+              <a:buNone/>
+              <a:tabLst/>
+              <a:defRPr/>
+            </a:pPr>
+            <a:r>
+              <a:rPr kumimoji="1" lang="en-US" altLang="zh-TW" dirty="0" smtClean="0"/>
+              <a:t>3.  Over allow pending time</a:t>
+            </a:r>
+          </a:p>
+        </p:txBody>
+      </p:sp>
+      <p:pic>
+        <p:nvPicPr>
+          <p:cNvPr id="3" name="圖片 2"/>
+          <p:cNvPicPr>
+            <a:picLocks noChangeAspect="1"/>
+          </p:cNvPicPr>
+          <p:nvPr/>
+        </p:nvPicPr>
+        <p:blipFill>
+          <a:blip r:embed="rId2">
+            <a:extLst>
+              <a:ext uri="{28A0092B-C50C-407E-A947-70E740481C1C}">
+                <a14:useLocalDpi xmlns:a14="http://schemas.microsoft.com/office/drawing/2010/main" val="0"/>
+              </a:ext>
+            </a:extLst>
+          </a:blip>
+          <a:stretch>
+            <a:fillRect/>
+          </a:stretch>
+        </p:blipFill>
+        <p:spPr>
+          <a:xfrm>
+            <a:off x="904192" y="1710100"/>
+            <a:ext cx="6009710" cy="3569085"/>
+          </a:xfrm>
+          <a:prstGeom prst="rect">
+            <a:avLst/>
+          </a:prstGeom>
+        </p:spPr>
+      </p:pic>
+    </p:spTree>
+    <p:extLst>
+      <p:ext uri="{BB962C8B-B14F-4D97-AF65-F5344CB8AC3E}">
+        <p14:creationId xmlns:p14="http://schemas.microsoft.com/office/powerpoint/2010/main" val="121531663"/>
       </p:ext>
     </p:extLst>
   </p:cSld>
@@ -4814,6 +6331,736 @@
     <p:extLst>
       <p:ext uri="{BB962C8B-B14F-4D97-AF65-F5344CB8AC3E}">
         <p14:creationId xmlns:p14="http://schemas.microsoft.com/office/powerpoint/2010/main" val="3616982444"/>
+      </p:ext>
+    </p:extLst>
+  </p:cSld>
+  <p:clrMapOvr>
+    <a:masterClrMapping/>
+  </p:clrMapOvr>
+  <p:timing>
+    <p:tnLst>
+      <p:par>
+        <p:cTn id="1" dur="indefinite" restart="never" nodeType="tmRoot"/>
+      </p:par>
+    </p:tnLst>
+  </p:timing>
+</p:sld>
+</file>
+
+<file path=ppt/slides/slide20.xml><?xml version="1.0" encoding="utf-8"?>
+<p:sld xmlns:a="http://schemas.openxmlformats.org/drawingml/2006/main" xmlns:r="http://schemas.openxmlformats.org/officeDocument/2006/relationships" xmlns:p="http://schemas.openxmlformats.org/presentationml/2006/main">
+  <p:cSld>
+    <p:spTree>
+      <p:nvGrpSpPr>
+        <p:cNvPr id="1" name=""/>
+        <p:cNvGrpSpPr/>
+        <p:nvPr/>
+      </p:nvGrpSpPr>
+      <p:grpSpPr>
+        <a:xfrm>
+          <a:off x="0" y="0"/>
+          <a:ext cx="0" cy="0"/>
+          <a:chOff x="0" y="0"/>
+          <a:chExt cx="0" cy="0"/>
+        </a:xfrm>
+      </p:grpSpPr>
+      <p:sp>
+        <p:nvSpPr>
+          <p:cNvPr id="6" name="標題 5"/>
+          <p:cNvSpPr>
+            <a:spLocks noGrp="1"/>
+          </p:cNvSpPr>
+          <p:nvPr>
+            <p:ph type="title"/>
+          </p:nvPr>
+        </p:nvSpPr>
+        <p:spPr>
+          <a:xfrm>
+            <a:off x="467544" y="260648"/>
+            <a:ext cx="8229600" cy="576064"/>
+          </a:xfrm>
+        </p:spPr>
+        <p:txBody>
+          <a:bodyPr>
+            <a:normAutofit fontScale="90000"/>
+          </a:bodyPr>
+          <a:lstStyle/>
+          <a:p>
+            <a:r>
+              <a:rPr lang="en-US" altLang="zh-TW" dirty="0" smtClean="0"/>
+              <a:t>All mails format</a:t>
+            </a:r>
+            <a:endParaRPr lang="zh-TW" altLang="en-US" dirty="0"/>
+          </a:p>
+        </p:txBody>
+      </p:sp>
+      <p:sp>
+        <p:nvSpPr>
+          <p:cNvPr id="4" name="頁尾版面配置區 3"/>
+          <p:cNvSpPr>
+            <a:spLocks noGrp="1"/>
+          </p:cNvSpPr>
+          <p:nvPr>
+            <p:ph type="ftr" sz="quarter" idx="3"/>
+          </p:nvPr>
+        </p:nvSpPr>
+        <p:spPr/>
+        <p:txBody>
+          <a:bodyPr/>
+          <a:lstStyle/>
+          <a:p>
+            <a:pPr>
+              <a:defRPr/>
+            </a:pPr>
+            <a:r>
+              <a:rPr lang="zh-TW" altLang="en-US" smtClean="0"/>
+              <a:t>智慧財產權屬資拓宏宇國際</a:t>
+            </a:r>
+            <a:r>
+              <a:rPr lang="en-US" altLang="zh-TW" smtClean="0"/>
+              <a:t>(</a:t>
+            </a:r>
+            <a:r>
+              <a:rPr lang="zh-TW" altLang="en-US" smtClean="0"/>
+              <a:t>股</a:t>
+            </a:r>
+            <a:r>
+              <a:rPr lang="en-US" altLang="zh-TW" smtClean="0"/>
+              <a:t>)</a:t>
+            </a:r>
+            <a:r>
+              <a:rPr lang="zh-TW" altLang="en-US" smtClean="0"/>
+              <a:t>公司，複製或轉載必究</a:t>
+            </a:r>
+            <a:endParaRPr lang="zh-TW" altLang="en-US" dirty="0"/>
+          </a:p>
+        </p:txBody>
+      </p:sp>
+      <p:sp>
+        <p:nvSpPr>
+          <p:cNvPr id="5" name="投影片編號版面配置區 4"/>
+          <p:cNvSpPr>
+            <a:spLocks noGrp="1"/>
+          </p:cNvSpPr>
+          <p:nvPr>
+            <p:ph type="sldNum" sz="quarter" idx="4"/>
+          </p:nvPr>
+        </p:nvSpPr>
+        <p:spPr/>
+        <p:txBody>
+          <a:bodyPr/>
+          <a:lstStyle/>
+          <a:p>
+            <a:pPr>
+              <a:defRPr/>
+            </a:pPr>
+            <a:fld id="{98CEF6DB-C55F-4787-A169-36FC1ED66CA3}" type="slidenum">
+              <a:rPr lang="zh-TW" altLang="en-US" smtClean="0"/>
+              <a:pPr>
+                <a:defRPr/>
+              </a:pPr>
+              <a:t>20</a:t>
+            </a:fld>
+            <a:endParaRPr lang="zh-TW" altLang="en-US" dirty="0"/>
+          </a:p>
+        </p:txBody>
+      </p:sp>
+      <p:sp>
+        <p:nvSpPr>
+          <p:cNvPr id="9" name="文字方塊 8"/>
+          <p:cNvSpPr txBox="1"/>
+          <p:nvPr/>
+        </p:nvSpPr>
+        <p:spPr>
+          <a:xfrm>
+            <a:off x="492943" y="1340768"/>
+            <a:ext cx="3188180" cy="369332"/>
+          </a:xfrm>
+          <a:prstGeom prst="rect">
+            <a:avLst/>
+          </a:prstGeom>
+          <a:noFill/>
+        </p:spPr>
+        <p:txBody>
+          <a:bodyPr wrap="none" rtlCol="0">
+            <a:spAutoFit/>
+          </a:bodyPr>
+          <a:lstStyle/>
+          <a:p>
+            <a:pPr marL="342900" marR="0" lvl="0" indent="-342900" defTabSz="914400" eaLnBrk="1" fontAlgn="auto" latinLnBrk="0" hangingPunct="1">
+              <a:lnSpc>
+                <a:spcPct val="100000"/>
+              </a:lnSpc>
+              <a:spcBef>
+                <a:spcPts val="0"/>
+              </a:spcBef>
+              <a:spcAft>
+                <a:spcPts val="0"/>
+              </a:spcAft>
+              <a:buClrTx/>
+              <a:buSzTx/>
+              <a:buFontTx/>
+              <a:buNone/>
+              <a:tabLst/>
+              <a:defRPr/>
+            </a:pPr>
+            <a:r>
+              <a:rPr kumimoji="1" lang="en-US" altLang="zh-TW" dirty="0"/>
+              <a:t>4</a:t>
+            </a:r>
+            <a:r>
+              <a:rPr kumimoji="1" lang="en-US" altLang="zh-TW" dirty="0" smtClean="0"/>
+              <a:t>.  Customize search over allow:</a:t>
+            </a:r>
+          </a:p>
+        </p:txBody>
+      </p:sp>
+      <p:pic>
+        <p:nvPicPr>
+          <p:cNvPr id="2" name="圖片 1"/>
+          <p:cNvPicPr>
+            <a:picLocks noChangeAspect="1"/>
+          </p:cNvPicPr>
+          <p:nvPr/>
+        </p:nvPicPr>
+        <p:blipFill>
+          <a:blip r:embed="rId2">
+            <a:extLst>
+              <a:ext uri="{28A0092B-C50C-407E-A947-70E740481C1C}">
+                <a14:useLocalDpi xmlns:a14="http://schemas.microsoft.com/office/drawing/2010/main" val="0"/>
+              </a:ext>
+            </a:extLst>
+          </a:blip>
+          <a:stretch>
+            <a:fillRect/>
+          </a:stretch>
+        </p:blipFill>
+        <p:spPr>
+          <a:xfrm>
+            <a:off x="899592" y="1739878"/>
+            <a:ext cx="5360516" cy="4204717"/>
+          </a:xfrm>
+          <a:prstGeom prst="rect">
+            <a:avLst/>
+          </a:prstGeom>
+        </p:spPr>
+      </p:pic>
+    </p:spTree>
+    <p:extLst>
+      <p:ext uri="{BB962C8B-B14F-4D97-AF65-F5344CB8AC3E}">
+        <p14:creationId xmlns:p14="http://schemas.microsoft.com/office/powerpoint/2010/main" val="325711744"/>
+      </p:ext>
+    </p:extLst>
+  </p:cSld>
+  <p:clrMapOvr>
+    <a:masterClrMapping/>
+  </p:clrMapOvr>
+  <p:timing>
+    <p:tnLst>
+      <p:par>
+        <p:cTn id="1" dur="indefinite" restart="never" nodeType="tmRoot"/>
+      </p:par>
+    </p:tnLst>
+  </p:timing>
+</p:sld>
+</file>
+
+<file path=ppt/slides/slide21.xml><?xml version="1.0" encoding="utf-8"?>
+<p:sld xmlns:a="http://schemas.openxmlformats.org/drawingml/2006/main" xmlns:r="http://schemas.openxmlformats.org/officeDocument/2006/relationships" xmlns:p="http://schemas.openxmlformats.org/presentationml/2006/main">
+  <p:cSld>
+    <p:spTree>
+      <p:nvGrpSpPr>
+        <p:cNvPr id="1" name=""/>
+        <p:cNvGrpSpPr/>
+        <p:nvPr/>
+      </p:nvGrpSpPr>
+      <p:grpSpPr>
+        <a:xfrm>
+          <a:off x="0" y="0"/>
+          <a:ext cx="0" cy="0"/>
+          <a:chOff x="0" y="0"/>
+          <a:chExt cx="0" cy="0"/>
+        </a:xfrm>
+      </p:grpSpPr>
+      <p:sp>
+        <p:nvSpPr>
+          <p:cNvPr id="6" name="標題 5"/>
+          <p:cNvSpPr>
+            <a:spLocks noGrp="1"/>
+          </p:cNvSpPr>
+          <p:nvPr>
+            <p:ph type="title"/>
+          </p:nvPr>
+        </p:nvSpPr>
+        <p:spPr>
+          <a:xfrm>
+            <a:off x="467544" y="260648"/>
+            <a:ext cx="8229600" cy="576064"/>
+          </a:xfrm>
+        </p:spPr>
+        <p:txBody>
+          <a:bodyPr>
+            <a:normAutofit fontScale="90000"/>
+          </a:bodyPr>
+          <a:lstStyle/>
+          <a:p>
+            <a:r>
+              <a:rPr lang="en-US" altLang="zh-TW" dirty="0" smtClean="0"/>
+              <a:t>All mails format</a:t>
+            </a:r>
+            <a:endParaRPr lang="zh-TW" altLang="en-US" dirty="0"/>
+          </a:p>
+        </p:txBody>
+      </p:sp>
+      <p:sp>
+        <p:nvSpPr>
+          <p:cNvPr id="4" name="頁尾版面配置區 3"/>
+          <p:cNvSpPr>
+            <a:spLocks noGrp="1"/>
+          </p:cNvSpPr>
+          <p:nvPr>
+            <p:ph type="ftr" sz="quarter" idx="3"/>
+          </p:nvPr>
+        </p:nvSpPr>
+        <p:spPr/>
+        <p:txBody>
+          <a:bodyPr/>
+          <a:lstStyle/>
+          <a:p>
+            <a:pPr>
+              <a:defRPr/>
+            </a:pPr>
+            <a:r>
+              <a:rPr lang="zh-TW" altLang="en-US" smtClean="0"/>
+              <a:t>智慧財產權屬資拓宏宇國際</a:t>
+            </a:r>
+            <a:r>
+              <a:rPr lang="en-US" altLang="zh-TW" smtClean="0"/>
+              <a:t>(</a:t>
+            </a:r>
+            <a:r>
+              <a:rPr lang="zh-TW" altLang="en-US" smtClean="0"/>
+              <a:t>股</a:t>
+            </a:r>
+            <a:r>
+              <a:rPr lang="en-US" altLang="zh-TW" smtClean="0"/>
+              <a:t>)</a:t>
+            </a:r>
+            <a:r>
+              <a:rPr lang="zh-TW" altLang="en-US" smtClean="0"/>
+              <a:t>公司，複製或轉載必究</a:t>
+            </a:r>
+            <a:endParaRPr lang="zh-TW" altLang="en-US" dirty="0"/>
+          </a:p>
+        </p:txBody>
+      </p:sp>
+      <p:sp>
+        <p:nvSpPr>
+          <p:cNvPr id="5" name="投影片編號版面配置區 4"/>
+          <p:cNvSpPr>
+            <a:spLocks noGrp="1"/>
+          </p:cNvSpPr>
+          <p:nvPr>
+            <p:ph type="sldNum" sz="quarter" idx="4"/>
+          </p:nvPr>
+        </p:nvSpPr>
+        <p:spPr/>
+        <p:txBody>
+          <a:bodyPr/>
+          <a:lstStyle/>
+          <a:p>
+            <a:pPr>
+              <a:defRPr/>
+            </a:pPr>
+            <a:fld id="{98CEF6DB-C55F-4787-A169-36FC1ED66CA3}" type="slidenum">
+              <a:rPr lang="zh-TW" altLang="en-US" smtClean="0"/>
+              <a:pPr>
+                <a:defRPr/>
+              </a:pPr>
+              <a:t>21</a:t>
+            </a:fld>
+            <a:endParaRPr lang="zh-TW" altLang="en-US" dirty="0"/>
+          </a:p>
+        </p:txBody>
+      </p:sp>
+      <p:sp>
+        <p:nvSpPr>
+          <p:cNvPr id="9" name="文字方塊 8"/>
+          <p:cNvSpPr txBox="1"/>
+          <p:nvPr/>
+        </p:nvSpPr>
+        <p:spPr>
+          <a:xfrm>
+            <a:off x="492943" y="1340768"/>
+            <a:ext cx="2684133" cy="369332"/>
+          </a:xfrm>
+          <a:prstGeom prst="rect">
+            <a:avLst/>
+          </a:prstGeom>
+          <a:noFill/>
+        </p:spPr>
+        <p:txBody>
+          <a:bodyPr wrap="none" rtlCol="0">
+            <a:spAutoFit/>
+          </a:bodyPr>
+          <a:lstStyle/>
+          <a:p>
+            <a:pPr marL="342900" marR="0" lvl="0" indent="-342900" defTabSz="914400" eaLnBrk="1" fontAlgn="auto" latinLnBrk="0" hangingPunct="1">
+              <a:lnSpc>
+                <a:spcPct val="100000"/>
+              </a:lnSpc>
+              <a:spcBef>
+                <a:spcPts val="0"/>
+              </a:spcBef>
+              <a:spcAft>
+                <a:spcPts val="0"/>
+              </a:spcAft>
+              <a:buClrTx/>
+              <a:buSzTx/>
+              <a:buFontTx/>
+              <a:buNone/>
+              <a:tabLst/>
+              <a:defRPr/>
+            </a:pPr>
+            <a:r>
+              <a:rPr kumimoji="1" lang="en-US" altLang="zh-TW" dirty="0" smtClean="0"/>
+              <a:t>5.  After pending recovery:</a:t>
+            </a:r>
+          </a:p>
+        </p:txBody>
+      </p:sp>
+      <p:pic>
+        <p:nvPicPr>
+          <p:cNvPr id="3" name="圖片 2"/>
+          <p:cNvPicPr>
+            <a:picLocks noChangeAspect="1"/>
+          </p:cNvPicPr>
+          <p:nvPr/>
+        </p:nvPicPr>
+        <p:blipFill>
+          <a:blip r:embed="rId2">
+            <a:extLst>
+              <a:ext uri="{28A0092B-C50C-407E-A947-70E740481C1C}">
+                <a14:useLocalDpi xmlns:a14="http://schemas.microsoft.com/office/drawing/2010/main" val="0"/>
+              </a:ext>
+            </a:extLst>
+          </a:blip>
+          <a:stretch>
+            <a:fillRect/>
+          </a:stretch>
+        </p:blipFill>
+        <p:spPr>
+          <a:xfrm>
+            <a:off x="865188" y="1710100"/>
+            <a:ext cx="6083300" cy="2463800"/>
+          </a:xfrm>
+          <a:prstGeom prst="rect">
+            <a:avLst/>
+          </a:prstGeom>
+        </p:spPr>
+      </p:pic>
+      <p:sp>
+        <p:nvSpPr>
+          <p:cNvPr id="8" name="文字方塊 7"/>
+          <p:cNvSpPr txBox="1"/>
+          <p:nvPr/>
+        </p:nvSpPr>
+        <p:spPr>
+          <a:xfrm>
+            <a:off x="492942" y="4358566"/>
+            <a:ext cx="2862002" cy="369332"/>
+          </a:xfrm>
+          <a:prstGeom prst="rect">
+            <a:avLst/>
+          </a:prstGeom>
+          <a:noFill/>
+        </p:spPr>
+        <p:txBody>
+          <a:bodyPr wrap="none" rtlCol="0">
+            <a:spAutoFit/>
+          </a:bodyPr>
+          <a:lstStyle/>
+          <a:p>
+            <a:pPr marL="342900" marR="0" lvl="0" indent="-342900" defTabSz="914400" eaLnBrk="1" fontAlgn="auto" latinLnBrk="0" hangingPunct="1">
+              <a:lnSpc>
+                <a:spcPct val="100000"/>
+              </a:lnSpc>
+              <a:spcBef>
+                <a:spcPts val="0"/>
+              </a:spcBef>
+              <a:spcAft>
+                <a:spcPts val="0"/>
+              </a:spcAft>
+              <a:buClrTx/>
+              <a:buSzTx/>
+              <a:buFontTx/>
+              <a:buNone/>
+              <a:tabLst/>
+              <a:defRPr/>
+            </a:pPr>
+            <a:r>
+              <a:rPr kumimoji="1" lang="en-US" altLang="zh-TW" dirty="0"/>
+              <a:t>6</a:t>
+            </a:r>
+            <a:r>
+              <a:rPr kumimoji="1" lang="en-US" altLang="zh-TW" dirty="0" smtClean="0"/>
+              <a:t>.  After customize recovery:</a:t>
+            </a:r>
+          </a:p>
+        </p:txBody>
+      </p:sp>
+      <p:pic>
+        <p:nvPicPr>
+          <p:cNvPr id="7" name="圖片 6"/>
+          <p:cNvPicPr>
+            <a:picLocks noChangeAspect="1"/>
+          </p:cNvPicPr>
+          <p:nvPr/>
+        </p:nvPicPr>
+        <p:blipFill>
+          <a:blip r:embed="rId3">
+            <a:extLst>
+              <a:ext uri="{28A0092B-C50C-407E-A947-70E740481C1C}">
+                <a14:useLocalDpi xmlns:a14="http://schemas.microsoft.com/office/drawing/2010/main" val="0"/>
+              </a:ext>
+            </a:extLst>
+          </a:blip>
+          <a:stretch>
+            <a:fillRect/>
+          </a:stretch>
+        </p:blipFill>
+        <p:spPr>
+          <a:xfrm>
+            <a:off x="865188" y="4727898"/>
+            <a:ext cx="5435004" cy="2304090"/>
+          </a:xfrm>
+          <a:prstGeom prst="rect">
+            <a:avLst/>
+          </a:prstGeom>
+        </p:spPr>
+      </p:pic>
+    </p:spTree>
+    <p:extLst>
+      <p:ext uri="{BB962C8B-B14F-4D97-AF65-F5344CB8AC3E}">
+        <p14:creationId xmlns:p14="http://schemas.microsoft.com/office/powerpoint/2010/main" val="1301043306"/>
+      </p:ext>
+    </p:extLst>
+  </p:cSld>
+  <p:clrMapOvr>
+    <a:masterClrMapping/>
+  </p:clrMapOvr>
+  <p:timing>
+    <p:tnLst>
+      <p:par>
+        <p:cTn id="1" dur="indefinite" restart="never" nodeType="tmRoot"/>
+      </p:par>
+    </p:tnLst>
+  </p:timing>
+</p:sld>
+</file>
+
+<file path=ppt/slides/slide22.xml><?xml version="1.0" encoding="utf-8"?>
+<p:sld xmlns:a="http://schemas.openxmlformats.org/drawingml/2006/main" xmlns:r="http://schemas.openxmlformats.org/officeDocument/2006/relationships" xmlns:p="http://schemas.openxmlformats.org/presentationml/2006/main">
+  <p:cSld>
+    <p:spTree>
+      <p:nvGrpSpPr>
+        <p:cNvPr id="1" name=""/>
+        <p:cNvGrpSpPr/>
+        <p:nvPr/>
+      </p:nvGrpSpPr>
+      <p:grpSpPr>
+        <a:xfrm>
+          <a:off x="0" y="0"/>
+          <a:ext cx="0" cy="0"/>
+          <a:chOff x="0" y="0"/>
+          <a:chExt cx="0" cy="0"/>
+        </a:xfrm>
+      </p:grpSpPr>
+      <p:sp>
+        <p:nvSpPr>
+          <p:cNvPr id="6" name="標題 5"/>
+          <p:cNvSpPr>
+            <a:spLocks noGrp="1"/>
+          </p:cNvSpPr>
+          <p:nvPr>
+            <p:ph type="title"/>
+          </p:nvPr>
+        </p:nvSpPr>
+        <p:spPr>
+          <a:xfrm>
+            <a:off x="467544" y="260648"/>
+            <a:ext cx="8229600" cy="576064"/>
+          </a:xfrm>
+        </p:spPr>
+        <p:txBody>
+          <a:bodyPr>
+            <a:normAutofit fontScale="90000"/>
+          </a:bodyPr>
+          <a:lstStyle/>
+          <a:p>
+            <a:r>
+              <a:rPr lang="en-US" altLang="zh-TW" dirty="0" smtClean="0"/>
+              <a:t>All mails format</a:t>
+            </a:r>
+            <a:endParaRPr lang="zh-TW" altLang="en-US" dirty="0"/>
+          </a:p>
+        </p:txBody>
+      </p:sp>
+      <p:sp>
+        <p:nvSpPr>
+          <p:cNvPr id="4" name="頁尾版面配置區 3"/>
+          <p:cNvSpPr>
+            <a:spLocks noGrp="1"/>
+          </p:cNvSpPr>
+          <p:nvPr>
+            <p:ph type="ftr" sz="quarter" idx="3"/>
+          </p:nvPr>
+        </p:nvSpPr>
+        <p:spPr/>
+        <p:txBody>
+          <a:bodyPr/>
+          <a:lstStyle/>
+          <a:p>
+            <a:pPr>
+              <a:defRPr/>
+            </a:pPr>
+            <a:r>
+              <a:rPr lang="zh-TW" altLang="en-US" smtClean="0"/>
+              <a:t>智慧財產權屬資拓宏宇國際</a:t>
+            </a:r>
+            <a:r>
+              <a:rPr lang="en-US" altLang="zh-TW" smtClean="0"/>
+              <a:t>(</a:t>
+            </a:r>
+            <a:r>
+              <a:rPr lang="zh-TW" altLang="en-US" smtClean="0"/>
+              <a:t>股</a:t>
+            </a:r>
+            <a:r>
+              <a:rPr lang="en-US" altLang="zh-TW" smtClean="0"/>
+              <a:t>)</a:t>
+            </a:r>
+            <a:r>
+              <a:rPr lang="zh-TW" altLang="en-US" smtClean="0"/>
+              <a:t>公司，複製或轉載必究</a:t>
+            </a:r>
+            <a:endParaRPr lang="zh-TW" altLang="en-US" dirty="0"/>
+          </a:p>
+        </p:txBody>
+      </p:sp>
+      <p:sp>
+        <p:nvSpPr>
+          <p:cNvPr id="5" name="投影片編號版面配置區 4"/>
+          <p:cNvSpPr>
+            <a:spLocks noGrp="1"/>
+          </p:cNvSpPr>
+          <p:nvPr>
+            <p:ph type="sldNum" sz="quarter" idx="4"/>
+          </p:nvPr>
+        </p:nvSpPr>
+        <p:spPr/>
+        <p:txBody>
+          <a:bodyPr/>
+          <a:lstStyle/>
+          <a:p>
+            <a:pPr>
+              <a:defRPr/>
+            </a:pPr>
+            <a:fld id="{98CEF6DB-C55F-4787-A169-36FC1ED66CA3}" type="slidenum">
+              <a:rPr lang="zh-TW" altLang="en-US" smtClean="0"/>
+              <a:pPr>
+                <a:defRPr/>
+              </a:pPr>
+              <a:t>22</a:t>
+            </a:fld>
+            <a:endParaRPr lang="zh-TW" altLang="en-US" dirty="0"/>
+          </a:p>
+        </p:txBody>
+      </p:sp>
+      <p:sp>
+        <p:nvSpPr>
+          <p:cNvPr id="9" name="文字方塊 8"/>
+          <p:cNvSpPr txBox="1"/>
+          <p:nvPr/>
+        </p:nvSpPr>
+        <p:spPr>
+          <a:xfrm>
+            <a:off x="492943" y="1340768"/>
+            <a:ext cx="2996974" cy="369332"/>
+          </a:xfrm>
+          <a:prstGeom prst="rect">
+            <a:avLst/>
+          </a:prstGeom>
+          <a:noFill/>
+        </p:spPr>
+        <p:txBody>
+          <a:bodyPr wrap="none" rtlCol="0">
+            <a:spAutoFit/>
+          </a:bodyPr>
+          <a:lstStyle/>
+          <a:p>
+            <a:pPr marL="342900" marR="0" lvl="0" indent="-342900" defTabSz="914400" eaLnBrk="1" fontAlgn="auto" latinLnBrk="0" hangingPunct="1">
+              <a:lnSpc>
+                <a:spcPct val="100000"/>
+              </a:lnSpc>
+              <a:spcBef>
+                <a:spcPts val="0"/>
+              </a:spcBef>
+              <a:spcAft>
+                <a:spcPts val="0"/>
+              </a:spcAft>
+              <a:buClrTx/>
+              <a:buSzTx/>
+              <a:buFontTx/>
+              <a:buNone/>
+              <a:tabLst/>
+              <a:defRPr/>
+            </a:pPr>
+            <a:r>
+              <a:rPr kumimoji="1" lang="en-US" altLang="zh-TW" dirty="0"/>
+              <a:t>7</a:t>
+            </a:r>
+            <a:r>
+              <a:rPr kumimoji="1" lang="en-US" altLang="zh-TW" dirty="0" smtClean="0"/>
+              <a:t>.  Other exception of service:</a:t>
+            </a:r>
+          </a:p>
+        </p:txBody>
+      </p:sp>
+      <p:pic>
+        <p:nvPicPr>
+          <p:cNvPr id="2" name="圖片 1"/>
+          <p:cNvPicPr>
+            <a:picLocks noChangeAspect="1"/>
+          </p:cNvPicPr>
+          <p:nvPr/>
+        </p:nvPicPr>
+        <p:blipFill>
+          <a:blip r:embed="rId2">
+            <a:extLst>
+              <a:ext uri="{28A0092B-C50C-407E-A947-70E740481C1C}">
+                <a14:useLocalDpi xmlns:a14="http://schemas.microsoft.com/office/drawing/2010/main" val="0"/>
+              </a:ext>
+            </a:extLst>
+          </a:blip>
+          <a:stretch>
+            <a:fillRect/>
+          </a:stretch>
+        </p:blipFill>
+        <p:spPr>
+          <a:xfrm>
+            <a:off x="492942" y="1931691"/>
+            <a:ext cx="8353622" cy="1746794"/>
+          </a:xfrm>
+          <a:prstGeom prst="rect">
+            <a:avLst/>
+          </a:prstGeom>
+        </p:spPr>
+      </p:pic>
+    </p:spTree>
+    <p:extLst>
+      <p:ext uri="{BB962C8B-B14F-4D97-AF65-F5344CB8AC3E}">
+        <p14:creationId xmlns:p14="http://schemas.microsoft.com/office/powerpoint/2010/main" val="2113986603"/>
       </p:ext>
     </p:extLst>
   </p:cSld>
@@ -5183,7 +7430,12 @@
             <p:ph type="title"/>
           </p:nvPr>
         </p:nvSpPr>
-        <p:spPr/>
+        <p:spPr>
+          <a:xfrm>
+            <a:off x="457200" y="279330"/>
+            <a:ext cx="8229600" cy="1143000"/>
+          </a:xfrm>
+        </p:spPr>
         <p:txBody>
           <a:bodyPr/>
           <a:lstStyle/>
@@ -5432,7 +7684,7 @@
         </p:nvGrpSpPr>
         <p:grpSpPr>
           <a:xfrm>
-            <a:off x="3885512" y="1591563"/>
+            <a:off x="3378389" y="1558992"/>
             <a:ext cx="1827436" cy="2260481"/>
             <a:chOff x="4635870" y="1452290"/>
             <a:chExt cx="1827436" cy="2260481"/>
@@ -5567,7 +7819,7 @@
         <p:spPr>
           <a:xfrm>
             <a:off x="2854648" y="3356992"/>
-            <a:ext cx="1213296" cy="0"/>
+            <a:ext cx="637232" cy="0"/>
           </a:xfrm>
           <a:prstGeom prst="straightConnector1">
             <a:avLst/>
@@ -5662,8 +7914,8 @@
         </p:nvCxnSpPr>
         <p:spPr>
           <a:xfrm>
-            <a:off x="5629982" y="2275639"/>
-            <a:ext cx="598202" cy="0"/>
+            <a:off x="5205825" y="2269989"/>
+            <a:ext cx="1022359" cy="5651"/>
           </a:xfrm>
           <a:prstGeom prst="line">
             <a:avLst/>
@@ -5916,6 +8168,36 @@
               <a:t>(option)</a:t>
             </a:r>
             <a:endParaRPr kumimoji="1" lang="en-US" altLang="zh-TW" sz="1600" dirty="0" smtClean="0"/>
+          </a:p>
+        </p:txBody>
+      </p:sp>
+      <p:sp>
+        <p:nvSpPr>
+          <p:cNvPr id="10" name="文字方塊 9"/>
+          <p:cNvSpPr txBox="1"/>
+          <p:nvPr/>
+        </p:nvSpPr>
+        <p:spPr>
+          <a:xfrm>
+            <a:off x="5160696" y="2377914"/>
+            <a:ext cx="1053237" cy="369332"/>
+          </a:xfrm>
+          <a:prstGeom prst="rect">
+            <a:avLst/>
+          </a:prstGeom>
+          <a:noFill/>
+        </p:spPr>
+        <p:txBody>
+          <a:bodyPr wrap="none" rtlCol="0">
+            <a:spAutoFit/>
+          </a:bodyPr>
+          <a:lstStyle/>
+          <a:p>
+            <a:r>
+              <a:rPr kumimoji="1" lang="en-US" altLang="zh-TW" dirty="0" smtClean="0"/>
+              <a:t>Scan files</a:t>
+            </a:r>
+            <a:endParaRPr kumimoji="1" lang="zh-TW" altLang="en-US" dirty="0"/>
           </a:p>
         </p:txBody>
       </p:sp>
@@ -6168,82 +8450,27 @@
             <p:ph type="title"/>
           </p:nvPr>
         </p:nvSpPr>
-        <p:spPr/>
-        <p:txBody>
-          <a:bodyPr/>
-          <a:lstStyle/>
-          <a:p>
-            <a:r>
-              <a:rPr kumimoji="1" lang="zh-TW" altLang="en-US" dirty="0"/>
-              <a:t>轉</a:t>
-            </a:r>
-            <a:r>
-              <a:rPr kumimoji="1" lang="en-US" altLang="zh-TW" dirty="0"/>
-              <a:t>windows </a:t>
-            </a:r>
-            <a:r>
-              <a:rPr kumimoji="1" lang="en-US" altLang="zh-TW" dirty="0" smtClean="0"/>
-              <a:t>service</a:t>
-            </a:r>
-            <a:endParaRPr lang="zh-TW" altLang="en-US" dirty="0"/>
-          </a:p>
-        </p:txBody>
-      </p:sp>
-      <p:sp>
-        <p:nvSpPr>
-          <p:cNvPr id="7" name="內容版面配置區 6"/>
-          <p:cNvSpPr>
-            <a:spLocks noGrp="1"/>
-          </p:cNvSpPr>
-          <p:nvPr>
-            <p:ph idx="1"/>
-          </p:nvPr>
-        </p:nvSpPr>
         <p:spPr>
           <a:xfrm>
-            <a:off x="395536" y="1268760"/>
-            <a:ext cx="8229600" cy="4857403"/>
+            <a:off x="457200" y="260648"/>
+            <a:ext cx="8229600" cy="576064"/>
           </a:xfrm>
         </p:spPr>
         <p:txBody>
-          <a:bodyPr/>
-          <a:lstStyle/>
-          <a:p>
-            <a:r>
-              <a:rPr lang="zh-TW" altLang="en-US" dirty="0" smtClean="0"/>
-              <a:t>使用</a:t>
-            </a:r>
+          <a:bodyPr>
+            <a:normAutofit fontScale="90000"/>
+          </a:bodyPr>
+          <a:lstStyle/>
+          <a:p>
             <a:r>
               <a:rPr lang="en-US" altLang="zh-TW" dirty="0" smtClean="0"/>
-              <a:t>Yet </a:t>
-            </a:r>
-            <a:r>
-              <a:rPr lang="en-US" altLang="zh-TW" dirty="0"/>
-              <a:t>Another Java Service </a:t>
-            </a:r>
-            <a:r>
-              <a:rPr lang="en-US" altLang="zh-TW" dirty="0" smtClean="0"/>
-              <a:t>Wrapper</a:t>
-            </a:r>
-            <a:r>
-              <a:rPr lang="zh-TW" altLang="en-US" dirty="0" smtClean="0"/>
-              <a:t>將執行</a:t>
-            </a:r>
-            <a:r>
-              <a:rPr lang="en-US" altLang="zh-TW" dirty="0" smtClean="0"/>
-              <a:t>jar</a:t>
-            </a:r>
-            <a:r>
-              <a:rPr lang="zh-TW" altLang="en-US" dirty="0" smtClean="0"/>
-              <a:t>打包安裝成</a:t>
-            </a:r>
-            <a:r>
-              <a:rPr lang="en-US" altLang="zh-TW" dirty="0" smtClean="0"/>
-              <a:t>window service</a:t>
-            </a:r>
-          </a:p>
-          <a:p>
-            <a:endParaRPr lang="en-US" altLang="zh-TW" dirty="0"/>
+              <a:t>Files </a:t>
+            </a:r>
+            <a:r>
+              <a:rPr lang="en-US" altLang="zh-TW" dirty="0" err="1" smtClean="0"/>
+              <a:t>scaning</a:t>
+            </a:r>
+            <a:endParaRPr lang="zh-TW" altLang="en-US" dirty="0"/>
           </a:p>
         </p:txBody>
       </p:sp>
@@ -6326,7 +8553,7 @@
           </p:cNvPicPr>
           <p:nvPr/>
         </p:nvPicPr>
-        <p:blipFill rotWithShape="1">
+        <p:blipFill>
           <a:blip r:embed="rId2">
             <a:extLst>
               <a:ext uri="{28A0092B-C50C-407E-A947-70E740481C1C}">
@@ -6334,23 +8561,124 @@
               </a:ext>
             </a:extLst>
           </a:blip>
-          <a:srcRect r="39762"/>
-          <a:stretch/>
+          <a:stretch>
+            <a:fillRect/>
+          </a:stretch>
         </p:blipFill>
         <p:spPr>
           <a:xfrm>
-            <a:off x="179513" y="2715731"/>
-            <a:ext cx="8712968" cy="981730"/>
+            <a:off x="1043608" y="2852936"/>
+            <a:ext cx="7128792" cy="3484426"/>
           </a:xfrm>
           <a:prstGeom prst="rect">
             <a:avLst/>
           </a:prstGeom>
         </p:spPr>
       </p:pic>
+      <p:sp>
+        <p:nvSpPr>
+          <p:cNvPr id="3" name="文字方塊 2"/>
+          <p:cNvSpPr txBox="1"/>
+          <p:nvPr/>
+        </p:nvSpPr>
+        <p:spPr>
+          <a:xfrm>
+            <a:off x="1331640" y="1196752"/>
+            <a:ext cx="5817042" cy="1477328"/>
+          </a:xfrm>
+          <a:prstGeom prst="rect">
+            <a:avLst/>
+          </a:prstGeom>
+          <a:noFill/>
+        </p:spPr>
+        <p:txBody>
+          <a:bodyPr wrap="none" rtlCol="0">
+            <a:spAutoFit/>
+          </a:bodyPr>
+          <a:lstStyle/>
+          <a:p>
+            <a:pPr marL="342900" indent="-342900">
+              <a:buAutoNum type="arabicPeriod"/>
+            </a:pPr>
+            <a:r>
+              <a:rPr kumimoji="1" lang="en-US" altLang="zh-TW" dirty="0" smtClean="0"/>
+              <a:t>find line had key words “</a:t>
+            </a:r>
+            <a:r>
+              <a:rPr lang="en-US" altLang="zh-TW" dirty="0" err="1" smtClean="0"/>
+              <a:t>MCWrapper</a:t>
+            </a:r>
+            <a:r>
+              <a:rPr lang="en-US" altLang="zh-TW" dirty="0" smtClean="0"/>
+              <a:t> id”.</a:t>
+            </a:r>
+          </a:p>
+          <a:p>
+            <a:pPr marL="342900" indent="-342900">
+              <a:buAutoNum type="arabicPeriod"/>
+            </a:pPr>
+            <a:r>
+              <a:rPr kumimoji="1" lang="en-US" altLang="zh-TW" dirty="0" smtClean="0"/>
+              <a:t>Record thread name and start time and time </a:t>
+            </a:r>
+            <a:r>
+              <a:rPr kumimoji="1" lang="en-US" altLang="zh-TW" dirty="0" err="1" smtClean="0"/>
+              <a:t>inuse</a:t>
+            </a:r>
+            <a:r>
+              <a:rPr kumimoji="1" lang="en-US" altLang="zh-TW" dirty="0" smtClean="0"/>
+              <a:t>.</a:t>
+            </a:r>
+          </a:p>
+          <a:p>
+            <a:pPr marL="342900" indent="-342900">
+              <a:buAutoNum type="arabicPeriod"/>
+            </a:pPr>
+            <a:r>
+              <a:rPr kumimoji="1" lang="en-US" altLang="zh-TW" dirty="0" smtClean="0"/>
+              <a:t>Scan next each line find which start with “</a:t>
+            </a:r>
+            <a:r>
+              <a:rPr lang="en-US" altLang="zh-TW" dirty="0" err="1" smtClean="0"/>
+              <a:t>com.citibank</a:t>
+            </a:r>
+            <a:r>
+              <a:rPr lang="en-US" altLang="zh-TW" dirty="0" smtClean="0"/>
+              <a:t>.”.</a:t>
+            </a:r>
+          </a:p>
+          <a:p>
+            <a:pPr marL="342900" indent="-342900">
+              <a:buAutoNum type="arabicPeriod"/>
+            </a:pPr>
+            <a:r>
+              <a:rPr kumimoji="1" lang="en-US" altLang="zh-TW" dirty="0" smtClean="0"/>
+              <a:t>If found it, make it as </a:t>
+            </a:r>
+            <a:r>
+              <a:rPr kumimoji="1" lang="en-US" altLang="zh-TW" dirty="0"/>
+              <a:t>pending </a:t>
+            </a:r>
+            <a:r>
+              <a:rPr kumimoji="1" lang="en-US" altLang="zh-TW" dirty="0" smtClean="0"/>
+              <a:t>procedure.</a:t>
+            </a:r>
+          </a:p>
+          <a:p>
+            <a:pPr marL="342900" indent="-342900">
+              <a:buAutoNum type="arabicPeriod"/>
+            </a:pPr>
+            <a:r>
+              <a:rPr kumimoji="1" lang="en-US" altLang="zh-TW" dirty="0" smtClean="0"/>
+              <a:t>Continue scan until find next step1 keywords.</a:t>
+            </a:r>
+          </a:p>
+        </p:txBody>
+      </p:sp>
     </p:spTree>
     <p:extLst>
       <p:ext uri="{BB962C8B-B14F-4D97-AF65-F5344CB8AC3E}">
-        <p14:creationId xmlns:p14="http://schemas.microsoft.com/office/powerpoint/2010/main" val="1003271576"/>
+        <p14:creationId xmlns:p14="http://schemas.microsoft.com/office/powerpoint/2010/main" val="288157814"/>
       </p:ext>
     </p:extLst>
   </p:cSld>
@@ -6394,7 +8722,12 @@
             <p:ph type="title"/>
           </p:nvPr>
         </p:nvSpPr>
-        <p:spPr/>
+        <p:spPr>
+          <a:xfrm>
+            <a:off x="457200" y="260648"/>
+            <a:ext cx="8229600" cy="576064"/>
+          </a:xfrm>
+        </p:spPr>
         <p:txBody>
           <a:bodyPr>
             <a:normAutofit fontScale="90000"/>
@@ -6402,127 +8735,10 @@
           <a:lstStyle/>
           <a:p>
             <a:r>
-              <a:rPr kumimoji="1" lang="en-US" altLang="zh-TW" dirty="0" smtClean="0"/>
-              <a:t>How to install </a:t>
-            </a:r>
-            <a:r>
-              <a:rPr kumimoji="1" lang="en-US" altLang="zh-TW" dirty="0" smtClean="0"/>
-              <a:t>windows </a:t>
-            </a:r>
-            <a:r>
-              <a:rPr kumimoji="1" lang="en-US" altLang="zh-TW" dirty="0" smtClean="0"/>
-              <a:t>service</a:t>
+              <a:rPr lang="en-US" altLang="zh-TW" dirty="0" smtClean="0"/>
+              <a:t>Alert with pending</a:t>
             </a:r>
             <a:endParaRPr lang="zh-TW" altLang="en-US" dirty="0"/>
-          </a:p>
-        </p:txBody>
-      </p:sp>
-      <p:sp>
-        <p:nvSpPr>
-          <p:cNvPr id="7" name="內容版面配置區 6"/>
-          <p:cNvSpPr>
-            <a:spLocks noGrp="1"/>
-          </p:cNvSpPr>
-          <p:nvPr>
-            <p:ph idx="1"/>
-          </p:nvPr>
-        </p:nvSpPr>
-        <p:spPr>
-          <a:xfrm>
-            <a:off x="395536" y="1268760"/>
-            <a:ext cx="8229600" cy="4857403"/>
-          </a:xfrm>
-        </p:spPr>
-        <p:txBody>
-          <a:bodyPr/>
-          <a:lstStyle/>
-          <a:p>
-            <a:r>
-              <a:rPr lang="zh-TW" altLang="en-US" dirty="0" smtClean="0"/>
-              <a:t>打包出來的</a:t>
-            </a:r>
-            <a:r>
-              <a:rPr lang="en-US" altLang="zh-TW" dirty="0" smtClean="0"/>
-              <a:t>zip</a:t>
-            </a:r>
-            <a:r>
-              <a:rPr lang="zh-TW" altLang="en-US" dirty="0" smtClean="0"/>
-              <a:t>中會含有兩個</a:t>
-            </a:r>
-            <a:r>
-              <a:rPr lang="en-US" altLang="zh-TW" dirty="0"/>
-              <a:t>folder: App and </a:t>
-            </a:r>
-            <a:r>
-              <a:rPr lang="en-US" altLang="zh-TW" dirty="0" smtClean="0"/>
-              <a:t>yajsw-stable-12.11</a:t>
-            </a:r>
-          </a:p>
-          <a:p>
-            <a:r>
-              <a:rPr lang="zh-TW" altLang="en-US" dirty="0" smtClean="0"/>
-              <a:t>修改</a:t>
-            </a:r>
-            <a:r>
-              <a:rPr lang="en-US" altLang="zh-TW" dirty="0" err="1" smtClean="0"/>
-              <a:t>wrapper.conf</a:t>
-            </a:r>
-            <a:r>
-              <a:rPr lang="zh-TW" altLang="en-US" dirty="0" smtClean="0"/>
-              <a:t>檔，將</a:t>
-            </a:r>
-            <a:r>
-              <a:rPr lang="en-US" altLang="zh-TW" dirty="0" smtClean="0"/>
-              <a:t/>
-            </a:r>
-            <a:br>
-              <a:rPr lang="en-US" altLang="zh-TW" dirty="0" smtClean="0"/>
-            </a:br>
-            <a:r>
-              <a:rPr lang="en-US" altLang="zh-TW" dirty="0" err="1" smtClean="0"/>
-              <a:t>wrapper.working.dir</a:t>
-            </a:r>
-            <a:r>
-              <a:rPr lang="zh-TW" altLang="en-US" dirty="0" smtClean="0"/>
-              <a:t>對應的值修改為上述</a:t>
-            </a:r>
-            <a:r>
-              <a:rPr lang="en-US" altLang="zh-TW" dirty="0" smtClean="0"/>
-              <a:t>App folder</a:t>
-            </a:r>
-            <a:r>
-              <a:rPr lang="zh-TW" altLang="en-US" dirty="0" smtClean="0"/>
-              <a:t>的絕對位置。</a:t>
-            </a:r>
-            <a:r>
-              <a:rPr lang="en-US" altLang="zh-TW" dirty="0" smtClean="0"/>
-              <a:t/>
-            </a:r>
-            <a:br>
-              <a:rPr lang="en-US" altLang="zh-TW" dirty="0" smtClean="0"/>
-            </a:br>
-            <a:r>
-              <a:rPr lang="en-US" altLang="zh-TW" dirty="0" smtClean="0"/>
-              <a:t>Ex: </a:t>
-            </a:r>
-            <a:r>
-              <a:rPr lang="en-US" altLang="zh-TW" dirty="0" err="1" smtClean="0"/>
-              <a:t>wrapper.working.dir</a:t>
-            </a:r>
-            <a:r>
-              <a:rPr lang="en-US" altLang="zh-TW" dirty="0" smtClean="0"/>
-              <a:t>=C</a:t>
-            </a:r>
-            <a:r>
-              <a:rPr lang="en-US" altLang="zh-TW" dirty="0"/>
-              <a:t>:\\\\IISI\\\\APP\\\\</a:t>
-            </a:r>
-          </a:p>
-          <a:p>
-            <a:endParaRPr lang="en-US" altLang="zh-TW" dirty="0" smtClean="0"/>
-          </a:p>
-          <a:p>
-            <a:endParaRPr lang="en-US" altLang="zh-TW" dirty="0"/>
           </a:p>
         </p:txBody>
       </p:sp>
@@ -6597,9 +8813,89 @@
           </a:p>
         </p:txBody>
       </p:sp>
+      <p:sp>
+        <p:nvSpPr>
+          <p:cNvPr id="3" name="文字方塊 2"/>
+          <p:cNvSpPr txBox="1"/>
+          <p:nvPr/>
+        </p:nvSpPr>
+        <p:spPr>
+          <a:xfrm>
+            <a:off x="780713" y="2763265"/>
+            <a:ext cx="6925807" cy="1477328"/>
+          </a:xfrm>
+          <a:prstGeom prst="rect">
+            <a:avLst/>
+          </a:prstGeom>
+          <a:noFill/>
+        </p:spPr>
+        <p:txBody>
+          <a:bodyPr wrap="none" rtlCol="0">
+            <a:spAutoFit/>
+          </a:bodyPr>
+          <a:lstStyle/>
+          <a:p>
+            <a:pPr marL="342900" indent="-342900">
+              <a:buAutoNum type="arabicPeriod"/>
+            </a:pPr>
+            <a:r>
+              <a:rPr kumimoji="1" lang="en-US" altLang="zh-TW" dirty="0" smtClean="0"/>
+              <a:t>After scanning files will got all pending procedure and pending time.</a:t>
+            </a:r>
+          </a:p>
+          <a:p>
+            <a:pPr marL="342900" indent="-342900">
+              <a:buAutoNum type="arabicPeriod"/>
+            </a:pPr>
+            <a:r>
+              <a:rPr kumimoji="1" lang="en-US" altLang="zh-TW" dirty="0" smtClean="0"/>
+              <a:t>Compare </a:t>
+            </a:r>
+            <a:r>
+              <a:rPr lang="en-US" altLang="zh-TW" dirty="0" err="1" smtClean="0"/>
+              <a:t>allowPendingLimit</a:t>
+            </a:r>
+            <a:r>
+              <a:rPr lang="en-US" altLang="zh-TW" dirty="0" smtClean="0"/>
+              <a:t> with all number of pending if over it,</a:t>
+            </a:r>
+            <a:br>
+              <a:rPr lang="en-US" altLang="zh-TW" dirty="0" smtClean="0"/>
+            </a:br>
+            <a:r>
+              <a:rPr lang="en-US" altLang="zh-TW" dirty="0" smtClean="0"/>
+              <a:t>will send alert mail.</a:t>
+            </a:r>
+          </a:p>
+          <a:p>
+            <a:pPr marL="342900" indent="-342900">
+              <a:buAutoNum type="arabicPeriod"/>
+            </a:pPr>
+            <a:r>
+              <a:rPr lang="en-US" altLang="zh-TW" dirty="0" smtClean="0"/>
+              <a:t>Compare </a:t>
+            </a:r>
+            <a:r>
+              <a:rPr lang="en-US" altLang="zh-TW" dirty="0" err="1" smtClean="0"/>
+              <a:t>allowPendingTimeLimit</a:t>
+            </a:r>
+            <a:r>
+              <a:rPr lang="en-US" altLang="zh-TW" dirty="0" smtClean="0"/>
+              <a:t> with each pending time, if over it,</a:t>
+            </a:r>
+            <a:br>
+              <a:rPr lang="en-US" altLang="zh-TW" dirty="0" smtClean="0"/>
+            </a:br>
+            <a:r>
+              <a:rPr lang="en-US" altLang="zh-TW" dirty="0" smtClean="0"/>
+              <a:t>will send alert mail.</a:t>
+            </a:r>
+          </a:p>
+        </p:txBody>
+      </p:sp>
       <p:pic>
         <p:nvPicPr>
-          <p:cNvPr id="8" name="圖片 7"/>
+          <p:cNvPr id="7" name="圖片 6"/>
           <p:cNvPicPr>
             <a:picLocks noChangeAspect="1"/>
           </p:cNvPicPr>
@@ -6619,18 +8915,72 @@
         </p:blipFill>
         <p:spPr>
           <a:xfrm>
-            <a:off x="755576" y="4077072"/>
-            <a:ext cx="4355976" cy="1818100"/>
+            <a:off x="761256" y="1628800"/>
+            <a:ext cx="7621488" cy="888218"/>
           </a:xfrm>
           <a:prstGeom prst="rect">
             <a:avLst/>
           </a:prstGeom>
         </p:spPr>
       </p:pic>
+      <p:sp>
+        <p:nvSpPr>
+          <p:cNvPr id="8" name="文字方塊 7"/>
+          <p:cNvSpPr txBox="1"/>
+          <p:nvPr/>
+        </p:nvSpPr>
+        <p:spPr>
+          <a:xfrm>
+            <a:off x="778215" y="1141302"/>
+            <a:ext cx="4159985" cy="369332"/>
+          </a:xfrm>
+          <a:prstGeom prst="rect">
+            <a:avLst/>
+          </a:prstGeom>
+          <a:noFill/>
+        </p:spPr>
+        <p:txBody>
+          <a:bodyPr wrap="none" rtlCol="0">
+            <a:spAutoFit/>
+          </a:bodyPr>
+          <a:lstStyle/>
+          <a:p>
+            <a:pPr marL="342900" marR="0" lvl="0" indent="-342900" defTabSz="914400" eaLnBrk="1" fontAlgn="auto" latinLnBrk="0" hangingPunct="1">
+              <a:lnSpc>
+                <a:spcPct val="100000"/>
+              </a:lnSpc>
+              <a:spcBef>
+                <a:spcPts val="0"/>
+              </a:spcBef>
+              <a:spcAft>
+                <a:spcPts val="0"/>
+              </a:spcAft>
+              <a:buClrTx/>
+              <a:buSzTx/>
+              <a:buFontTx/>
+              <a:buNone/>
+              <a:tabLst/>
+              <a:defRPr/>
+            </a:pPr>
+            <a:r>
+              <a:rPr kumimoji="1" lang="en-US" altLang="zh-TW" dirty="0" smtClean="0"/>
+              <a:t>Pending allow setting in </a:t>
+            </a:r>
+            <a:r>
+              <a:rPr kumimoji="1" lang="en-US" altLang="zh-TW" dirty="0" err="1" smtClean="0"/>
+              <a:t>Config.properties</a:t>
+            </a:r>
+            <a:r>
+              <a:rPr kumimoji="1" lang="en-US" altLang="zh-TW" dirty="0" smtClean="0"/>
+              <a:t>:</a:t>
+            </a:r>
+          </a:p>
+        </p:txBody>
+      </p:sp>
     </p:spTree>
     <p:extLst>
       <p:ext uri="{BB962C8B-B14F-4D97-AF65-F5344CB8AC3E}">
-        <p14:creationId xmlns:p14="http://schemas.microsoft.com/office/powerpoint/2010/main" val="1253622389"/>
+        <p14:creationId xmlns:p14="http://schemas.microsoft.com/office/powerpoint/2010/main" val="215126235"/>
       </p:ext>
     </p:extLst>
   </p:cSld>
@@ -6674,7 +9024,12 @@
             <p:ph type="title"/>
           </p:nvPr>
         </p:nvSpPr>
-        <p:spPr/>
+        <p:spPr>
+          <a:xfrm>
+            <a:off x="457200" y="836712"/>
+            <a:ext cx="8229600" cy="576064"/>
+          </a:xfrm>
+        </p:spPr>
         <p:txBody>
           <a:bodyPr>
             <a:normAutofit fontScale="90000"/>
@@ -6682,107 +9037,14 @@
           <a:lstStyle/>
           <a:p>
             <a:r>
-              <a:rPr kumimoji="1" lang="en-US" altLang="zh-TW" dirty="0" smtClean="0"/>
-              <a:t>How to install </a:t>
-            </a:r>
-            <a:r>
-              <a:rPr kumimoji="1" lang="en-US" altLang="zh-TW" dirty="0" smtClean="0"/>
-              <a:t>windows </a:t>
-            </a:r>
-            <a:r>
-              <a:rPr kumimoji="1" lang="en-US" altLang="zh-TW" dirty="0" smtClean="0"/>
-              <a:t>service</a:t>
+              <a:rPr lang="en-US" altLang="zh-TW" dirty="0"/>
+              <a:t>customize scanning setting from </a:t>
+            </a:r>
+            <a:r>
+              <a:rPr lang="en-US" altLang="zh-TW" dirty="0" err="1"/>
+              <a:t>config.properties</a:t>
             </a:r>
             <a:endParaRPr lang="zh-TW" altLang="en-US" dirty="0"/>
-          </a:p>
-        </p:txBody>
-      </p:sp>
-      <p:sp>
-        <p:nvSpPr>
-          <p:cNvPr id="7" name="內容版面配置區 6"/>
-          <p:cNvSpPr>
-            <a:spLocks noGrp="1"/>
-          </p:cNvSpPr>
-          <p:nvPr>
-            <p:ph idx="1"/>
-          </p:nvPr>
-        </p:nvSpPr>
-        <p:spPr>
-          <a:xfrm>
-            <a:off x="395536" y="1268760"/>
-            <a:ext cx="8229600" cy="4857403"/>
-          </a:xfrm>
-        </p:spPr>
-        <p:txBody>
-          <a:bodyPr/>
-          <a:lstStyle/>
-          <a:p>
-            <a:r>
-              <a:rPr lang="zh-TW" altLang="en-US" dirty="0" smtClean="0"/>
-              <a:t>執行</a:t>
-            </a:r>
-            <a:r>
-              <a:rPr lang="en-US" altLang="zh-TW" dirty="0" smtClean="0"/>
-              <a:t>yajsw-stable-12.11/bat/</a:t>
-            </a:r>
-            <a:r>
-              <a:rPr lang="en-US" altLang="zh-TW" dirty="0" err="1" smtClean="0"/>
-              <a:t>installService.bat</a:t>
-            </a:r>
-            <a:r>
-              <a:rPr lang="zh-TW" altLang="en-US" dirty="0" smtClean="0"/>
-              <a:t>，就會於該系統安裝</a:t>
-            </a:r>
-            <a:r>
-              <a:rPr lang="en-US" altLang="zh-TW" dirty="0" smtClean="0"/>
-              <a:t>service</a:t>
-            </a:r>
-            <a:r>
-              <a:rPr lang="zh-TW" altLang="en-US" dirty="0" smtClean="0"/>
-              <a:t>。</a:t>
-            </a:r>
-            <a:endParaRPr lang="en-US" altLang="zh-TW" dirty="0" smtClean="0"/>
-          </a:p>
-          <a:p>
-            <a:r>
-              <a:rPr lang="zh-TW" altLang="en-US" dirty="0" smtClean="0"/>
-              <a:t>後續要移除即執行上述資料夾中</a:t>
-            </a:r>
-            <a:r>
-              <a:rPr lang="en-US" altLang="zh-TW" dirty="0" err="1" smtClean="0"/>
-              <a:t>uninstallService.bat</a:t>
-            </a:r>
-            <a:r>
-              <a:rPr lang="zh-TW" altLang="en-US" dirty="0" smtClean="0"/>
-              <a:t>即可。</a:t>
-            </a:r>
-            <a:endParaRPr lang="en-US" altLang="zh-TW" dirty="0" smtClean="0"/>
-          </a:p>
-          <a:p>
-            <a:r>
-              <a:rPr lang="zh-TW" altLang="en-US" dirty="0" smtClean="0"/>
-              <a:t>註：必須具有</a:t>
-            </a:r>
-            <a:r>
-              <a:rPr lang="en-US" altLang="zh-TW" dirty="0" smtClean="0"/>
-              <a:t>administrator</a:t>
-            </a:r>
-            <a:r>
-              <a:rPr lang="zh-TW" altLang="en-US" dirty="0" smtClean="0"/>
-              <a:t>權限，及</a:t>
-            </a:r>
-            <a:r>
-              <a:rPr lang="en-US" altLang="zh-TW" dirty="0" smtClean="0"/>
-              <a:t>App folder</a:t>
-            </a:r>
-            <a:r>
-              <a:rPr lang="zh-TW" altLang="en-US" dirty="0" smtClean="0"/>
-              <a:t>必須置於本地磁碟空間。</a:t>
-            </a:r>
-            <a:endParaRPr lang="en-US" altLang="zh-TW" dirty="0" smtClean="0"/>
-          </a:p>
-          <a:p>
-            <a:endParaRPr lang="en-US" altLang="zh-TW" dirty="0"/>
           </a:p>
         </p:txBody>
       </p:sp>
@@ -6857,10 +9119,111 @@
           </a:p>
         </p:txBody>
       </p:sp>
+      <p:sp>
+        <p:nvSpPr>
+          <p:cNvPr id="3" name="文字方塊 2"/>
+          <p:cNvSpPr txBox="1"/>
+          <p:nvPr/>
+        </p:nvSpPr>
+        <p:spPr>
+          <a:xfrm>
+            <a:off x="611560" y="3717032"/>
+            <a:ext cx="8468537" cy="923330"/>
+          </a:xfrm>
+          <a:prstGeom prst="rect">
+            <a:avLst/>
+          </a:prstGeom>
+          <a:noFill/>
+        </p:spPr>
+        <p:txBody>
+          <a:bodyPr wrap="none" rtlCol="0">
+            <a:spAutoFit/>
+          </a:bodyPr>
+          <a:lstStyle/>
+          <a:p>
+            <a:pPr marL="342900" indent="-342900">
+              <a:buAutoNum type="arabicPeriod"/>
+            </a:pPr>
+            <a:r>
+              <a:rPr kumimoji="1" lang="en-US" altLang="zh-TW" dirty="0" smtClean="0"/>
+              <a:t>Files scanning each line and use regular express mapping.</a:t>
+            </a:r>
+          </a:p>
+          <a:p>
+            <a:pPr marL="342900" indent="-342900">
+              <a:buAutoNum type="arabicPeriod"/>
+            </a:pPr>
+            <a:r>
+              <a:rPr kumimoji="1" lang="en-US" altLang="zh-TW" dirty="0" smtClean="0"/>
+              <a:t>Counting all match line and compare with </a:t>
+            </a:r>
+            <a:r>
+              <a:rPr kumimoji="1" lang="en-US" altLang="zh-TW" dirty="0" err="1" smtClean="0"/>
+              <a:t>allowCount</a:t>
+            </a:r>
+            <a:r>
+              <a:rPr kumimoji="1" lang="en-US" altLang="zh-TW" dirty="0" smtClean="0"/>
+              <a:t> setting from </a:t>
+            </a:r>
+            <a:r>
+              <a:rPr kumimoji="1" lang="en-US" altLang="zh-TW" dirty="0" err="1" smtClean="0"/>
+              <a:t>config.properties</a:t>
+            </a:r>
+            <a:r>
+              <a:rPr kumimoji="1" lang="en-US" altLang="zh-TW" dirty="0" smtClean="0"/>
+              <a:t>.</a:t>
+            </a:r>
+          </a:p>
+          <a:p>
+            <a:pPr marL="342900" indent="-342900">
+              <a:buAutoNum type="arabicPeriod"/>
+            </a:pPr>
+            <a:r>
+              <a:rPr kumimoji="1" lang="en-US" altLang="zh-TW" dirty="0" smtClean="0"/>
+              <a:t>List </a:t>
+            </a:r>
+            <a:r>
+              <a:rPr kumimoji="1" lang="en-US" altLang="zh-TW" dirty="0"/>
+              <a:t>all lines contains keywords.</a:t>
+            </a:r>
+            <a:endParaRPr kumimoji="1" lang="en-US" altLang="zh-TW" dirty="0" smtClean="0"/>
+          </a:p>
+        </p:txBody>
+      </p:sp>
+      <p:pic>
+        <p:nvPicPr>
+          <p:cNvPr id="8" name="圖片 7"/>
+          <p:cNvPicPr>
+            <a:picLocks noChangeAspect="1"/>
+          </p:cNvPicPr>
+          <p:nvPr/>
+        </p:nvPicPr>
+        <p:blipFill>
+          <a:blip r:embed="rId2">
+            <a:extLst>
+              <a:ext uri="{28A0092B-C50C-407E-A947-70E740481C1C}">
+                <a14:useLocalDpi xmlns:a14="http://schemas.microsoft.com/office/drawing/2010/main" val="0"/>
+              </a:ext>
+            </a:extLst>
+          </a:blip>
+          <a:stretch>
+            <a:fillRect/>
+          </a:stretch>
+        </p:blipFill>
+        <p:spPr>
+          <a:xfrm>
+            <a:off x="1404142" y="1950097"/>
+            <a:ext cx="6156176" cy="1551291"/>
+          </a:xfrm>
+          <a:prstGeom prst="rect">
+            <a:avLst/>
+          </a:prstGeom>
+        </p:spPr>
+      </p:pic>
     </p:spTree>
     <p:extLst>
       <p:ext uri="{BB962C8B-B14F-4D97-AF65-F5344CB8AC3E}">
-        <p14:creationId xmlns:p14="http://schemas.microsoft.com/office/powerpoint/2010/main" val="983602667"/>
+        <p14:creationId xmlns:p14="http://schemas.microsoft.com/office/powerpoint/2010/main" val="2054870579"/>
       </p:ext>
     </p:extLst>
   </p:cSld>
@@ -6904,7 +9267,12 @@
             <p:ph type="title"/>
           </p:nvPr>
         </p:nvSpPr>
-        <p:spPr/>
+        <p:spPr>
+          <a:xfrm>
+            <a:off x="464677" y="692696"/>
+            <a:ext cx="8229600" cy="576064"/>
+          </a:xfrm>
+        </p:spPr>
         <p:txBody>
           <a:bodyPr>
             <a:normAutofit fontScale="90000"/>
@@ -6912,150 +9280,10 @@
           <a:lstStyle/>
           <a:p>
             <a:r>
-              <a:rPr kumimoji="1" lang="en-US" altLang="zh-TW" dirty="0" smtClean="0"/>
-              <a:t>How to </a:t>
-            </a:r>
-            <a:r>
-              <a:rPr kumimoji="1" lang="en-US" altLang="zh-TW" dirty="0" err="1" smtClean="0"/>
-              <a:t>Config</a:t>
-            </a:r>
-            <a:r>
-              <a:rPr kumimoji="1" lang="en-US" altLang="zh-TW" dirty="0" smtClean="0"/>
-              <a:t> </a:t>
-            </a:r>
-            <a:r>
-              <a:rPr kumimoji="1" lang="en-US" altLang="zh-TW" dirty="0" err="1" smtClean="0"/>
-              <a:t>TraceLog</a:t>
-            </a:r>
-            <a:r>
-              <a:rPr kumimoji="1" lang="en-US" altLang="zh-TW" dirty="0" smtClean="0"/>
-              <a:t> in WAS</a:t>
+              <a:rPr lang="en-US" altLang="zh-TW" dirty="0"/>
+              <a:t>After Recovery </a:t>
             </a:r>
             <a:endParaRPr lang="zh-TW" altLang="en-US" dirty="0"/>
-          </a:p>
-        </p:txBody>
-      </p:sp>
-      <p:sp>
-        <p:nvSpPr>
-          <p:cNvPr id="7" name="內容版面配置區 6"/>
-          <p:cNvSpPr>
-            <a:spLocks noGrp="1"/>
-          </p:cNvSpPr>
-          <p:nvPr>
-            <p:ph idx="1"/>
-          </p:nvPr>
-        </p:nvSpPr>
-        <p:spPr>
-          <a:xfrm>
-            <a:off x="445840" y="1052736"/>
-            <a:ext cx="8229600" cy="5251499"/>
-          </a:xfrm>
-        </p:spPr>
-        <p:txBody>
-          <a:bodyPr>
-            <a:normAutofit fontScale="85000" lnSpcReduction="10000"/>
-          </a:bodyPr>
-          <a:lstStyle/>
-          <a:p>
-            <a:r>
-              <a:rPr lang="en-US" altLang="zh-TW" sz="2000" dirty="0" smtClean="0"/>
-              <a:t>Path:</a:t>
-            </a:r>
-            <a:br>
-              <a:rPr lang="en-US" altLang="zh-TW" sz="2000" dirty="0" smtClean="0"/>
-            </a:br>
-            <a:r>
-              <a:rPr lang="en-US" altLang="zh-TW" sz="2000" dirty="0" smtClean="0"/>
-              <a:t>On </a:t>
-            </a:r>
-            <a:r>
-              <a:rPr lang="en-US" altLang="zh-TW" sz="2000" dirty="0"/>
-              <a:t>the left expand "Troubleshooting" --&gt; Logs and Traces --&gt;server1 --&gt; Diagnostic </a:t>
-            </a:r>
-            <a:r>
-              <a:rPr lang="en-US" altLang="zh-TW" sz="2000" dirty="0" smtClean="0"/>
-              <a:t>Trace</a:t>
-            </a:r>
-          </a:p>
-          <a:p>
-            <a:endParaRPr lang="en-US" altLang="zh-TW" sz="2000" dirty="0"/>
-          </a:p>
-          <a:p>
-            <a:endParaRPr lang="en-US" altLang="zh-TW" sz="2000" dirty="0" smtClean="0"/>
-          </a:p>
-          <a:p>
-            <a:endParaRPr lang="en-US" altLang="zh-TW" dirty="0"/>
-          </a:p>
-          <a:p>
-            <a:endParaRPr lang="en-US" altLang="zh-TW" dirty="0" smtClean="0"/>
-          </a:p>
-          <a:p>
-            <a:endParaRPr lang="en-US" altLang="zh-TW" dirty="0"/>
-          </a:p>
-          <a:p>
-            <a:endParaRPr lang="en-US" altLang="zh-TW" dirty="0" smtClean="0"/>
-          </a:p>
-          <a:p>
-            <a:endParaRPr lang="en-US" altLang="zh-TW" dirty="0" smtClean="0"/>
-          </a:p>
-          <a:p>
-            <a:endParaRPr lang="en-US" altLang="zh-TW" dirty="0"/>
-          </a:p>
-          <a:p>
-            <a:endParaRPr lang="en-US" altLang="zh-TW" dirty="0" smtClean="0"/>
-          </a:p>
-          <a:p>
-            <a:endParaRPr lang="en-US" altLang="zh-TW" dirty="0"/>
-          </a:p>
-          <a:p>
-            <a:r>
-              <a:rPr lang="en-US" altLang="zh-TW" dirty="0" smtClean="0"/>
-              <a:t>Make sure file place folder is same with </a:t>
-            </a:r>
-            <a:r>
-              <a:rPr lang="en-US" altLang="zh-TW" dirty="0" err="1" smtClean="0"/>
-              <a:t>config.properties</a:t>
-            </a:r>
-            <a:endParaRPr lang="en-US" altLang="zh-TW" dirty="0"/>
-          </a:p>
-          <a:p>
-            <a:r>
-              <a:rPr lang="zh-TW" altLang="en-US" sz="1200" dirty="0" smtClean="0"/>
-              <a:t>參考</a:t>
-            </a:r>
-            <a:r>
-              <a:rPr lang="zh-TW" altLang="en-US" sz="1200" dirty="0" smtClean="0"/>
-              <a:t>資料</a:t>
-            </a:r>
-            <a:r>
-              <a:rPr lang="en-US" altLang="zh-TW" sz="1200" dirty="0"/>
-              <a:t/>
-            </a:r>
-            <a:br>
-              <a:rPr lang="en-US" altLang="zh-TW" sz="1200" dirty="0"/>
-            </a:br>
-            <a:r>
-              <a:rPr lang="en-US" altLang="zh-TW" sz="1200" dirty="0">
-                <a:hlinkClick r:id="rId2"/>
-              </a:rPr>
-              <a:t>http://</a:t>
-            </a:r>
-            <a:r>
-              <a:rPr lang="en-US" altLang="zh-TW" sz="1200" dirty="0" smtClean="0">
-                <a:hlinkClick r:id="rId2"/>
-              </a:rPr>
-              <a:t>www-01.ibm.com/support/docview.wss?uid=swg21902513</a:t>
-            </a:r>
-            <a:endParaRPr lang="en-US" altLang="zh-TW" sz="1200" dirty="0" smtClean="0"/>
-          </a:p>
-          <a:p>
-            <a:endParaRPr lang="en-US" altLang="zh-TW" dirty="0" smtClean="0"/>
-          </a:p>
-          <a:p>
-            <a:endParaRPr lang="en-US" altLang="zh-TW" dirty="0" smtClean="0"/>
-          </a:p>
-          <a:p>
-            <a:endParaRPr lang="en-US" altLang="zh-TW" dirty="0"/>
           </a:p>
         </p:txBody>
       </p:sp>
@@ -7127,6 +9355,95 @@
               <a:t>9</a:t>
             </a:fld>
             <a:endParaRPr lang="zh-TW" altLang="en-US" dirty="0"/>
+          </a:p>
+        </p:txBody>
+      </p:sp>
+      <p:sp>
+        <p:nvSpPr>
+          <p:cNvPr id="3" name="文字方塊 2"/>
+          <p:cNvSpPr txBox="1"/>
+          <p:nvPr/>
+        </p:nvSpPr>
+        <p:spPr>
+          <a:xfrm>
+            <a:off x="873097" y="1585787"/>
+            <a:ext cx="7821180" cy="646331"/>
+          </a:xfrm>
+          <a:prstGeom prst="rect">
+            <a:avLst/>
+          </a:prstGeom>
+          <a:noFill/>
+        </p:spPr>
+        <p:txBody>
+          <a:bodyPr wrap="none" rtlCol="0">
+            <a:spAutoFit/>
+          </a:bodyPr>
+          <a:lstStyle/>
+          <a:p>
+            <a:pPr marL="342900" lvl="0" indent="-342900"/>
+            <a:r>
+              <a:rPr kumimoji="1" lang="en-US" altLang="zh-TW" dirty="0"/>
+              <a:t>When every over allow pending happened, if next scan is not over allow number, </a:t>
+            </a:r>
+            <a:endParaRPr kumimoji="1" lang="en-US" altLang="zh-TW" dirty="0" smtClean="0"/>
+          </a:p>
+          <a:p>
+            <a:pPr marL="342900" lvl="0" indent="-342900"/>
+            <a:r>
+              <a:rPr kumimoji="1" lang="en-US" altLang="zh-TW" dirty="0" smtClean="0"/>
+              <a:t>service </a:t>
+            </a:r>
+            <a:r>
+              <a:rPr kumimoji="1" lang="en-US" altLang="zh-TW" dirty="0"/>
+              <a:t>will send recovery mail to notify system is back to normal.</a:t>
+            </a:r>
+            <a:endParaRPr kumimoji="1" lang="en-US" altLang="zh-TW" dirty="0" smtClean="0"/>
+          </a:p>
+        </p:txBody>
+      </p:sp>
+      <p:sp>
+        <p:nvSpPr>
+          <p:cNvPr id="9" name="標題 5"/>
+          <p:cNvSpPr txBox="1">
+            <a:spLocks/>
+          </p:cNvSpPr>
+          <p:nvPr/>
+        </p:nvSpPr>
+        <p:spPr>
+          <a:xfrm>
+            <a:off x="179512" y="2636912"/>
+            <a:ext cx="8229600" cy="576064"/>
+          </a:xfrm>
+          <a:prstGeom prst="rect">
+            <a:avLst/>
+          </a:prstGeom>
+        </p:spPr>
+        <p:txBody>
+          <a:bodyPr vert="horz" lIns="91440" tIns="45720" rIns="91440" bIns="45720" rtlCol="0" anchor="ctr">
+            <a:noAutofit/>
+          </a:bodyPr>
+          <a:lstStyle>
+            <a:lvl1pPr algn="ctr" defTabSz="914400" rtl="0" eaLnBrk="1" latinLnBrk="0" hangingPunct="1">
+              <a:spcBef>
+                <a:spcPct val="0"/>
+              </a:spcBef>
+              <a:buNone/>
+              <a:defRPr sz="4400" b="1" kern="1200">
+                <a:solidFill>
+                  <a:srgbClr val="C00000"/>
+                </a:solidFill>
+                <a:latin typeface="微軟正黑體" pitchFamily="34" charset="-120"/>
+                <a:ea typeface="微軟正黑體" pitchFamily="34" charset="-120"/>
+                <a:cs typeface="+mj-cs"/>
+              </a:defRPr>
+            </a:lvl1pPr>
+          </a:lstStyle>
+          <a:p>
+            <a:r>
+              <a:rPr lang="en-US" altLang="zh-TW" sz="4000" smtClean="0"/>
+              <a:t>Polite mode</a:t>
+            </a:r>
+            <a:endParaRPr lang="zh-TW" altLang="en-US" sz="4000" dirty="0"/>
           </a:p>
         </p:txBody>
       </p:sp>
@@ -7139,7 +9456,7 @@
           <p:nvPr/>
         </p:nvPicPr>
         <p:blipFill>
-          <a:blip r:embed="rId3">
+          <a:blip r:embed="rId2">
             <a:extLst>
               <a:ext uri="{28A0092B-C50C-407E-A947-70E740481C1C}">
                 <a14:useLocalDpi xmlns:a14="http://schemas.microsoft.com/office/drawing/2010/main" val="0"/>
@@ -7152,18 +9469,146 @@
         </p:blipFill>
         <p:spPr>
           <a:xfrm>
-            <a:off x="755576" y="1844824"/>
-            <a:ext cx="5631702" cy="3289159"/>
+            <a:off x="574547" y="3485827"/>
+            <a:ext cx="8135888" cy="436451"/>
           </a:xfrm>
           <a:prstGeom prst="rect">
             <a:avLst/>
           </a:prstGeom>
         </p:spPr>
       </p:pic>
+      <p:sp>
+        <p:nvSpPr>
+          <p:cNvPr id="10" name="文字方塊 9"/>
+          <p:cNvSpPr txBox="1"/>
+          <p:nvPr/>
+        </p:nvSpPr>
+        <p:spPr>
+          <a:xfrm>
+            <a:off x="610005" y="4199880"/>
+            <a:ext cx="8542723" cy="923330"/>
+          </a:xfrm>
+          <a:prstGeom prst="rect">
+            <a:avLst/>
+          </a:prstGeom>
+          <a:noFill/>
+        </p:spPr>
+        <p:txBody>
+          <a:bodyPr wrap="none" rtlCol="0">
+            <a:spAutoFit/>
+          </a:bodyPr>
+          <a:lstStyle/>
+          <a:p>
+            <a:r>
+              <a:rPr kumimoji="1" lang="zh-TW" altLang="en-US" dirty="0" smtClean="0"/>
+              <a:t>當該</a:t>
+            </a:r>
+            <a:r>
+              <a:rPr kumimoji="1" lang="en-US" altLang="zh-TW" dirty="0" smtClean="0"/>
+              <a:t>flag</a:t>
+            </a:r>
+            <a:r>
+              <a:rPr kumimoji="1" lang="zh-TW" altLang="en-US" dirty="0" smtClean="0"/>
+              <a:t>設置為</a:t>
+            </a:r>
+            <a:r>
+              <a:rPr kumimoji="1" lang="en-US" altLang="zh-TW" dirty="0" smtClean="0"/>
+              <a:t>true</a:t>
+            </a:r>
+            <a:r>
+              <a:rPr kumimoji="1" lang="zh-TW" altLang="en-US" dirty="0" smtClean="0"/>
+              <a:t>，當</a:t>
+            </a:r>
+            <a:r>
+              <a:rPr kumimoji="1" lang="en-US" altLang="zh-TW" dirty="0" smtClean="0"/>
+              <a:t>pending</a:t>
+            </a:r>
+            <a:r>
+              <a:rPr kumimoji="1" lang="zh-TW" altLang="en-US" dirty="0" smtClean="0"/>
+              <a:t>情況發生，下一次掃描會檢查該次</a:t>
+            </a:r>
+            <a:r>
+              <a:rPr kumimoji="1" lang="en-US" altLang="zh-TW" dirty="0" smtClean="0"/>
+              <a:t>pending</a:t>
+            </a:r>
+            <a:r>
+              <a:rPr kumimoji="1" lang="zh-TW" altLang="en-US" dirty="0" smtClean="0"/>
+              <a:t>數量</a:t>
+            </a:r>
+            <a:r>
+              <a:rPr kumimoji="1" lang="en-US" altLang="zh-TW" dirty="0" smtClean="0"/>
+              <a:t>/</a:t>
+            </a:r>
+            <a:r>
+              <a:rPr kumimoji="1" lang="zh-TW" altLang="en-US" dirty="0" smtClean="0"/>
+              <a:t>時間</a:t>
+            </a:r>
+            <a:endParaRPr kumimoji="1" lang="en-US" altLang="zh-TW" dirty="0" smtClean="0"/>
+          </a:p>
+          <a:p>
+            <a:r>
+              <a:rPr kumimoji="1" lang="zh-TW" altLang="en-US" dirty="0" smtClean="0"/>
+              <a:t>與上次寄出</a:t>
+            </a:r>
+            <a:r>
+              <a:rPr kumimoji="1" lang="en-US" altLang="zh-TW" dirty="0" smtClean="0"/>
+              <a:t>alert mail</a:t>
+            </a:r>
+            <a:r>
+              <a:rPr kumimoji="1" lang="zh-TW" altLang="en-US" dirty="0" smtClean="0"/>
+              <a:t>時的數量</a:t>
+            </a:r>
+            <a:r>
+              <a:rPr kumimoji="1" lang="en-US" altLang="zh-TW" dirty="0" smtClean="0"/>
+              <a:t>/</a:t>
+            </a:r>
+            <a:r>
+              <a:rPr kumimoji="1" lang="zh-TW" altLang="en-US" dirty="0" smtClean="0"/>
+              <a:t>時間有無超過</a:t>
+            </a:r>
+            <a:r>
+              <a:rPr kumimoji="1" lang="en-US" altLang="zh-TW" dirty="0" smtClean="0"/>
+              <a:t>10%</a:t>
+            </a:r>
+            <a:r>
+              <a:rPr kumimoji="1" lang="zh-TW" altLang="en-US" dirty="0" smtClean="0"/>
+              <a:t>，若有則才會再次發送</a:t>
+            </a:r>
+            <a:r>
+              <a:rPr kumimoji="1" lang="en-US" altLang="zh-TW" dirty="0" smtClean="0"/>
+              <a:t>alert mail</a:t>
+            </a:r>
+            <a:r>
+              <a:rPr kumimoji="1" lang="zh-TW" altLang="en-US" dirty="0" smtClean="0"/>
+              <a:t>。</a:t>
+            </a:r>
+            <a:endParaRPr kumimoji="1" lang="en-US" altLang="zh-TW" dirty="0" smtClean="0"/>
+          </a:p>
+          <a:p>
+            <a:r>
+              <a:rPr kumimoji="1" lang="en-US" altLang="zh-TW" dirty="0" smtClean="0"/>
+              <a:t>* </a:t>
+            </a:r>
+            <a:r>
+              <a:rPr kumimoji="1" lang="zh-TW" altLang="en-US" dirty="0" smtClean="0"/>
+              <a:t>若上次寄送</a:t>
+            </a:r>
+            <a:r>
+              <a:rPr kumimoji="1" lang="en-US" altLang="zh-TW" dirty="0" smtClean="0"/>
+              <a:t>alert mail</a:t>
+            </a:r>
+            <a:r>
+              <a:rPr kumimoji="1" lang="zh-TW" altLang="en-US" dirty="0" smtClean="0"/>
+              <a:t>時間點為前日，則會無視前項規則發送。</a:t>
+            </a:r>
+            <a:endParaRPr kumimoji="1" lang="zh-TW" altLang="en-US" dirty="0"/>
+          </a:p>
+        </p:txBody>
+      </p:sp>
     </p:spTree>
     <p:extLst>
       <p:ext uri="{BB962C8B-B14F-4D97-AF65-F5344CB8AC3E}">
-        <p14:creationId xmlns:p14="http://schemas.microsoft.com/office/powerpoint/2010/main" val="27000461"/>
+        <p14:creationId xmlns:p14="http://schemas.microsoft.com/office/powerpoint/2010/main" val="1529431581"/>
       </p:ext>
     </p:extLst>
   </p:cSld>
